--- a/docs/IART Maze.pptx
+++ b/docs/IART Maze.pptx
@@ -1,23 +1,23 @@
 
 <file path=ppt/presentation.xml><?xml version="1.0" encoding="utf-8"?>
-<p:presentation xmlns:a="http://schemas.openxmlformats.org/drawingml/2006/main" xmlns:r="http://schemas.openxmlformats.org/officeDocument/2006/relationships" xmlns:mc="http://schemas.openxmlformats.org/markup-compatibility/2006" xmlns:mv="urn:schemas-microsoft-com:mac:vml" xmlns:p="http://schemas.openxmlformats.org/presentationml/2006/main" xmlns:c="http://schemas.openxmlformats.org/drawingml/2006/chart" xmlns:dgm="http://schemas.openxmlformats.org/drawingml/2006/diagram" xmlns:o="urn:schemas-microsoft-com:office:office" xmlns:v="urn:schemas-microsoft-com:vml" xmlns:pvml="urn:schemas-microsoft-com:office:powerpoint" xmlns:com="http://schemas.openxmlformats.org/drawingml/2006/compatibility" xmlns:p14="http://schemas.microsoft.com/office/powerpoint/2010/main" xmlns:p15="http://schemas.microsoft.com/office/powerpoint/2012/main" xmlns:ahyp="http://schemas.microsoft.com/office/drawing/2018/hyperlinkcolor" autoCompressPictures="0" strictFirstAndLastChars="0" saveSubsetFonts="1">
+<p:presentation xmlns:a="http://schemas.openxmlformats.org/drawingml/2006/main" xmlns:r="http://schemas.openxmlformats.org/officeDocument/2006/relationships" xmlns:p="http://schemas.openxmlformats.org/presentationml/2006/main" strictFirstAndLastChars="0" saveSubsetFonts="1" autoCompressPictures="0">
   <p:sldMasterIdLst>
-    <p:sldMasterId id="2147483659" r:id="rId5"/>
+    <p:sldMasterId id="2147483659" r:id="rId1"/>
   </p:sldMasterIdLst>
   <p:notesMasterIdLst>
-    <p:notesMasterId r:id="rId6"/>
+    <p:notesMasterId r:id="rId7"/>
   </p:notesMasterIdLst>
   <p:sldIdLst>
-    <p:sldId id="256" r:id="rId7"/>
-    <p:sldId id="257" r:id="rId8"/>
-    <p:sldId id="258" r:id="rId9"/>
-    <p:sldId id="259" r:id="rId10"/>
-    <p:sldId id="260" r:id="rId11"/>
+    <p:sldId id="256" r:id="rId2"/>
+    <p:sldId id="257" r:id="rId3"/>
+    <p:sldId id="258" r:id="rId4"/>
+    <p:sldId id="259" r:id="rId5"/>
+    <p:sldId id="260" r:id="rId6"/>
   </p:sldIdLst>
-  <p:sldSz cy="5143500" cx="9144000"/>
+  <p:sldSz cx="9144000" cy="5143500" type="screen16x9"/>
   <p:notesSz cx="6858000" cy="9144000"/>
   <p:defaultTextStyle>
-    <a:defPPr lvl="0" marR="0" rtl="0" algn="l">
+    <a:defPPr marR="0" lvl="0" algn="l" rtl="0">
       <a:lnSpc>
         <a:spcPct val="100000"/>
       </a:lnSpc>
@@ -28,7 +28,7 @@
         <a:spcPts val="0"/>
       </a:spcAft>
     </a:defPPr>
-    <a:lvl1pPr lvl="0" marR="0" rtl="0" algn="l">
+    <a:lvl1pPr marR="0" lvl="0" algn="l" rtl="0">
       <a:lnSpc>
         <a:spcPct val="100000"/>
       </a:lnSpc>
@@ -42,7 +42,7 @@
         <a:srgbClr val="000000"/>
       </a:buClr>
       <a:buFont typeface="Arial"/>
-      <a:defRPr b="0" i="0" sz="1400" u="none" cap="none" strike="noStrike">
+      <a:defRPr sz="1400" b="0" i="0" u="none" strike="noStrike" cap="none">
         <a:solidFill>
           <a:srgbClr val="000000"/>
         </a:solidFill>
@@ -52,7 +52,7 @@
         <a:sym typeface="Arial"/>
       </a:defRPr>
     </a:lvl1pPr>
-    <a:lvl2pPr lvl="1" marR="0" rtl="0" algn="l">
+    <a:lvl2pPr marR="0" lvl="1" algn="l" rtl="0">
       <a:lnSpc>
         <a:spcPct val="100000"/>
       </a:lnSpc>
@@ -66,7 +66,7 @@
         <a:srgbClr val="000000"/>
       </a:buClr>
       <a:buFont typeface="Arial"/>
-      <a:defRPr b="0" i="0" sz="1400" u="none" cap="none" strike="noStrike">
+      <a:defRPr sz="1400" b="0" i="0" u="none" strike="noStrike" cap="none">
         <a:solidFill>
           <a:srgbClr val="000000"/>
         </a:solidFill>
@@ -76,7 +76,7 @@
         <a:sym typeface="Arial"/>
       </a:defRPr>
     </a:lvl2pPr>
-    <a:lvl3pPr lvl="2" marR="0" rtl="0" algn="l">
+    <a:lvl3pPr marR="0" lvl="2" algn="l" rtl="0">
       <a:lnSpc>
         <a:spcPct val="100000"/>
       </a:lnSpc>
@@ -90,7 +90,7 @@
         <a:srgbClr val="000000"/>
       </a:buClr>
       <a:buFont typeface="Arial"/>
-      <a:defRPr b="0" i="0" sz="1400" u="none" cap="none" strike="noStrike">
+      <a:defRPr sz="1400" b="0" i="0" u="none" strike="noStrike" cap="none">
         <a:solidFill>
           <a:srgbClr val="000000"/>
         </a:solidFill>
@@ -100,7 +100,7 @@
         <a:sym typeface="Arial"/>
       </a:defRPr>
     </a:lvl3pPr>
-    <a:lvl4pPr lvl="3" marR="0" rtl="0" algn="l">
+    <a:lvl4pPr marR="0" lvl="3" algn="l" rtl="0">
       <a:lnSpc>
         <a:spcPct val="100000"/>
       </a:lnSpc>
@@ -114,7 +114,7 @@
         <a:srgbClr val="000000"/>
       </a:buClr>
       <a:buFont typeface="Arial"/>
-      <a:defRPr b="0" i="0" sz="1400" u="none" cap="none" strike="noStrike">
+      <a:defRPr sz="1400" b="0" i="0" u="none" strike="noStrike" cap="none">
         <a:solidFill>
           <a:srgbClr val="000000"/>
         </a:solidFill>
@@ -124,7 +124,7 @@
         <a:sym typeface="Arial"/>
       </a:defRPr>
     </a:lvl4pPr>
-    <a:lvl5pPr lvl="4" marR="0" rtl="0" algn="l">
+    <a:lvl5pPr marR="0" lvl="4" algn="l" rtl="0">
       <a:lnSpc>
         <a:spcPct val="100000"/>
       </a:lnSpc>
@@ -138,7 +138,7 @@
         <a:srgbClr val="000000"/>
       </a:buClr>
       <a:buFont typeface="Arial"/>
-      <a:defRPr b="0" i="0" sz="1400" u="none" cap="none" strike="noStrike">
+      <a:defRPr sz="1400" b="0" i="0" u="none" strike="noStrike" cap="none">
         <a:solidFill>
           <a:srgbClr val="000000"/>
         </a:solidFill>
@@ -148,7 +148,7 @@
         <a:sym typeface="Arial"/>
       </a:defRPr>
     </a:lvl5pPr>
-    <a:lvl6pPr lvl="5" marR="0" rtl="0" algn="l">
+    <a:lvl6pPr marR="0" lvl="5" algn="l" rtl="0">
       <a:lnSpc>
         <a:spcPct val="100000"/>
       </a:lnSpc>
@@ -162,7 +162,7 @@
         <a:srgbClr val="000000"/>
       </a:buClr>
       <a:buFont typeface="Arial"/>
-      <a:defRPr b="0" i="0" sz="1400" u="none" cap="none" strike="noStrike">
+      <a:defRPr sz="1400" b="0" i="0" u="none" strike="noStrike" cap="none">
         <a:solidFill>
           <a:srgbClr val="000000"/>
         </a:solidFill>
@@ -172,7 +172,7 @@
         <a:sym typeface="Arial"/>
       </a:defRPr>
     </a:lvl6pPr>
-    <a:lvl7pPr lvl="6" marR="0" rtl="0" algn="l">
+    <a:lvl7pPr marR="0" lvl="6" algn="l" rtl="0">
       <a:lnSpc>
         <a:spcPct val="100000"/>
       </a:lnSpc>
@@ -186,7 +186,7 @@
         <a:srgbClr val="000000"/>
       </a:buClr>
       <a:buFont typeface="Arial"/>
-      <a:defRPr b="0" i="0" sz="1400" u="none" cap="none" strike="noStrike">
+      <a:defRPr sz="1400" b="0" i="0" u="none" strike="noStrike" cap="none">
         <a:solidFill>
           <a:srgbClr val="000000"/>
         </a:solidFill>
@@ -196,7 +196,7 @@
         <a:sym typeface="Arial"/>
       </a:defRPr>
     </a:lvl7pPr>
-    <a:lvl8pPr lvl="7" marR="0" rtl="0" algn="l">
+    <a:lvl8pPr marR="0" lvl="7" algn="l" rtl="0">
       <a:lnSpc>
         <a:spcPct val="100000"/>
       </a:lnSpc>
@@ -210,7 +210,7 @@
         <a:srgbClr val="000000"/>
       </a:buClr>
       <a:buFont typeface="Arial"/>
-      <a:defRPr b="0" i="0" sz="1400" u="none" cap="none" strike="noStrike">
+      <a:defRPr sz="1400" b="0" i="0" u="none" strike="noStrike" cap="none">
         <a:solidFill>
           <a:srgbClr val="000000"/>
         </a:solidFill>
@@ -220,7 +220,7 @@
         <a:sym typeface="Arial"/>
       </a:defRPr>
     </a:lvl8pPr>
-    <a:lvl9pPr lvl="8" marR="0" rtl="0" algn="l">
+    <a:lvl9pPr marR="0" lvl="8" algn="l" rtl="0">
       <a:lnSpc>
         <a:spcPct val="100000"/>
       </a:lnSpc>
@@ -234,7 +234,7 @@
         <a:srgbClr val="000000"/>
       </a:buClr>
       <a:buFont typeface="Arial"/>
-      <a:defRPr b="0" i="0" sz="1400" u="none" cap="none" strike="noStrike">
+      <a:defRPr sz="1400" b="0" i="0" u="none" strike="noStrike" cap="none">
         <a:solidFill>
           <a:srgbClr val="000000"/>
         </a:solidFill>
@@ -247,7 +247,7 @@
   </p:defaultTextStyle>
   <p:extLst>
     <p:ext uri="{EFAFB233-063F-42B5-8137-9DF3F51BA10A}">
-      <p15:sldGuideLst>
+      <p15:sldGuideLst xmlns:p15="http://schemas.microsoft.com/office/powerpoint/2012/main">
         <p15:guide id="1" orient="horz" pos="1620">
           <p15:clr>
             <a:srgbClr val="A4A3A4"/>
@@ -265,11 +265,16 @@
 </file>
 
 <file path=ppt/notesMasters/notesMaster1.xml><?xml version="1.0" encoding="utf-8"?>
-<p:notesMaster xmlns:a="http://schemas.openxmlformats.org/drawingml/2006/main" xmlns:r="http://schemas.openxmlformats.org/officeDocument/2006/relationships" xmlns:mc="http://schemas.openxmlformats.org/markup-compatibility/2006" xmlns:mv="urn:schemas-microsoft-com:mac:vml" xmlns:p="http://schemas.openxmlformats.org/presentationml/2006/main" xmlns:c="http://schemas.openxmlformats.org/drawingml/2006/chart" xmlns:dgm="http://schemas.openxmlformats.org/drawingml/2006/diagram" xmlns:o="urn:schemas-microsoft-com:office:office" xmlns:v="urn:schemas-microsoft-com:vml" xmlns:pvml="urn:schemas-microsoft-com:office:powerpoint" xmlns:com="http://schemas.openxmlformats.org/drawingml/2006/compatibility" xmlns:p14="http://schemas.microsoft.com/office/powerpoint/2010/main" xmlns:p15="http://schemas.microsoft.com/office/powerpoint/2012/main" xmlns:ahyp="http://schemas.microsoft.com/office/drawing/2018/hyperlinkcolor">
+<p:notesMaster xmlns:a="http://schemas.openxmlformats.org/drawingml/2006/main" xmlns:r="http://schemas.openxmlformats.org/officeDocument/2006/relationships" xmlns:p="http://schemas.openxmlformats.org/presentationml/2006/main">
   <p:cSld>
+    <p:bg>
+      <p:bgRef idx="1001">
+        <a:schemeClr val="bg1"/>
+      </p:bgRef>
+    </p:bg>
     <p:spTree>
       <p:nvGrpSpPr>
-        <p:cNvPr id="2" name="Shape 2"/>
+        <p:cNvPr id="1" name="Shape 2"/>
         <p:cNvGrpSpPr/>
         <p:nvPr/>
       </p:nvGrpSpPr>
@@ -284,9 +289,11 @@
       <p:sp>
         <p:nvSpPr>
           <p:cNvPr id="3" name="Google Shape;3;n"/>
-          <p:cNvSpPr/>
+          <p:cNvSpPr>
+            <a:spLocks noGrp="1" noRot="1" noChangeAspect="1"/>
+          </p:cNvSpPr>
           <p:nvPr>
-            <p:ph idx="2" type="sldImg"/>
+            <p:ph type="sldImg" idx="2"/>
           </p:nvPr>
         </p:nvSpPr>
         <p:spPr>
@@ -295,9 +302,13 @@
             <a:ext cx="6096075" cy="3429000"/>
           </a:xfrm>
           <a:custGeom>
-            <a:rect b="b" l="l" r="r" t="t"/>
+            <a:avLst/>
+            <a:gdLst/>
+            <a:ahLst/>
+            <a:cxnLst/>
+            <a:rect l="l" t="t" r="r" b="b"/>
             <a:pathLst>
-              <a:path extrusionOk="0" h="120000" w="120000">
+              <a:path w="120000" h="120000" extrusionOk="0">
                 <a:moveTo>
                   <a:pt x="0" y="0"/>
                 </a:moveTo>
@@ -315,23 +326,25 @@
             </a:pathLst>
           </a:custGeom>
           <a:noFill/>
-          <a:ln cap="flat" cmpd="sng" w="9525">
+          <a:ln w="9525" cap="flat" cmpd="sng">
             <a:solidFill>
               <a:srgbClr val="000000"/>
             </a:solidFill>
             <a:prstDash val="solid"/>
             <a:round/>
-            <a:headEnd len="sm" w="sm" type="none"/>
-            <a:tailEnd len="sm" w="sm" type="none"/>
+            <a:headEnd type="none" w="sm" len="sm"/>
+            <a:tailEnd type="none" w="sm" len="sm"/>
           </a:ln>
         </p:spPr>
       </p:sp>
       <p:sp>
         <p:nvSpPr>
           <p:cNvPr id="4" name="Google Shape;4;n"/>
-          <p:cNvSpPr txBox="1"/>
+          <p:cNvSpPr txBox="1">
+            <a:spLocks noGrp="1"/>
+          </p:cNvSpPr>
           <p:nvPr>
-            <p:ph idx="1" type="body"/>
+            <p:ph type="body" idx="1"/>
           </p:nvPr>
         </p:nvSpPr>
         <p:spPr>
@@ -348,11 +361,11 @@
           </a:ln>
         </p:spPr>
         <p:txBody>
-          <a:bodyPr anchorCtr="0" anchor="t" bIns="91425" lIns="91425" spcFirstLastPara="1" rIns="91425" wrap="square" tIns="91425">
+          <a:bodyPr spcFirstLastPara="1" wrap="square" lIns="91425" tIns="91425" rIns="91425" bIns="91425" anchor="t" anchorCtr="0">
             <a:noAutofit/>
           </a:bodyPr>
           <a:lstStyle>
-            <a:lvl1pPr indent="-298450" lvl="0" marL="457200">
+            <a:lvl1pPr marL="457200" lvl="0" indent="-298450">
               <a:spcBef>
                 <a:spcPts val="0"/>
               </a:spcBef>
@@ -363,7 +376,7 @@
               <a:buChar char="●"/>
               <a:defRPr sz="1100"/>
             </a:lvl1pPr>
-            <a:lvl2pPr indent="-298450" lvl="1" marL="914400">
+            <a:lvl2pPr marL="914400" lvl="1" indent="-298450">
               <a:spcBef>
                 <a:spcPts val="0"/>
               </a:spcBef>
@@ -374,7 +387,7 @@
               <a:buChar char="○"/>
               <a:defRPr sz="1100"/>
             </a:lvl2pPr>
-            <a:lvl3pPr indent="-298450" lvl="2" marL="1371600">
+            <a:lvl3pPr marL="1371600" lvl="2" indent="-298450">
               <a:spcBef>
                 <a:spcPts val="0"/>
               </a:spcBef>
@@ -385,7 +398,7 @@
               <a:buChar char="■"/>
               <a:defRPr sz="1100"/>
             </a:lvl3pPr>
-            <a:lvl4pPr indent="-298450" lvl="3" marL="1828800">
+            <a:lvl4pPr marL="1828800" lvl="3" indent="-298450">
               <a:spcBef>
                 <a:spcPts val="0"/>
               </a:spcBef>
@@ -396,7 +409,7 @@
               <a:buChar char="●"/>
               <a:defRPr sz="1100"/>
             </a:lvl4pPr>
-            <a:lvl5pPr indent="-298450" lvl="4" marL="2286000">
+            <a:lvl5pPr marL="2286000" lvl="4" indent="-298450">
               <a:spcBef>
                 <a:spcPts val="0"/>
               </a:spcBef>
@@ -407,7 +420,7 @@
               <a:buChar char="○"/>
               <a:defRPr sz="1100"/>
             </a:lvl5pPr>
-            <a:lvl6pPr indent="-298450" lvl="5" marL="2743200">
+            <a:lvl6pPr marL="2743200" lvl="5" indent="-298450">
               <a:spcBef>
                 <a:spcPts val="0"/>
               </a:spcBef>
@@ -418,7 +431,7 @@
               <a:buChar char="■"/>
               <a:defRPr sz="1100"/>
             </a:lvl6pPr>
-            <a:lvl7pPr indent="-298450" lvl="6" marL="3200400">
+            <a:lvl7pPr marL="3200400" lvl="6" indent="-298450">
               <a:spcBef>
                 <a:spcPts val="0"/>
               </a:spcBef>
@@ -429,7 +442,7 @@
               <a:buChar char="●"/>
               <a:defRPr sz="1100"/>
             </a:lvl7pPr>
-            <a:lvl8pPr indent="-298450" lvl="7" marL="3657600">
+            <a:lvl8pPr marL="3657600" lvl="7" indent="-298450">
               <a:spcBef>
                 <a:spcPts val="0"/>
               </a:spcBef>
@@ -440,7 +453,7 @@
               <a:buChar char="○"/>
               <a:defRPr sz="1100"/>
             </a:lvl8pPr>
-            <a:lvl9pPr indent="-298450" lvl="8" marL="4114800">
+            <a:lvl9pPr marL="4114800" lvl="8" indent="-298450">
               <a:spcBef>
                 <a:spcPts val="0"/>
               </a:spcBef>
@@ -452,14 +465,16 @@
               <a:defRPr sz="1100"/>
             </a:lvl9pPr>
           </a:lstStyle>
-          <a:p/>
+          <a:p>
+            <a:endParaRPr/>
+          </a:p>
         </p:txBody>
       </p:sp>
     </p:spTree>
   </p:cSld>
-  <p:clrMap accent1="accent1" accent2="accent2" accent3="accent3" accent4="accent4" accent5="accent5" accent6="accent6" bg1="lt1" bg2="dk2" tx1="dk1" tx2="lt2" folHlink="folHlink" hlink="hlink"/>
+  <p:clrMap bg1="lt1" tx1="dk1" bg2="dk2" tx2="lt2" accent1="accent1" accent2="accent2" accent3="accent3" accent4="accent4" accent5="accent5" accent6="accent6" hlink="hlink" folHlink="folHlink"/>
   <p:notesStyle>
-    <a:defPPr lvl="0" marR="0" rtl="0" algn="l">
+    <a:defPPr marR="0" lvl="0" algn="l" rtl="0">
       <a:lnSpc>
         <a:spcPct val="100000"/>
       </a:lnSpc>
@@ -470,7 +485,7 @@
         <a:spcPts val="0"/>
       </a:spcAft>
     </a:defPPr>
-    <a:lvl1pPr lvl="0" marR="0" rtl="0" algn="l">
+    <a:lvl1pPr marR="0" lvl="0" algn="l" rtl="0">
       <a:lnSpc>
         <a:spcPct val="100000"/>
       </a:lnSpc>
@@ -484,7 +499,7 @@
         <a:srgbClr val="000000"/>
       </a:buClr>
       <a:buFont typeface="Arial"/>
-      <a:defRPr b="0" i="0" sz="1400" u="none" cap="none" strike="noStrike">
+      <a:defRPr sz="1400" b="0" i="0" u="none" strike="noStrike" cap="none">
         <a:solidFill>
           <a:srgbClr val="000000"/>
         </a:solidFill>
@@ -494,7 +509,7 @@
         <a:sym typeface="Arial"/>
       </a:defRPr>
     </a:lvl1pPr>
-    <a:lvl2pPr lvl="1" marR="0" rtl="0" algn="l">
+    <a:lvl2pPr marR="0" lvl="1" algn="l" rtl="0">
       <a:lnSpc>
         <a:spcPct val="100000"/>
       </a:lnSpc>
@@ -508,7 +523,7 @@
         <a:srgbClr val="000000"/>
       </a:buClr>
       <a:buFont typeface="Arial"/>
-      <a:defRPr b="0" i="0" sz="1400" u="none" cap="none" strike="noStrike">
+      <a:defRPr sz="1400" b="0" i="0" u="none" strike="noStrike" cap="none">
         <a:solidFill>
           <a:srgbClr val="000000"/>
         </a:solidFill>
@@ -518,7 +533,7 @@
         <a:sym typeface="Arial"/>
       </a:defRPr>
     </a:lvl2pPr>
-    <a:lvl3pPr lvl="2" marR="0" rtl="0" algn="l">
+    <a:lvl3pPr marR="0" lvl="2" algn="l" rtl="0">
       <a:lnSpc>
         <a:spcPct val="100000"/>
       </a:lnSpc>
@@ -532,7 +547,7 @@
         <a:srgbClr val="000000"/>
       </a:buClr>
       <a:buFont typeface="Arial"/>
-      <a:defRPr b="0" i="0" sz="1400" u="none" cap="none" strike="noStrike">
+      <a:defRPr sz="1400" b="0" i="0" u="none" strike="noStrike" cap="none">
         <a:solidFill>
           <a:srgbClr val="000000"/>
         </a:solidFill>
@@ -542,7 +557,7 @@
         <a:sym typeface="Arial"/>
       </a:defRPr>
     </a:lvl3pPr>
-    <a:lvl4pPr lvl="3" marR="0" rtl="0" algn="l">
+    <a:lvl4pPr marR="0" lvl="3" algn="l" rtl="0">
       <a:lnSpc>
         <a:spcPct val="100000"/>
       </a:lnSpc>
@@ -556,7 +571,7 @@
         <a:srgbClr val="000000"/>
       </a:buClr>
       <a:buFont typeface="Arial"/>
-      <a:defRPr b="0" i="0" sz="1400" u="none" cap="none" strike="noStrike">
+      <a:defRPr sz="1400" b="0" i="0" u="none" strike="noStrike" cap="none">
         <a:solidFill>
           <a:srgbClr val="000000"/>
         </a:solidFill>
@@ -566,7 +581,7 @@
         <a:sym typeface="Arial"/>
       </a:defRPr>
     </a:lvl4pPr>
-    <a:lvl5pPr lvl="4" marR="0" rtl="0" algn="l">
+    <a:lvl5pPr marR="0" lvl="4" algn="l" rtl="0">
       <a:lnSpc>
         <a:spcPct val="100000"/>
       </a:lnSpc>
@@ -580,7 +595,7 @@
         <a:srgbClr val="000000"/>
       </a:buClr>
       <a:buFont typeface="Arial"/>
-      <a:defRPr b="0" i="0" sz="1400" u="none" cap="none" strike="noStrike">
+      <a:defRPr sz="1400" b="0" i="0" u="none" strike="noStrike" cap="none">
         <a:solidFill>
           <a:srgbClr val="000000"/>
         </a:solidFill>
@@ -590,7 +605,7 @@
         <a:sym typeface="Arial"/>
       </a:defRPr>
     </a:lvl5pPr>
-    <a:lvl6pPr lvl="5" marR="0" rtl="0" algn="l">
+    <a:lvl6pPr marR="0" lvl="5" algn="l" rtl="0">
       <a:lnSpc>
         <a:spcPct val="100000"/>
       </a:lnSpc>
@@ -604,7 +619,7 @@
         <a:srgbClr val="000000"/>
       </a:buClr>
       <a:buFont typeface="Arial"/>
-      <a:defRPr b="0" i="0" sz="1400" u="none" cap="none" strike="noStrike">
+      <a:defRPr sz="1400" b="0" i="0" u="none" strike="noStrike" cap="none">
         <a:solidFill>
           <a:srgbClr val="000000"/>
         </a:solidFill>
@@ -614,7 +629,7 @@
         <a:sym typeface="Arial"/>
       </a:defRPr>
     </a:lvl6pPr>
-    <a:lvl7pPr lvl="6" marR="0" rtl="0" algn="l">
+    <a:lvl7pPr marR="0" lvl="6" algn="l" rtl="0">
       <a:lnSpc>
         <a:spcPct val="100000"/>
       </a:lnSpc>
@@ -628,7 +643,7 @@
         <a:srgbClr val="000000"/>
       </a:buClr>
       <a:buFont typeface="Arial"/>
-      <a:defRPr b="0" i="0" sz="1400" u="none" cap="none" strike="noStrike">
+      <a:defRPr sz="1400" b="0" i="0" u="none" strike="noStrike" cap="none">
         <a:solidFill>
           <a:srgbClr val="000000"/>
         </a:solidFill>
@@ -638,7 +653,7 @@
         <a:sym typeface="Arial"/>
       </a:defRPr>
     </a:lvl7pPr>
-    <a:lvl8pPr lvl="7" marR="0" rtl="0" algn="l">
+    <a:lvl8pPr marR="0" lvl="7" algn="l" rtl="0">
       <a:lnSpc>
         <a:spcPct val="100000"/>
       </a:lnSpc>
@@ -652,7 +667,7 @@
         <a:srgbClr val="000000"/>
       </a:buClr>
       <a:buFont typeface="Arial"/>
-      <a:defRPr b="0" i="0" sz="1400" u="none" cap="none" strike="noStrike">
+      <a:defRPr sz="1400" b="0" i="0" u="none" strike="noStrike" cap="none">
         <a:solidFill>
           <a:srgbClr val="000000"/>
         </a:solidFill>
@@ -662,7 +677,7 @@
         <a:sym typeface="Arial"/>
       </a:defRPr>
     </a:lvl8pPr>
-    <a:lvl9pPr lvl="8" marR="0" rtl="0" algn="l">
+    <a:lvl9pPr marR="0" lvl="8" algn="l" rtl="0">
       <a:lnSpc>
         <a:spcPct val="100000"/>
       </a:lnSpc>
@@ -676,7 +691,7 @@
         <a:srgbClr val="000000"/>
       </a:buClr>
       <a:buFont typeface="Arial"/>
-      <a:defRPr b="0" i="0" sz="1400" u="none" cap="none" strike="noStrike">
+      <a:defRPr sz="1400" b="0" i="0" u="none" strike="noStrike" cap="none">
         <a:solidFill>
           <a:srgbClr val="000000"/>
         </a:solidFill>
@@ -691,11 +706,11 @@
 </file>
 
 <file path=ppt/notesSlides/notesSlide1.xml><?xml version="1.0" encoding="utf-8"?>
-<p:notes xmlns:a="http://schemas.openxmlformats.org/drawingml/2006/main" xmlns:r="http://schemas.openxmlformats.org/officeDocument/2006/relationships" xmlns:mc="http://schemas.openxmlformats.org/markup-compatibility/2006" xmlns:mv="urn:schemas-microsoft-com:mac:vml" xmlns:p="http://schemas.openxmlformats.org/presentationml/2006/main" xmlns:c="http://schemas.openxmlformats.org/drawingml/2006/chart" xmlns:dgm="http://schemas.openxmlformats.org/drawingml/2006/diagram" xmlns:o="urn:schemas-microsoft-com:office:office" xmlns:v="urn:schemas-microsoft-com:vml" xmlns:pvml="urn:schemas-microsoft-com:office:powerpoint" xmlns:com="http://schemas.openxmlformats.org/drawingml/2006/compatibility" xmlns:p14="http://schemas.microsoft.com/office/powerpoint/2010/main" xmlns:p15="http://schemas.microsoft.com/office/powerpoint/2012/main" xmlns:ahyp="http://schemas.microsoft.com/office/drawing/2018/hyperlinkcolor" showMasterPhAnim="0" showMasterSp="0">
+<p:notes xmlns:a="http://schemas.openxmlformats.org/drawingml/2006/main" xmlns:r="http://schemas.openxmlformats.org/officeDocument/2006/relationships" xmlns:p="http://schemas.openxmlformats.org/presentationml/2006/main" showMasterSp="0" showMasterPhAnim="0">
   <p:cSld>
     <p:spTree>
       <p:nvGrpSpPr>
-        <p:cNvPr id="50" name="Shape 50"/>
+        <p:cNvPr id="1" name="Shape 50"/>
         <p:cNvGrpSpPr/>
         <p:nvPr/>
       </p:nvGrpSpPr>
@@ -710,9 +725,11 @@
       <p:sp>
         <p:nvSpPr>
           <p:cNvPr id="51" name="Google Shape;51;p:notes"/>
-          <p:cNvSpPr/>
+          <p:cNvSpPr>
+            <a:spLocks noGrp="1" noRot="1" noChangeAspect="1"/>
+          </p:cNvSpPr>
           <p:nvPr>
-            <p:ph idx="2" type="sldImg"/>
+            <p:ph type="sldImg" idx="2"/>
           </p:nvPr>
         </p:nvSpPr>
         <p:spPr>
@@ -721,9 +738,13 @@
             <a:ext cx="6096075" cy="3429000"/>
           </a:xfrm>
           <a:custGeom>
-            <a:rect b="b" l="l" r="r" t="t"/>
+            <a:avLst/>
+            <a:gdLst/>
+            <a:ahLst/>
+            <a:cxnLst/>
+            <a:rect l="l" t="t" r="r" b="b"/>
             <a:pathLst>
-              <a:path extrusionOk="0" h="120000" w="120000">
+              <a:path w="120000" h="120000" extrusionOk="0">
                 <a:moveTo>
                   <a:pt x="0" y="0"/>
                 </a:moveTo>
@@ -745,9 +766,11 @@
       <p:sp>
         <p:nvSpPr>
           <p:cNvPr id="52" name="Google Shape;52;p:notes"/>
-          <p:cNvSpPr txBox="1"/>
+          <p:cNvSpPr txBox="1">
+            <a:spLocks noGrp="1"/>
+          </p:cNvSpPr>
           <p:nvPr>
-            <p:ph idx="1" type="body"/>
+            <p:ph type="body" idx="1"/>
           </p:nvPr>
         </p:nvSpPr>
         <p:spPr>
@@ -760,12 +783,12 @@
           </a:prstGeom>
         </p:spPr>
         <p:txBody>
-          <a:bodyPr anchorCtr="0" anchor="t" bIns="91425" lIns="91425" spcFirstLastPara="1" rIns="91425" wrap="square" tIns="91425">
+          <a:bodyPr spcFirstLastPara="1" wrap="square" lIns="91425" tIns="91425" rIns="91425" bIns="91425" anchor="t" anchorCtr="0">
             <a:noAutofit/>
           </a:bodyPr>
           <a:lstStyle/>
           <a:p>
-            <a:pPr indent="0" lvl="0" marL="0" rtl="0" algn="l">
+            <a:pPr marL="0" lvl="0" indent="0" algn="l" rtl="0">
               <a:spcBef>
                 <a:spcPts val="0"/>
               </a:spcBef>
@@ -774,9 +797,6 @@
               </a:spcAft>
               <a:buNone/>
             </a:pPr>
-            <a:r>
-              <a:t/>
-            </a:r>
             <a:endParaRPr/>
           </a:p>
         </p:txBody>
@@ -790,11 +810,11 @@
 </file>
 
 <file path=ppt/notesSlides/notesSlide2.xml><?xml version="1.0" encoding="utf-8"?>
-<p:notes xmlns:a="http://schemas.openxmlformats.org/drawingml/2006/main" xmlns:r="http://schemas.openxmlformats.org/officeDocument/2006/relationships" xmlns:mc="http://schemas.openxmlformats.org/markup-compatibility/2006" xmlns:mv="urn:schemas-microsoft-com:mac:vml" xmlns:p="http://schemas.openxmlformats.org/presentationml/2006/main" xmlns:c="http://schemas.openxmlformats.org/drawingml/2006/chart" xmlns:dgm="http://schemas.openxmlformats.org/drawingml/2006/diagram" xmlns:o="urn:schemas-microsoft-com:office:office" xmlns:v="urn:schemas-microsoft-com:vml" xmlns:pvml="urn:schemas-microsoft-com:office:powerpoint" xmlns:com="http://schemas.openxmlformats.org/drawingml/2006/compatibility" xmlns:p14="http://schemas.microsoft.com/office/powerpoint/2010/main" xmlns:p15="http://schemas.microsoft.com/office/powerpoint/2012/main" xmlns:ahyp="http://schemas.microsoft.com/office/drawing/2018/hyperlinkcolor" showMasterPhAnim="0" showMasterSp="0">
+<p:notes xmlns:a="http://schemas.openxmlformats.org/drawingml/2006/main" xmlns:r="http://schemas.openxmlformats.org/officeDocument/2006/relationships" xmlns:p="http://schemas.openxmlformats.org/presentationml/2006/main" showMasterSp="0" showMasterPhAnim="0">
   <p:cSld>
     <p:spTree>
       <p:nvGrpSpPr>
-        <p:cNvPr id="58" name="Shape 58"/>
+        <p:cNvPr id="1" name="Shape 58"/>
         <p:cNvGrpSpPr/>
         <p:nvPr/>
       </p:nvGrpSpPr>
@@ -809,20 +829,26 @@
       <p:sp>
         <p:nvSpPr>
           <p:cNvPr id="59" name="Google Shape;59;g120c6593f18_2_0:notes"/>
-          <p:cNvSpPr/>
+          <p:cNvSpPr>
+            <a:spLocks noGrp="1" noRot="1" noChangeAspect="1"/>
+          </p:cNvSpPr>
           <p:nvPr>
-            <p:ph idx="2" type="sldImg"/>
+            <p:ph type="sldImg" idx="2"/>
           </p:nvPr>
         </p:nvSpPr>
         <p:spPr>
           <a:xfrm>
-            <a:off x="381300" y="685800"/>
+            <a:off x="381000" y="685800"/>
             <a:ext cx="6096000" cy="3429000"/>
           </a:xfrm>
           <a:custGeom>
-            <a:rect b="b" l="l" r="r" t="t"/>
+            <a:avLst/>
+            <a:gdLst/>
+            <a:ahLst/>
+            <a:cxnLst/>
+            <a:rect l="l" t="t" r="r" b="b"/>
             <a:pathLst>
-              <a:path extrusionOk="0" h="120000" w="120000">
+              <a:path w="120000" h="120000" extrusionOk="0">
                 <a:moveTo>
                   <a:pt x="0" y="0"/>
                 </a:moveTo>
@@ -844,9 +870,11 @@
       <p:sp>
         <p:nvSpPr>
           <p:cNvPr id="60" name="Google Shape;60;g120c6593f18_2_0:notes"/>
-          <p:cNvSpPr txBox="1"/>
+          <p:cNvSpPr txBox="1">
+            <a:spLocks noGrp="1"/>
+          </p:cNvSpPr>
           <p:nvPr>
-            <p:ph idx="1" type="body"/>
+            <p:ph type="body" idx="1"/>
           </p:nvPr>
         </p:nvSpPr>
         <p:spPr>
@@ -859,12 +887,12 @@
           </a:prstGeom>
         </p:spPr>
         <p:txBody>
-          <a:bodyPr anchorCtr="0" anchor="t" bIns="91425" lIns="91425" spcFirstLastPara="1" rIns="91425" wrap="square" tIns="91425">
+          <a:bodyPr spcFirstLastPara="1" wrap="square" lIns="91425" tIns="91425" rIns="91425" bIns="91425" anchor="t" anchorCtr="0">
             <a:noAutofit/>
           </a:bodyPr>
           <a:lstStyle/>
           <a:p>
-            <a:pPr indent="0" lvl="0" marL="0" rtl="0" algn="l">
+            <a:pPr marL="0" lvl="0" indent="0" algn="l" rtl="0">
               <a:spcBef>
                 <a:spcPts val="0"/>
               </a:spcBef>
@@ -873,9 +901,6 @@
               </a:spcAft>
               <a:buNone/>
             </a:pPr>
-            <a:r>
-              <a:t/>
-            </a:r>
             <a:endParaRPr/>
           </a:p>
         </p:txBody>
@@ -889,11 +914,11 @@
 </file>
 
 <file path=ppt/notesSlides/notesSlide3.xml><?xml version="1.0" encoding="utf-8"?>
-<p:notes xmlns:a="http://schemas.openxmlformats.org/drawingml/2006/main" xmlns:r="http://schemas.openxmlformats.org/officeDocument/2006/relationships" xmlns:mc="http://schemas.openxmlformats.org/markup-compatibility/2006" xmlns:mv="urn:schemas-microsoft-com:mac:vml" xmlns:p="http://schemas.openxmlformats.org/presentationml/2006/main" xmlns:c="http://schemas.openxmlformats.org/drawingml/2006/chart" xmlns:dgm="http://schemas.openxmlformats.org/drawingml/2006/diagram" xmlns:o="urn:schemas-microsoft-com:office:office" xmlns:v="urn:schemas-microsoft-com:vml" xmlns:pvml="urn:schemas-microsoft-com:office:powerpoint" xmlns:com="http://schemas.openxmlformats.org/drawingml/2006/compatibility" xmlns:p14="http://schemas.microsoft.com/office/powerpoint/2010/main" xmlns:p15="http://schemas.microsoft.com/office/powerpoint/2012/main" xmlns:ahyp="http://schemas.microsoft.com/office/drawing/2018/hyperlinkcolor" showMasterPhAnim="0" showMasterSp="0">
+<p:notes xmlns:a="http://schemas.openxmlformats.org/drawingml/2006/main" xmlns:r="http://schemas.openxmlformats.org/officeDocument/2006/relationships" xmlns:p="http://schemas.openxmlformats.org/presentationml/2006/main" showMasterSp="0" showMasterPhAnim="0">
   <p:cSld>
     <p:spTree>
       <p:nvGrpSpPr>
-        <p:cNvPr id="65" name="Shape 65"/>
+        <p:cNvPr id="1" name="Shape 65"/>
         <p:cNvGrpSpPr/>
         <p:nvPr/>
       </p:nvGrpSpPr>
@@ -908,20 +933,26 @@
       <p:sp>
         <p:nvSpPr>
           <p:cNvPr id="66" name="Google Shape;66;g120c6593f18_2_5:notes"/>
-          <p:cNvSpPr/>
+          <p:cNvSpPr>
+            <a:spLocks noGrp="1" noRot="1" noChangeAspect="1"/>
+          </p:cNvSpPr>
           <p:nvPr>
-            <p:ph idx="2" type="sldImg"/>
+            <p:ph type="sldImg" idx="2"/>
           </p:nvPr>
         </p:nvSpPr>
         <p:spPr>
           <a:xfrm>
-            <a:off x="381300" y="685800"/>
+            <a:off x="381000" y="685800"/>
             <a:ext cx="6096000" cy="3429000"/>
           </a:xfrm>
           <a:custGeom>
-            <a:rect b="b" l="l" r="r" t="t"/>
+            <a:avLst/>
+            <a:gdLst/>
+            <a:ahLst/>
+            <a:cxnLst/>
+            <a:rect l="l" t="t" r="r" b="b"/>
             <a:pathLst>
-              <a:path extrusionOk="0" h="120000" w="120000">
+              <a:path w="120000" h="120000" extrusionOk="0">
                 <a:moveTo>
                   <a:pt x="0" y="0"/>
                 </a:moveTo>
@@ -943,9 +974,11 @@
       <p:sp>
         <p:nvSpPr>
           <p:cNvPr id="67" name="Google Shape;67;g120c6593f18_2_5:notes"/>
-          <p:cNvSpPr txBox="1"/>
+          <p:cNvSpPr txBox="1">
+            <a:spLocks noGrp="1"/>
+          </p:cNvSpPr>
           <p:nvPr>
-            <p:ph idx="1" type="body"/>
+            <p:ph type="body" idx="1"/>
           </p:nvPr>
         </p:nvSpPr>
         <p:spPr>
@@ -958,12 +991,12 @@
           </a:prstGeom>
         </p:spPr>
         <p:txBody>
-          <a:bodyPr anchorCtr="0" anchor="t" bIns="91425" lIns="91425" spcFirstLastPara="1" rIns="91425" wrap="square" tIns="91425">
+          <a:bodyPr spcFirstLastPara="1" wrap="square" lIns="91425" tIns="91425" rIns="91425" bIns="91425" anchor="t" anchorCtr="0">
             <a:noAutofit/>
           </a:bodyPr>
           <a:lstStyle/>
           <a:p>
-            <a:pPr indent="0" lvl="0" marL="0" rtl="0" algn="l">
+            <a:pPr marL="0" lvl="0" indent="0" algn="l" rtl="0">
               <a:spcBef>
                 <a:spcPts val="0"/>
               </a:spcBef>
@@ -972,9 +1005,6 @@
               </a:spcAft>
               <a:buNone/>
             </a:pPr>
-            <a:r>
-              <a:t/>
-            </a:r>
             <a:endParaRPr/>
           </a:p>
         </p:txBody>
@@ -988,11 +1018,11 @@
 </file>
 
 <file path=ppt/notesSlides/notesSlide4.xml><?xml version="1.0" encoding="utf-8"?>
-<p:notes xmlns:a="http://schemas.openxmlformats.org/drawingml/2006/main" xmlns:r="http://schemas.openxmlformats.org/officeDocument/2006/relationships" xmlns:mc="http://schemas.openxmlformats.org/markup-compatibility/2006" xmlns:mv="urn:schemas-microsoft-com:mac:vml" xmlns:p="http://schemas.openxmlformats.org/presentationml/2006/main" xmlns:c="http://schemas.openxmlformats.org/drawingml/2006/chart" xmlns:dgm="http://schemas.openxmlformats.org/drawingml/2006/diagram" xmlns:o="urn:schemas-microsoft-com:office:office" xmlns:v="urn:schemas-microsoft-com:vml" xmlns:pvml="urn:schemas-microsoft-com:office:powerpoint" xmlns:com="http://schemas.openxmlformats.org/drawingml/2006/compatibility" xmlns:p14="http://schemas.microsoft.com/office/powerpoint/2010/main" xmlns:p15="http://schemas.microsoft.com/office/powerpoint/2012/main" xmlns:ahyp="http://schemas.microsoft.com/office/drawing/2018/hyperlinkcolor" showMasterPhAnim="0" showMasterSp="0">
+<p:notes xmlns:a="http://schemas.openxmlformats.org/drawingml/2006/main" xmlns:r="http://schemas.openxmlformats.org/officeDocument/2006/relationships" xmlns:p="http://schemas.openxmlformats.org/presentationml/2006/main" showMasterSp="0" showMasterPhAnim="0">
   <p:cSld>
     <p:spTree>
       <p:nvGrpSpPr>
-        <p:cNvPr id="72" name="Shape 72"/>
+        <p:cNvPr id="1" name="Shape 72"/>
         <p:cNvGrpSpPr/>
         <p:nvPr/>
       </p:nvGrpSpPr>
@@ -1007,20 +1037,26 @@
       <p:sp>
         <p:nvSpPr>
           <p:cNvPr id="73" name="Google Shape;73;g120c6593f18_2_10:notes"/>
-          <p:cNvSpPr/>
+          <p:cNvSpPr>
+            <a:spLocks noGrp="1" noRot="1" noChangeAspect="1"/>
+          </p:cNvSpPr>
           <p:nvPr>
-            <p:ph idx="2" type="sldImg"/>
+            <p:ph type="sldImg" idx="2"/>
           </p:nvPr>
         </p:nvSpPr>
         <p:spPr>
           <a:xfrm>
-            <a:off x="381300" y="685800"/>
+            <a:off x="381000" y="685800"/>
             <a:ext cx="6096000" cy="3429000"/>
           </a:xfrm>
           <a:custGeom>
-            <a:rect b="b" l="l" r="r" t="t"/>
+            <a:avLst/>
+            <a:gdLst/>
+            <a:ahLst/>
+            <a:cxnLst/>
+            <a:rect l="l" t="t" r="r" b="b"/>
             <a:pathLst>
-              <a:path extrusionOk="0" h="120000" w="120000">
+              <a:path w="120000" h="120000" extrusionOk="0">
                 <a:moveTo>
                   <a:pt x="0" y="0"/>
                 </a:moveTo>
@@ -1042,9 +1078,11 @@
       <p:sp>
         <p:nvSpPr>
           <p:cNvPr id="74" name="Google Shape;74;g120c6593f18_2_10:notes"/>
-          <p:cNvSpPr txBox="1"/>
+          <p:cNvSpPr txBox="1">
+            <a:spLocks noGrp="1"/>
+          </p:cNvSpPr>
           <p:nvPr>
-            <p:ph idx="1" type="body"/>
+            <p:ph type="body" idx="1"/>
           </p:nvPr>
         </p:nvSpPr>
         <p:spPr>
@@ -1057,12 +1095,12 @@
           </a:prstGeom>
         </p:spPr>
         <p:txBody>
-          <a:bodyPr anchorCtr="0" anchor="t" bIns="91425" lIns="91425" spcFirstLastPara="1" rIns="91425" wrap="square" tIns="91425">
+          <a:bodyPr spcFirstLastPara="1" wrap="square" lIns="91425" tIns="91425" rIns="91425" bIns="91425" anchor="t" anchorCtr="0">
             <a:noAutofit/>
           </a:bodyPr>
           <a:lstStyle/>
           <a:p>
-            <a:pPr indent="0" lvl="0" marL="0" rtl="0" algn="l">
+            <a:pPr marL="0" lvl="0" indent="0" algn="l" rtl="0">
               <a:spcBef>
                 <a:spcPts val="0"/>
               </a:spcBef>
@@ -1071,9 +1109,6 @@
               </a:spcAft>
               <a:buNone/>
             </a:pPr>
-            <a:r>
-              <a:t/>
-            </a:r>
             <a:endParaRPr/>
           </a:p>
         </p:txBody>
@@ -1087,11 +1122,11 @@
 </file>
 
 <file path=ppt/notesSlides/notesSlide5.xml><?xml version="1.0" encoding="utf-8"?>
-<p:notes xmlns:a="http://schemas.openxmlformats.org/drawingml/2006/main" xmlns:r="http://schemas.openxmlformats.org/officeDocument/2006/relationships" xmlns:mc="http://schemas.openxmlformats.org/markup-compatibility/2006" xmlns:mv="urn:schemas-microsoft-com:mac:vml" xmlns:p="http://schemas.openxmlformats.org/presentationml/2006/main" xmlns:c="http://schemas.openxmlformats.org/drawingml/2006/chart" xmlns:dgm="http://schemas.openxmlformats.org/drawingml/2006/diagram" xmlns:o="urn:schemas-microsoft-com:office:office" xmlns:v="urn:schemas-microsoft-com:vml" xmlns:pvml="urn:schemas-microsoft-com:office:powerpoint" xmlns:com="http://schemas.openxmlformats.org/drawingml/2006/compatibility" xmlns:p14="http://schemas.microsoft.com/office/powerpoint/2010/main" xmlns:p15="http://schemas.microsoft.com/office/powerpoint/2012/main" xmlns:ahyp="http://schemas.microsoft.com/office/drawing/2018/hyperlinkcolor" showMasterPhAnim="0" showMasterSp="0">
+<p:notes xmlns:a="http://schemas.openxmlformats.org/drawingml/2006/main" xmlns:r="http://schemas.openxmlformats.org/officeDocument/2006/relationships" xmlns:p="http://schemas.openxmlformats.org/presentationml/2006/main" showMasterSp="0" showMasterPhAnim="0">
   <p:cSld>
     <p:spTree>
       <p:nvGrpSpPr>
-        <p:cNvPr id="78" name="Shape 78"/>
+        <p:cNvPr id="1" name="Shape 78"/>
         <p:cNvGrpSpPr/>
         <p:nvPr/>
       </p:nvGrpSpPr>
@@ -1106,9 +1141,11 @@
       <p:sp>
         <p:nvSpPr>
           <p:cNvPr id="79" name="Google Shape;79;g120c6593f18_2_15:notes"/>
-          <p:cNvSpPr/>
+          <p:cNvSpPr>
+            <a:spLocks noGrp="1" noRot="1" noChangeAspect="1"/>
+          </p:cNvSpPr>
           <p:nvPr>
-            <p:ph idx="2" type="sldImg"/>
+            <p:ph type="sldImg" idx="2"/>
           </p:nvPr>
         </p:nvSpPr>
         <p:spPr>
@@ -1117,9 +1154,13 @@
             <a:ext cx="6096000" cy="3429000"/>
           </a:xfrm>
           <a:custGeom>
-            <a:rect b="b" l="l" r="r" t="t"/>
+            <a:avLst/>
+            <a:gdLst/>
+            <a:ahLst/>
+            <a:cxnLst/>
+            <a:rect l="l" t="t" r="r" b="b"/>
             <a:pathLst>
-              <a:path extrusionOk="0" h="120000" w="120000">
+              <a:path w="120000" h="120000" extrusionOk="0">
                 <a:moveTo>
                   <a:pt x="0" y="0"/>
                 </a:moveTo>
@@ -1141,9 +1182,11 @@
       <p:sp>
         <p:nvSpPr>
           <p:cNvPr id="80" name="Google Shape;80;g120c6593f18_2_15:notes"/>
-          <p:cNvSpPr txBox="1"/>
+          <p:cNvSpPr txBox="1">
+            <a:spLocks noGrp="1"/>
+          </p:cNvSpPr>
           <p:nvPr>
-            <p:ph idx="1" type="body"/>
+            <p:ph type="body" idx="1"/>
           </p:nvPr>
         </p:nvSpPr>
         <p:spPr>
@@ -1156,12 +1199,12 @@
           </a:prstGeom>
         </p:spPr>
         <p:txBody>
-          <a:bodyPr anchorCtr="0" anchor="t" bIns="91425" lIns="91425" spcFirstLastPara="1" rIns="91425" wrap="square" tIns="91425">
+          <a:bodyPr spcFirstLastPara="1" wrap="square" lIns="91425" tIns="91425" rIns="91425" bIns="91425" anchor="t" anchorCtr="0">
             <a:noAutofit/>
           </a:bodyPr>
           <a:lstStyle/>
           <a:p>
-            <a:pPr indent="0" lvl="0" marL="0" rtl="0" algn="l">
+            <a:pPr marL="0" lvl="0" indent="0" algn="l" rtl="0">
               <a:spcBef>
                 <a:spcPts val="0"/>
               </a:spcBef>
@@ -1170,9 +1213,6 @@
               </a:spcAft>
               <a:buNone/>
             </a:pPr>
-            <a:r>
-              <a:t/>
-            </a:r>
             <a:endParaRPr/>
           </a:p>
         </p:txBody>
@@ -1186,11 +1226,11 @@
 </file>
 
 <file path=ppt/slideLayouts/slideLayout1.xml><?xml version="1.0" encoding="utf-8"?>
-<p:sldLayout xmlns:a="http://schemas.openxmlformats.org/drawingml/2006/main" xmlns:r="http://schemas.openxmlformats.org/officeDocument/2006/relationships" xmlns:mc="http://schemas.openxmlformats.org/markup-compatibility/2006" xmlns:mv="urn:schemas-microsoft-com:mac:vml" xmlns:p="http://schemas.openxmlformats.org/presentationml/2006/main" xmlns:c="http://schemas.openxmlformats.org/drawingml/2006/chart" xmlns:dgm="http://schemas.openxmlformats.org/drawingml/2006/diagram" xmlns:o="urn:schemas-microsoft-com:office:office" xmlns:v="urn:schemas-microsoft-com:vml" xmlns:pvml="urn:schemas-microsoft-com:office:powerpoint" xmlns:com="http://schemas.openxmlformats.org/drawingml/2006/compatibility" xmlns:p14="http://schemas.microsoft.com/office/powerpoint/2010/main" xmlns:p15="http://schemas.microsoft.com/office/powerpoint/2012/main" xmlns:ahyp="http://schemas.microsoft.com/office/drawing/2018/hyperlinkcolor" matchingName="Title slide" type="title">
+<p:sldLayout xmlns:a="http://schemas.openxmlformats.org/drawingml/2006/main" xmlns:r="http://schemas.openxmlformats.org/officeDocument/2006/relationships" xmlns:p="http://schemas.openxmlformats.org/presentationml/2006/main" matchingName="Title slide" type="title">
   <p:cSld name="TITLE">
     <p:spTree>
       <p:nvGrpSpPr>
-        <p:cNvPr id="9" name="Shape 9"/>
+        <p:cNvPr id="1" name="Shape 9"/>
         <p:cNvGrpSpPr/>
         <p:nvPr/>
       </p:nvGrpSpPr>
@@ -1205,7 +1245,9 @@
       <p:sp>
         <p:nvSpPr>
           <p:cNvPr id="10" name="Google Shape;10;p2"/>
-          <p:cNvSpPr txBox="1"/>
+          <p:cNvSpPr txBox="1">
+            <a:spLocks noGrp="1"/>
+          </p:cNvSpPr>
           <p:nvPr>
             <p:ph type="ctrTitle"/>
           </p:nvPr>
@@ -1220,7 +1262,7 @@
           </a:prstGeom>
         </p:spPr>
         <p:txBody>
-          <a:bodyPr anchorCtr="0" anchor="b" bIns="91425" lIns="91425" spcFirstLastPara="1" rIns="91425" wrap="square" tIns="91425">
+          <a:bodyPr spcFirstLastPara="1" wrap="square" lIns="91425" tIns="91425" rIns="91425" bIns="91425" anchor="b" anchorCtr="0">
             <a:normAutofit/>
           </a:bodyPr>
           <a:lstStyle>
@@ -1324,15 +1366,19 @@
               <a:defRPr sz="5200"/>
             </a:lvl9pPr>
           </a:lstStyle>
-          <a:p/>
+          <a:p>
+            <a:endParaRPr/>
+          </a:p>
         </p:txBody>
       </p:sp>
       <p:sp>
         <p:nvSpPr>
           <p:cNvPr id="11" name="Google Shape;11;p2"/>
-          <p:cNvSpPr txBox="1"/>
+          <p:cNvSpPr txBox="1">
+            <a:spLocks noGrp="1"/>
+          </p:cNvSpPr>
           <p:nvPr>
-            <p:ph idx="1" type="subTitle"/>
+            <p:ph type="subTitle" idx="1"/>
           </p:nvPr>
         </p:nvSpPr>
         <p:spPr>
@@ -1345,7 +1391,7 @@
           </a:prstGeom>
         </p:spPr>
         <p:txBody>
-          <a:bodyPr anchorCtr="0" anchor="t" bIns="91425" lIns="91425" spcFirstLastPara="1" rIns="91425" wrap="square" tIns="91425">
+          <a:bodyPr spcFirstLastPara="1" wrap="square" lIns="91425" tIns="91425" rIns="91425" bIns="91425" anchor="t" anchorCtr="0">
             <a:normAutofit/>
           </a:bodyPr>
           <a:lstStyle>
@@ -1476,15 +1522,19 @@
               <a:defRPr sz="2800"/>
             </a:lvl9pPr>
           </a:lstStyle>
-          <a:p/>
+          <a:p>
+            <a:endParaRPr/>
+          </a:p>
         </p:txBody>
       </p:sp>
       <p:sp>
         <p:nvSpPr>
           <p:cNvPr id="12" name="Google Shape;12;p2"/>
-          <p:cNvSpPr txBox="1"/>
+          <p:cNvSpPr txBox="1">
+            <a:spLocks noGrp="1"/>
+          </p:cNvSpPr>
           <p:nvPr>
-            <p:ph idx="12" type="sldNum"/>
+            <p:ph type="sldNum" idx="12"/>
           </p:nvPr>
         </p:nvSpPr>
         <p:spPr>
@@ -1497,7 +1547,7 @@
           </a:prstGeom>
         </p:spPr>
         <p:txBody>
-          <a:bodyPr anchorCtr="0" anchor="ctr" bIns="91425" lIns="91425" spcFirstLastPara="1" rIns="91425" wrap="square" tIns="91425">
+          <a:bodyPr spcFirstLastPara="1" wrap="square" lIns="91425" tIns="91425" rIns="91425" bIns="91425" anchor="ctr" anchorCtr="0">
             <a:normAutofit/>
           </a:bodyPr>
           <a:lstStyle>
@@ -1539,7 +1589,7 @@
             </a:lvl9pPr>
           </a:lstStyle>
           <a:p>
-            <a:pPr indent="0" lvl="0" marL="0" rtl="0" algn="r">
+            <a:pPr marL="0" lvl="0" indent="0" algn="r" rtl="0">
               <a:spcBef>
                 <a:spcPts val="0"/>
               </a:spcBef>
@@ -1565,11 +1615,11 @@
 </file>
 
 <file path=ppt/slideLayouts/slideLayout10.xml><?xml version="1.0" encoding="utf-8"?>
-<p:sldLayout xmlns:a="http://schemas.openxmlformats.org/drawingml/2006/main" xmlns:r="http://schemas.openxmlformats.org/officeDocument/2006/relationships" xmlns:mc="http://schemas.openxmlformats.org/markup-compatibility/2006" xmlns:mv="urn:schemas-microsoft-com:mac:vml" xmlns:p="http://schemas.openxmlformats.org/presentationml/2006/main" xmlns:c="http://schemas.openxmlformats.org/drawingml/2006/chart" xmlns:dgm="http://schemas.openxmlformats.org/drawingml/2006/diagram" xmlns:o="urn:schemas-microsoft-com:office:office" xmlns:v="urn:schemas-microsoft-com:vml" xmlns:pvml="urn:schemas-microsoft-com:office:powerpoint" xmlns:com="http://schemas.openxmlformats.org/drawingml/2006/compatibility" xmlns:p14="http://schemas.microsoft.com/office/powerpoint/2010/main" xmlns:p15="http://schemas.microsoft.com/office/powerpoint/2012/main" xmlns:ahyp="http://schemas.microsoft.com/office/drawing/2018/hyperlinkcolor" matchingName="Big number">
+<p:sldLayout xmlns:a="http://schemas.openxmlformats.org/drawingml/2006/main" xmlns:r="http://schemas.openxmlformats.org/officeDocument/2006/relationships" xmlns:p="http://schemas.openxmlformats.org/presentationml/2006/main" matchingName="Big number">
   <p:cSld name="BIG_NUMBER">
     <p:spTree>
       <p:nvGrpSpPr>
-        <p:cNvPr id="44" name="Shape 44"/>
+        <p:cNvPr id="1" name="Shape 44"/>
         <p:cNvGrpSpPr/>
         <p:nvPr/>
       </p:nvGrpSpPr>
@@ -1584,9 +1634,11 @@
       <p:sp>
         <p:nvSpPr>
           <p:cNvPr id="45" name="Google Shape;45;p11"/>
-          <p:cNvSpPr txBox="1"/>
+          <p:cNvSpPr txBox="1">
+            <a:spLocks noGrp="1"/>
+          </p:cNvSpPr>
           <p:nvPr>
-            <p:ph hasCustomPrompt="1" type="title"/>
+            <p:ph type="title" hasCustomPrompt="1"/>
           </p:nvPr>
         </p:nvSpPr>
         <p:spPr>
@@ -1599,7 +1651,7 @@
           </a:prstGeom>
         </p:spPr>
         <p:txBody>
-          <a:bodyPr anchorCtr="0" anchor="b" bIns="91425" lIns="91425" spcFirstLastPara="1" rIns="91425" wrap="square" tIns="91425">
+          <a:bodyPr spcFirstLastPara="1" wrap="square" lIns="91425" tIns="91425" rIns="91425" bIns="91425" anchor="b" anchorCtr="0">
             <a:normAutofit/>
           </a:bodyPr>
           <a:lstStyle>
@@ -1713,9 +1765,11 @@
       <p:sp>
         <p:nvSpPr>
           <p:cNvPr id="46" name="Google Shape;46;p11"/>
-          <p:cNvSpPr txBox="1"/>
+          <p:cNvSpPr txBox="1">
+            <a:spLocks noGrp="1"/>
+          </p:cNvSpPr>
           <p:nvPr>
-            <p:ph idx="1" type="body"/>
+            <p:ph type="body" idx="1"/>
           </p:nvPr>
         </p:nvSpPr>
         <p:spPr>
@@ -1728,11 +1782,11 @@
           </a:prstGeom>
         </p:spPr>
         <p:txBody>
-          <a:bodyPr anchorCtr="0" anchor="t" bIns="91425" lIns="91425" spcFirstLastPara="1" rIns="91425" wrap="square" tIns="91425">
+          <a:bodyPr spcFirstLastPara="1" wrap="square" lIns="91425" tIns="91425" rIns="91425" bIns="91425" anchor="t" anchorCtr="0">
             <a:normAutofit/>
           </a:bodyPr>
           <a:lstStyle>
-            <a:lvl1pPr indent="-342900" lvl="0" marL="457200" algn="ctr">
+            <a:lvl1pPr marL="457200" lvl="0" indent="-342900" algn="ctr">
               <a:spcBef>
                 <a:spcPts val="0"/>
               </a:spcBef>
@@ -1743,7 +1797,7 @@
               <a:buChar char="●"/>
               <a:defRPr/>
             </a:lvl1pPr>
-            <a:lvl2pPr indent="-317500" lvl="1" marL="914400" algn="ctr">
+            <a:lvl2pPr marL="914400" lvl="1" indent="-317500" algn="ctr">
               <a:spcBef>
                 <a:spcPts val="0"/>
               </a:spcBef>
@@ -1754,7 +1808,7 @@
               <a:buChar char="○"/>
               <a:defRPr/>
             </a:lvl2pPr>
-            <a:lvl3pPr indent="-317500" lvl="2" marL="1371600" algn="ctr">
+            <a:lvl3pPr marL="1371600" lvl="2" indent="-317500" algn="ctr">
               <a:spcBef>
                 <a:spcPts val="0"/>
               </a:spcBef>
@@ -1765,7 +1819,7 @@
               <a:buChar char="■"/>
               <a:defRPr/>
             </a:lvl3pPr>
-            <a:lvl4pPr indent="-317500" lvl="3" marL="1828800" algn="ctr">
+            <a:lvl4pPr marL="1828800" lvl="3" indent="-317500" algn="ctr">
               <a:spcBef>
                 <a:spcPts val="0"/>
               </a:spcBef>
@@ -1776,7 +1830,7 @@
               <a:buChar char="●"/>
               <a:defRPr/>
             </a:lvl4pPr>
-            <a:lvl5pPr indent="-317500" lvl="4" marL="2286000" algn="ctr">
+            <a:lvl5pPr marL="2286000" lvl="4" indent="-317500" algn="ctr">
               <a:spcBef>
                 <a:spcPts val="0"/>
               </a:spcBef>
@@ -1787,7 +1841,7 @@
               <a:buChar char="○"/>
               <a:defRPr/>
             </a:lvl5pPr>
-            <a:lvl6pPr indent="-317500" lvl="5" marL="2743200" algn="ctr">
+            <a:lvl6pPr marL="2743200" lvl="5" indent="-317500" algn="ctr">
               <a:spcBef>
                 <a:spcPts val="0"/>
               </a:spcBef>
@@ -1798,7 +1852,7 @@
               <a:buChar char="■"/>
               <a:defRPr/>
             </a:lvl6pPr>
-            <a:lvl7pPr indent="-317500" lvl="6" marL="3200400" algn="ctr">
+            <a:lvl7pPr marL="3200400" lvl="6" indent="-317500" algn="ctr">
               <a:spcBef>
                 <a:spcPts val="0"/>
               </a:spcBef>
@@ -1809,7 +1863,7 @@
               <a:buChar char="●"/>
               <a:defRPr/>
             </a:lvl7pPr>
-            <a:lvl8pPr indent="-317500" lvl="7" marL="3657600" algn="ctr">
+            <a:lvl8pPr marL="3657600" lvl="7" indent="-317500" algn="ctr">
               <a:spcBef>
                 <a:spcPts val="0"/>
               </a:spcBef>
@@ -1820,7 +1874,7 @@
               <a:buChar char="○"/>
               <a:defRPr/>
             </a:lvl8pPr>
-            <a:lvl9pPr indent="-317500" lvl="8" marL="4114800" algn="ctr">
+            <a:lvl9pPr marL="4114800" lvl="8" indent="-317500" algn="ctr">
               <a:spcBef>
                 <a:spcPts val="0"/>
               </a:spcBef>
@@ -1832,15 +1886,19 @@
               <a:defRPr/>
             </a:lvl9pPr>
           </a:lstStyle>
-          <a:p/>
+          <a:p>
+            <a:endParaRPr/>
+          </a:p>
         </p:txBody>
       </p:sp>
       <p:sp>
         <p:nvSpPr>
           <p:cNvPr id="47" name="Google Shape;47;p11"/>
-          <p:cNvSpPr txBox="1"/>
+          <p:cNvSpPr txBox="1">
+            <a:spLocks noGrp="1"/>
+          </p:cNvSpPr>
           <p:nvPr>
-            <p:ph idx="12" type="sldNum"/>
+            <p:ph type="sldNum" idx="12"/>
           </p:nvPr>
         </p:nvSpPr>
         <p:spPr>
@@ -1853,7 +1911,7 @@
           </a:prstGeom>
         </p:spPr>
         <p:txBody>
-          <a:bodyPr anchorCtr="0" anchor="ctr" bIns="91425" lIns="91425" spcFirstLastPara="1" rIns="91425" wrap="square" tIns="91425">
+          <a:bodyPr spcFirstLastPara="1" wrap="square" lIns="91425" tIns="91425" rIns="91425" bIns="91425" anchor="ctr" anchorCtr="0">
             <a:normAutofit/>
           </a:bodyPr>
           <a:lstStyle>
@@ -1895,7 +1953,7 @@
             </a:lvl9pPr>
           </a:lstStyle>
           <a:p>
-            <a:pPr indent="0" lvl="0" marL="0" rtl="0" algn="r">
+            <a:pPr marL="0" lvl="0" indent="0" algn="r" rtl="0">
               <a:spcBef>
                 <a:spcPts val="0"/>
               </a:spcBef>
@@ -1921,11 +1979,11 @@
 </file>
 
 <file path=ppt/slideLayouts/slideLayout11.xml><?xml version="1.0" encoding="utf-8"?>
-<p:sldLayout xmlns:a="http://schemas.openxmlformats.org/drawingml/2006/main" xmlns:r="http://schemas.openxmlformats.org/officeDocument/2006/relationships" xmlns:mc="http://schemas.openxmlformats.org/markup-compatibility/2006" xmlns:mv="urn:schemas-microsoft-com:mac:vml" xmlns:p="http://schemas.openxmlformats.org/presentationml/2006/main" xmlns:c="http://schemas.openxmlformats.org/drawingml/2006/chart" xmlns:dgm="http://schemas.openxmlformats.org/drawingml/2006/diagram" xmlns:o="urn:schemas-microsoft-com:office:office" xmlns:v="urn:schemas-microsoft-com:vml" xmlns:pvml="urn:schemas-microsoft-com:office:powerpoint" xmlns:com="http://schemas.openxmlformats.org/drawingml/2006/compatibility" xmlns:p14="http://schemas.microsoft.com/office/powerpoint/2010/main" xmlns:p15="http://schemas.microsoft.com/office/powerpoint/2012/main" xmlns:ahyp="http://schemas.microsoft.com/office/drawing/2018/hyperlinkcolor" matchingName="Blank" type="blank">
+<p:sldLayout xmlns:a="http://schemas.openxmlformats.org/drawingml/2006/main" xmlns:r="http://schemas.openxmlformats.org/officeDocument/2006/relationships" xmlns:p="http://schemas.openxmlformats.org/presentationml/2006/main" matchingName="Blank" type="blank">
   <p:cSld name="BLANK">
     <p:spTree>
       <p:nvGrpSpPr>
-        <p:cNvPr id="48" name="Shape 48"/>
+        <p:cNvPr id="1" name="Shape 48"/>
         <p:cNvGrpSpPr/>
         <p:nvPr/>
       </p:nvGrpSpPr>
@@ -1940,9 +1998,11 @@
       <p:sp>
         <p:nvSpPr>
           <p:cNvPr id="49" name="Google Shape;49;p12"/>
-          <p:cNvSpPr txBox="1"/>
+          <p:cNvSpPr txBox="1">
+            <a:spLocks noGrp="1"/>
+          </p:cNvSpPr>
           <p:nvPr>
-            <p:ph idx="12" type="sldNum"/>
+            <p:ph type="sldNum" idx="12"/>
           </p:nvPr>
         </p:nvSpPr>
         <p:spPr>
@@ -1955,7 +2015,7 @@
           </a:prstGeom>
         </p:spPr>
         <p:txBody>
-          <a:bodyPr anchorCtr="0" anchor="ctr" bIns="91425" lIns="91425" spcFirstLastPara="1" rIns="91425" wrap="square" tIns="91425">
+          <a:bodyPr spcFirstLastPara="1" wrap="square" lIns="91425" tIns="91425" rIns="91425" bIns="91425" anchor="ctr" anchorCtr="0">
             <a:normAutofit/>
           </a:bodyPr>
           <a:lstStyle>
@@ -1997,7 +2057,7 @@
             </a:lvl9pPr>
           </a:lstStyle>
           <a:p>
-            <a:pPr indent="0" lvl="0" marL="0" rtl="0" algn="r">
+            <a:pPr marL="0" lvl="0" indent="0" algn="r" rtl="0">
               <a:spcBef>
                 <a:spcPts val="0"/>
               </a:spcBef>
@@ -2023,11 +2083,11 @@
 </file>
 
 <file path=ppt/slideLayouts/slideLayout2.xml><?xml version="1.0" encoding="utf-8"?>
-<p:sldLayout xmlns:a="http://schemas.openxmlformats.org/drawingml/2006/main" xmlns:r="http://schemas.openxmlformats.org/officeDocument/2006/relationships" xmlns:mc="http://schemas.openxmlformats.org/markup-compatibility/2006" xmlns:mv="urn:schemas-microsoft-com:mac:vml" xmlns:p="http://schemas.openxmlformats.org/presentationml/2006/main" xmlns:c="http://schemas.openxmlformats.org/drawingml/2006/chart" xmlns:dgm="http://schemas.openxmlformats.org/drawingml/2006/diagram" xmlns:o="urn:schemas-microsoft-com:office:office" xmlns:v="urn:schemas-microsoft-com:vml" xmlns:pvml="urn:schemas-microsoft-com:office:powerpoint" xmlns:com="http://schemas.openxmlformats.org/drawingml/2006/compatibility" xmlns:p14="http://schemas.microsoft.com/office/powerpoint/2010/main" xmlns:p15="http://schemas.microsoft.com/office/powerpoint/2012/main" xmlns:ahyp="http://schemas.microsoft.com/office/drawing/2018/hyperlinkcolor" matchingName="Section header" type="secHead">
+<p:sldLayout xmlns:a="http://schemas.openxmlformats.org/drawingml/2006/main" xmlns:r="http://schemas.openxmlformats.org/officeDocument/2006/relationships" xmlns:p="http://schemas.openxmlformats.org/presentationml/2006/main" matchingName="Section header" type="secHead">
   <p:cSld name="SECTION_HEADER">
     <p:spTree>
       <p:nvGrpSpPr>
-        <p:cNvPr id="13" name="Shape 13"/>
+        <p:cNvPr id="1" name="Shape 13"/>
         <p:cNvGrpSpPr/>
         <p:nvPr/>
       </p:nvGrpSpPr>
@@ -2042,7 +2102,9 @@
       <p:sp>
         <p:nvSpPr>
           <p:cNvPr id="14" name="Google Shape;14;p3"/>
-          <p:cNvSpPr txBox="1"/>
+          <p:cNvSpPr txBox="1">
+            <a:spLocks noGrp="1"/>
+          </p:cNvSpPr>
           <p:nvPr>
             <p:ph type="title"/>
           </p:nvPr>
@@ -2057,7 +2119,7 @@
           </a:prstGeom>
         </p:spPr>
         <p:txBody>
-          <a:bodyPr anchorCtr="0" anchor="ctr" bIns="91425" lIns="91425" spcFirstLastPara="1" rIns="91425" wrap="square" tIns="91425">
+          <a:bodyPr spcFirstLastPara="1" wrap="square" lIns="91425" tIns="91425" rIns="91425" bIns="91425" anchor="ctr" anchorCtr="0">
             <a:normAutofit/>
           </a:bodyPr>
           <a:lstStyle>
@@ -2161,15 +2223,19 @@
               <a:defRPr sz="3600"/>
             </a:lvl9pPr>
           </a:lstStyle>
-          <a:p/>
+          <a:p>
+            <a:endParaRPr/>
+          </a:p>
         </p:txBody>
       </p:sp>
       <p:sp>
         <p:nvSpPr>
           <p:cNvPr id="15" name="Google Shape;15;p3"/>
-          <p:cNvSpPr txBox="1"/>
+          <p:cNvSpPr txBox="1">
+            <a:spLocks noGrp="1"/>
+          </p:cNvSpPr>
           <p:nvPr>
-            <p:ph idx="12" type="sldNum"/>
+            <p:ph type="sldNum" idx="12"/>
           </p:nvPr>
         </p:nvSpPr>
         <p:spPr>
@@ -2182,7 +2248,7 @@
           </a:prstGeom>
         </p:spPr>
         <p:txBody>
-          <a:bodyPr anchorCtr="0" anchor="ctr" bIns="91425" lIns="91425" spcFirstLastPara="1" rIns="91425" wrap="square" tIns="91425">
+          <a:bodyPr spcFirstLastPara="1" wrap="square" lIns="91425" tIns="91425" rIns="91425" bIns="91425" anchor="ctr" anchorCtr="0">
             <a:normAutofit/>
           </a:bodyPr>
           <a:lstStyle>
@@ -2224,7 +2290,7 @@
             </a:lvl9pPr>
           </a:lstStyle>
           <a:p>
-            <a:pPr indent="0" lvl="0" marL="0" rtl="0" algn="r">
+            <a:pPr marL="0" lvl="0" indent="0" algn="r" rtl="0">
               <a:spcBef>
                 <a:spcPts val="0"/>
               </a:spcBef>
@@ -2250,11 +2316,11 @@
 </file>
 
 <file path=ppt/slideLayouts/slideLayout3.xml><?xml version="1.0" encoding="utf-8"?>
-<p:sldLayout xmlns:a="http://schemas.openxmlformats.org/drawingml/2006/main" xmlns:r="http://schemas.openxmlformats.org/officeDocument/2006/relationships" xmlns:mc="http://schemas.openxmlformats.org/markup-compatibility/2006" xmlns:mv="urn:schemas-microsoft-com:mac:vml" xmlns:p="http://schemas.openxmlformats.org/presentationml/2006/main" xmlns:c="http://schemas.openxmlformats.org/drawingml/2006/chart" xmlns:dgm="http://schemas.openxmlformats.org/drawingml/2006/diagram" xmlns:o="urn:schemas-microsoft-com:office:office" xmlns:v="urn:schemas-microsoft-com:vml" xmlns:pvml="urn:schemas-microsoft-com:office:powerpoint" xmlns:com="http://schemas.openxmlformats.org/drawingml/2006/compatibility" xmlns:p14="http://schemas.microsoft.com/office/powerpoint/2010/main" xmlns:p15="http://schemas.microsoft.com/office/powerpoint/2012/main" xmlns:ahyp="http://schemas.microsoft.com/office/drawing/2018/hyperlinkcolor" matchingName="Title and body" type="tx">
+<p:sldLayout xmlns:a="http://schemas.openxmlformats.org/drawingml/2006/main" xmlns:r="http://schemas.openxmlformats.org/officeDocument/2006/relationships" xmlns:p="http://schemas.openxmlformats.org/presentationml/2006/main" matchingName="Title and body" type="tx">
   <p:cSld name="TITLE_AND_BODY">
     <p:spTree>
       <p:nvGrpSpPr>
-        <p:cNvPr id="16" name="Shape 16"/>
+        <p:cNvPr id="1" name="Shape 16"/>
         <p:cNvGrpSpPr/>
         <p:nvPr/>
       </p:nvGrpSpPr>
@@ -2269,7 +2335,9 @@
       <p:sp>
         <p:nvSpPr>
           <p:cNvPr id="17" name="Google Shape;17;p4"/>
-          <p:cNvSpPr txBox="1"/>
+          <p:cNvSpPr txBox="1">
+            <a:spLocks noGrp="1"/>
+          </p:cNvSpPr>
           <p:nvPr>
             <p:ph type="title"/>
           </p:nvPr>
@@ -2284,7 +2352,7 @@
           </a:prstGeom>
         </p:spPr>
         <p:txBody>
-          <a:bodyPr anchorCtr="0" anchor="t" bIns="91425" lIns="91425" spcFirstLastPara="1" rIns="91425" wrap="square" tIns="91425">
+          <a:bodyPr spcFirstLastPara="1" wrap="square" lIns="91425" tIns="91425" rIns="91425" bIns="91425" anchor="t" anchorCtr="0">
             <a:normAutofit/>
           </a:bodyPr>
           <a:lstStyle>
@@ -2388,15 +2456,19 @@
               <a:defRPr/>
             </a:lvl9pPr>
           </a:lstStyle>
-          <a:p/>
+          <a:p>
+            <a:endParaRPr/>
+          </a:p>
         </p:txBody>
       </p:sp>
       <p:sp>
         <p:nvSpPr>
           <p:cNvPr id="18" name="Google Shape;18;p4"/>
-          <p:cNvSpPr txBox="1"/>
+          <p:cNvSpPr txBox="1">
+            <a:spLocks noGrp="1"/>
+          </p:cNvSpPr>
           <p:nvPr>
-            <p:ph idx="1" type="body"/>
+            <p:ph type="body" idx="1"/>
           </p:nvPr>
         </p:nvSpPr>
         <p:spPr>
@@ -2409,11 +2481,11 @@
           </a:prstGeom>
         </p:spPr>
         <p:txBody>
-          <a:bodyPr anchorCtr="0" anchor="t" bIns="91425" lIns="91425" spcFirstLastPara="1" rIns="91425" wrap="square" tIns="91425">
+          <a:bodyPr spcFirstLastPara="1" wrap="square" lIns="91425" tIns="91425" rIns="91425" bIns="91425" anchor="t" anchorCtr="0">
             <a:normAutofit/>
           </a:bodyPr>
           <a:lstStyle>
-            <a:lvl1pPr indent="-342900" lvl="0" marL="457200">
+            <a:lvl1pPr marL="457200" lvl="0" indent="-342900">
               <a:spcBef>
                 <a:spcPts val="0"/>
               </a:spcBef>
@@ -2424,7 +2496,7 @@
               <a:buChar char="●"/>
               <a:defRPr/>
             </a:lvl1pPr>
-            <a:lvl2pPr indent="-317500" lvl="1" marL="914400">
+            <a:lvl2pPr marL="914400" lvl="1" indent="-317500">
               <a:spcBef>
                 <a:spcPts val="0"/>
               </a:spcBef>
@@ -2435,7 +2507,7 @@
               <a:buChar char="○"/>
               <a:defRPr/>
             </a:lvl2pPr>
-            <a:lvl3pPr indent="-317500" lvl="2" marL="1371600">
+            <a:lvl3pPr marL="1371600" lvl="2" indent="-317500">
               <a:spcBef>
                 <a:spcPts val="0"/>
               </a:spcBef>
@@ -2446,7 +2518,7 @@
               <a:buChar char="■"/>
               <a:defRPr/>
             </a:lvl3pPr>
-            <a:lvl4pPr indent="-317500" lvl="3" marL="1828800">
+            <a:lvl4pPr marL="1828800" lvl="3" indent="-317500">
               <a:spcBef>
                 <a:spcPts val="0"/>
               </a:spcBef>
@@ -2457,7 +2529,7 @@
               <a:buChar char="●"/>
               <a:defRPr/>
             </a:lvl4pPr>
-            <a:lvl5pPr indent="-317500" lvl="4" marL="2286000">
+            <a:lvl5pPr marL="2286000" lvl="4" indent="-317500">
               <a:spcBef>
                 <a:spcPts val="0"/>
               </a:spcBef>
@@ -2468,7 +2540,7 @@
               <a:buChar char="○"/>
               <a:defRPr/>
             </a:lvl5pPr>
-            <a:lvl6pPr indent="-317500" lvl="5" marL="2743200">
+            <a:lvl6pPr marL="2743200" lvl="5" indent="-317500">
               <a:spcBef>
                 <a:spcPts val="0"/>
               </a:spcBef>
@@ -2479,7 +2551,7 @@
               <a:buChar char="■"/>
               <a:defRPr/>
             </a:lvl6pPr>
-            <a:lvl7pPr indent="-317500" lvl="6" marL="3200400">
+            <a:lvl7pPr marL="3200400" lvl="6" indent="-317500">
               <a:spcBef>
                 <a:spcPts val="0"/>
               </a:spcBef>
@@ -2490,7 +2562,7 @@
               <a:buChar char="●"/>
               <a:defRPr/>
             </a:lvl7pPr>
-            <a:lvl8pPr indent="-317500" lvl="7" marL="3657600">
+            <a:lvl8pPr marL="3657600" lvl="7" indent="-317500">
               <a:spcBef>
                 <a:spcPts val="0"/>
               </a:spcBef>
@@ -2501,7 +2573,7 @@
               <a:buChar char="○"/>
               <a:defRPr/>
             </a:lvl8pPr>
-            <a:lvl9pPr indent="-317500" lvl="8" marL="4114800">
+            <a:lvl9pPr marL="4114800" lvl="8" indent="-317500">
               <a:spcBef>
                 <a:spcPts val="0"/>
               </a:spcBef>
@@ -2513,15 +2585,19 @@
               <a:defRPr/>
             </a:lvl9pPr>
           </a:lstStyle>
-          <a:p/>
+          <a:p>
+            <a:endParaRPr/>
+          </a:p>
         </p:txBody>
       </p:sp>
       <p:sp>
         <p:nvSpPr>
           <p:cNvPr id="19" name="Google Shape;19;p4"/>
-          <p:cNvSpPr txBox="1"/>
+          <p:cNvSpPr txBox="1">
+            <a:spLocks noGrp="1"/>
+          </p:cNvSpPr>
           <p:nvPr>
-            <p:ph idx="12" type="sldNum"/>
+            <p:ph type="sldNum" idx="12"/>
           </p:nvPr>
         </p:nvSpPr>
         <p:spPr>
@@ -2534,7 +2610,7 @@
           </a:prstGeom>
         </p:spPr>
         <p:txBody>
-          <a:bodyPr anchorCtr="0" anchor="ctr" bIns="91425" lIns="91425" spcFirstLastPara="1" rIns="91425" wrap="square" tIns="91425">
+          <a:bodyPr spcFirstLastPara="1" wrap="square" lIns="91425" tIns="91425" rIns="91425" bIns="91425" anchor="ctr" anchorCtr="0">
             <a:normAutofit/>
           </a:bodyPr>
           <a:lstStyle>
@@ -2576,7 +2652,7 @@
             </a:lvl9pPr>
           </a:lstStyle>
           <a:p>
-            <a:pPr indent="0" lvl="0" marL="0" rtl="0" algn="r">
+            <a:pPr marL="0" lvl="0" indent="0" algn="r" rtl="0">
               <a:spcBef>
                 <a:spcPts val="0"/>
               </a:spcBef>
@@ -2602,11 +2678,11 @@
 </file>
 
 <file path=ppt/slideLayouts/slideLayout4.xml><?xml version="1.0" encoding="utf-8"?>
-<p:sldLayout xmlns:a="http://schemas.openxmlformats.org/drawingml/2006/main" xmlns:r="http://schemas.openxmlformats.org/officeDocument/2006/relationships" xmlns:mc="http://schemas.openxmlformats.org/markup-compatibility/2006" xmlns:mv="urn:schemas-microsoft-com:mac:vml" xmlns:p="http://schemas.openxmlformats.org/presentationml/2006/main" xmlns:c="http://schemas.openxmlformats.org/drawingml/2006/chart" xmlns:dgm="http://schemas.openxmlformats.org/drawingml/2006/diagram" xmlns:o="urn:schemas-microsoft-com:office:office" xmlns:v="urn:schemas-microsoft-com:vml" xmlns:pvml="urn:schemas-microsoft-com:office:powerpoint" xmlns:com="http://schemas.openxmlformats.org/drawingml/2006/compatibility" xmlns:p14="http://schemas.microsoft.com/office/powerpoint/2010/main" xmlns:p15="http://schemas.microsoft.com/office/powerpoint/2012/main" xmlns:ahyp="http://schemas.microsoft.com/office/drawing/2018/hyperlinkcolor" matchingName="Title and two columns" type="twoColTx">
+<p:sldLayout xmlns:a="http://schemas.openxmlformats.org/drawingml/2006/main" xmlns:r="http://schemas.openxmlformats.org/officeDocument/2006/relationships" xmlns:p="http://schemas.openxmlformats.org/presentationml/2006/main" matchingName="Title and two columns" type="twoColTx">
   <p:cSld name="TITLE_AND_TWO_COLUMNS">
     <p:spTree>
       <p:nvGrpSpPr>
-        <p:cNvPr id="20" name="Shape 20"/>
+        <p:cNvPr id="1" name="Shape 20"/>
         <p:cNvGrpSpPr/>
         <p:nvPr/>
       </p:nvGrpSpPr>
@@ -2621,7 +2697,9 @@
       <p:sp>
         <p:nvSpPr>
           <p:cNvPr id="21" name="Google Shape;21;p5"/>
-          <p:cNvSpPr txBox="1"/>
+          <p:cNvSpPr txBox="1">
+            <a:spLocks noGrp="1"/>
+          </p:cNvSpPr>
           <p:nvPr>
             <p:ph type="title"/>
           </p:nvPr>
@@ -2636,7 +2714,7 @@
           </a:prstGeom>
         </p:spPr>
         <p:txBody>
-          <a:bodyPr anchorCtr="0" anchor="t" bIns="91425" lIns="91425" spcFirstLastPara="1" rIns="91425" wrap="square" tIns="91425">
+          <a:bodyPr spcFirstLastPara="1" wrap="square" lIns="91425" tIns="91425" rIns="91425" bIns="91425" anchor="t" anchorCtr="0">
             <a:normAutofit/>
           </a:bodyPr>
           <a:lstStyle>
@@ -2740,15 +2818,19 @@
               <a:defRPr/>
             </a:lvl9pPr>
           </a:lstStyle>
-          <a:p/>
+          <a:p>
+            <a:endParaRPr/>
+          </a:p>
         </p:txBody>
       </p:sp>
       <p:sp>
         <p:nvSpPr>
           <p:cNvPr id="22" name="Google Shape;22;p5"/>
-          <p:cNvSpPr txBox="1"/>
+          <p:cNvSpPr txBox="1">
+            <a:spLocks noGrp="1"/>
+          </p:cNvSpPr>
           <p:nvPr>
-            <p:ph idx="1" type="body"/>
+            <p:ph type="body" idx="1"/>
           </p:nvPr>
         </p:nvSpPr>
         <p:spPr>
@@ -2761,11 +2843,11 @@
           </a:prstGeom>
         </p:spPr>
         <p:txBody>
-          <a:bodyPr anchorCtr="0" anchor="t" bIns="91425" lIns="91425" spcFirstLastPara="1" rIns="91425" wrap="square" tIns="91425">
+          <a:bodyPr spcFirstLastPara="1" wrap="square" lIns="91425" tIns="91425" rIns="91425" bIns="91425" anchor="t" anchorCtr="0">
             <a:normAutofit/>
           </a:bodyPr>
           <a:lstStyle>
-            <a:lvl1pPr indent="-317500" lvl="0" marL="457200">
+            <a:lvl1pPr marL="457200" lvl="0" indent="-317500">
               <a:spcBef>
                 <a:spcPts val="0"/>
               </a:spcBef>
@@ -2776,7 +2858,7 @@
               <a:buChar char="●"/>
               <a:defRPr sz="1400"/>
             </a:lvl1pPr>
-            <a:lvl2pPr indent="-304800" lvl="1" marL="914400">
+            <a:lvl2pPr marL="914400" lvl="1" indent="-304800">
               <a:spcBef>
                 <a:spcPts val="0"/>
               </a:spcBef>
@@ -2787,7 +2869,7 @@
               <a:buChar char="○"/>
               <a:defRPr sz="1200"/>
             </a:lvl2pPr>
-            <a:lvl3pPr indent="-304800" lvl="2" marL="1371600">
+            <a:lvl3pPr marL="1371600" lvl="2" indent="-304800">
               <a:spcBef>
                 <a:spcPts val="0"/>
               </a:spcBef>
@@ -2798,7 +2880,7 @@
               <a:buChar char="■"/>
               <a:defRPr sz="1200"/>
             </a:lvl3pPr>
-            <a:lvl4pPr indent="-304800" lvl="3" marL="1828800">
+            <a:lvl4pPr marL="1828800" lvl="3" indent="-304800">
               <a:spcBef>
                 <a:spcPts val="0"/>
               </a:spcBef>
@@ -2809,7 +2891,7 @@
               <a:buChar char="●"/>
               <a:defRPr sz="1200"/>
             </a:lvl4pPr>
-            <a:lvl5pPr indent="-304800" lvl="4" marL="2286000">
+            <a:lvl5pPr marL="2286000" lvl="4" indent="-304800">
               <a:spcBef>
                 <a:spcPts val="0"/>
               </a:spcBef>
@@ -2820,7 +2902,7 @@
               <a:buChar char="○"/>
               <a:defRPr sz="1200"/>
             </a:lvl5pPr>
-            <a:lvl6pPr indent="-304800" lvl="5" marL="2743200">
+            <a:lvl6pPr marL="2743200" lvl="5" indent="-304800">
               <a:spcBef>
                 <a:spcPts val="0"/>
               </a:spcBef>
@@ -2831,7 +2913,7 @@
               <a:buChar char="■"/>
               <a:defRPr sz="1200"/>
             </a:lvl6pPr>
-            <a:lvl7pPr indent="-304800" lvl="6" marL="3200400">
+            <a:lvl7pPr marL="3200400" lvl="6" indent="-304800">
               <a:spcBef>
                 <a:spcPts val="0"/>
               </a:spcBef>
@@ -2842,7 +2924,7 @@
               <a:buChar char="●"/>
               <a:defRPr sz="1200"/>
             </a:lvl7pPr>
-            <a:lvl8pPr indent="-304800" lvl="7" marL="3657600">
+            <a:lvl8pPr marL="3657600" lvl="7" indent="-304800">
               <a:spcBef>
                 <a:spcPts val="0"/>
               </a:spcBef>
@@ -2853,7 +2935,7 @@
               <a:buChar char="○"/>
               <a:defRPr sz="1200"/>
             </a:lvl8pPr>
-            <a:lvl9pPr indent="-304800" lvl="8" marL="4114800">
+            <a:lvl9pPr marL="4114800" lvl="8" indent="-304800">
               <a:spcBef>
                 <a:spcPts val="0"/>
               </a:spcBef>
@@ -2865,15 +2947,19 @@
               <a:defRPr sz="1200"/>
             </a:lvl9pPr>
           </a:lstStyle>
-          <a:p/>
+          <a:p>
+            <a:endParaRPr/>
+          </a:p>
         </p:txBody>
       </p:sp>
       <p:sp>
         <p:nvSpPr>
           <p:cNvPr id="23" name="Google Shape;23;p5"/>
-          <p:cNvSpPr txBox="1"/>
+          <p:cNvSpPr txBox="1">
+            <a:spLocks noGrp="1"/>
+          </p:cNvSpPr>
           <p:nvPr>
-            <p:ph idx="2" type="body"/>
+            <p:ph type="body" idx="2"/>
           </p:nvPr>
         </p:nvSpPr>
         <p:spPr>
@@ -2886,11 +2972,11 @@
           </a:prstGeom>
         </p:spPr>
         <p:txBody>
-          <a:bodyPr anchorCtr="0" anchor="t" bIns="91425" lIns="91425" spcFirstLastPara="1" rIns="91425" wrap="square" tIns="91425">
+          <a:bodyPr spcFirstLastPara="1" wrap="square" lIns="91425" tIns="91425" rIns="91425" bIns="91425" anchor="t" anchorCtr="0">
             <a:normAutofit/>
           </a:bodyPr>
           <a:lstStyle>
-            <a:lvl1pPr indent="-317500" lvl="0" marL="457200">
+            <a:lvl1pPr marL="457200" lvl="0" indent="-317500">
               <a:spcBef>
                 <a:spcPts val="0"/>
               </a:spcBef>
@@ -2901,7 +2987,7 @@
               <a:buChar char="●"/>
               <a:defRPr sz="1400"/>
             </a:lvl1pPr>
-            <a:lvl2pPr indent="-304800" lvl="1" marL="914400">
+            <a:lvl2pPr marL="914400" lvl="1" indent="-304800">
               <a:spcBef>
                 <a:spcPts val="0"/>
               </a:spcBef>
@@ -2912,7 +2998,7 @@
               <a:buChar char="○"/>
               <a:defRPr sz="1200"/>
             </a:lvl2pPr>
-            <a:lvl3pPr indent="-304800" lvl="2" marL="1371600">
+            <a:lvl3pPr marL="1371600" lvl="2" indent="-304800">
               <a:spcBef>
                 <a:spcPts val="0"/>
               </a:spcBef>
@@ -2923,7 +3009,7 @@
               <a:buChar char="■"/>
               <a:defRPr sz="1200"/>
             </a:lvl3pPr>
-            <a:lvl4pPr indent="-304800" lvl="3" marL="1828800">
+            <a:lvl4pPr marL="1828800" lvl="3" indent="-304800">
               <a:spcBef>
                 <a:spcPts val="0"/>
               </a:spcBef>
@@ -2934,7 +3020,7 @@
               <a:buChar char="●"/>
               <a:defRPr sz="1200"/>
             </a:lvl4pPr>
-            <a:lvl5pPr indent="-304800" lvl="4" marL="2286000">
+            <a:lvl5pPr marL="2286000" lvl="4" indent="-304800">
               <a:spcBef>
                 <a:spcPts val="0"/>
               </a:spcBef>
@@ -2945,7 +3031,7 @@
               <a:buChar char="○"/>
               <a:defRPr sz="1200"/>
             </a:lvl5pPr>
-            <a:lvl6pPr indent="-304800" lvl="5" marL="2743200">
+            <a:lvl6pPr marL="2743200" lvl="5" indent="-304800">
               <a:spcBef>
                 <a:spcPts val="0"/>
               </a:spcBef>
@@ -2956,7 +3042,7 @@
               <a:buChar char="■"/>
               <a:defRPr sz="1200"/>
             </a:lvl6pPr>
-            <a:lvl7pPr indent="-304800" lvl="6" marL="3200400">
+            <a:lvl7pPr marL="3200400" lvl="6" indent="-304800">
               <a:spcBef>
                 <a:spcPts val="0"/>
               </a:spcBef>
@@ -2967,7 +3053,7 @@
               <a:buChar char="●"/>
               <a:defRPr sz="1200"/>
             </a:lvl7pPr>
-            <a:lvl8pPr indent="-304800" lvl="7" marL="3657600">
+            <a:lvl8pPr marL="3657600" lvl="7" indent="-304800">
               <a:spcBef>
                 <a:spcPts val="0"/>
               </a:spcBef>
@@ -2978,7 +3064,7 @@
               <a:buChar char="○"/>
               <a:defRPr sz="1200"/>
             </a:lvl8pPr>
-            <a:lvl9pPr indent="-304800" lvl="8" marL="4114800">
+            <a:lvl9pPr marL="4114800" lvl="8" indent="-304800">
               <a:spcBef>
                 <a:spcPts val="0"/>
               </a:spcBef>
@@ -2990,15 +3076,19 @@
               <a:defRPr sz="1200"/>
             </a:lvl9pPr>
           </a:lstStyle>
-          <a:p/>
+          <a:p>
+            <a:endParaRPr/>
+          </a:p>
         </p:txBody>
       </p:sp>
       <p:sp>
         <p:nvSpPr>
           <p:cNvPr id="24" name="Google Shape;24;p5"/>
-          <p:cNvSpPr txBox="1"/>
+          <p:cNvSpPr txBox="1">
+            <a:spLocks noGrp="1"/>
+          </p:cNvSpPr>
           <p:nvPr>
-            <p:ph idx="12" type="sldNum"/>
+            <p:ph type="sldNum" idx="12"/>
           </p:nvPr>
         </p:nvSpPr>
         <p:spPr>
@@ -3011,7 +3101,7 @@
           </a:prstGeom>
         </p:spPr>
         <p:txBody>
-          <a:bodyPr anchorCtr="0" anchor="ctr" bIns="91425" lIns="91425" spcFirstLastPara="1" rIns="91425" wrap="square" tIns="91425">
+          <a:bodyPr spcFirstLastPara="1" wrap="square" lIns="91425" tIns="91425" rIns="91425" bIns="91425" anchor="ctr" anchorCtr="0">
             <a:normAutofit/>
           </a:bodyPr>
           <a:lstStyle>
@@ -3053,7 +3143,7 @@
             </a:lvl9pPr>
           </a:lstStyle>
           <a:p>
-            <a:pPr indent="0" lvl="0" marL="0" rtl="0" algn="r">
+            <a:pPr marL="0" lvl="0" indent="0" algn="r" rtl="0">
               <a:spcBef>
                 <a:spcPts val="0"/>
               </a:spcBef>
@@ -3079,11 +3169,11 @@
 </file>
 
 <file path=ppt/slideLayouts/slideLayout5.xml><?xml version="1.0" encoding="utf-8"?>
-<p:sldLayout xmlns:a="http://schemas.openxmlformats.org/drawingml/2006/main" xmlns:r="http://schemas.openxmlformats.org/officeDocument/2006/relationships" xmlns:mc="http://schemas.openxmlformats.org/markup-compatibility/2006" xmlns:mv="urn:schemas-microsoft-com:mac:vml" xmlns:p="http://schemas.openxmlformats.org/presentationml/2006/main" xmlns:c="http://schemas.openxmlformats.org/drawingml/2006/chart" xmlns:dgm="http://schemas.openxmlformats.org/drawingml/2006/diagram" xmlns:o="urn:schemas-microsoft-com:office:office" xmlns:v="urn:schemas-microsoft-com:vml" xmlns:pvml="urn:schemas-microsoft-com:office:powerpoint" xmlns:com="http://schemas.openxmlformats.org/drawingml/2006/compatibility" xmlns:p14="http://schemas.microsoft.com/office/powerpoint/2010/main" xmlns:p15="http://schemas.microsoft.com/office/powerpoint/2012/main" xmlns:ahyp="http://schemas.microsoft.com/office/drawing/2018/hyperlinkcolor" matchingName="Title only" type="titleOnly">
+<p:sldLayout xmlns:a="http://schemas.openxmlformats.org/drawingml/2006/main" xmlns:r="http://schemas.openxmlformats.org/officeDocument/2006/relationships" xmlns:p="http://schemas.openxmlformats.org/presentationml/2006/main" matchingName="Title only" type="titleOnly">
   <p:cSld name="TITLE_ONLY">
     <p:spTree>
       <p:nvGrpSpPr>
-        <p:cNvPr id="25" name="Shape 25"/>
+        <p:cNvPr id="1" name="Shape 25"/>
         <p:cNvGrpSpPr/>
         <p:nvPr/>
       </p:nvGrpSpPr>
@@ -3098,7 +3188,9 @@
       <p:sp>
         <p:nvSpPr>
           <p:cNvPr id="26" name="Google Shape;26;p6"/>
-          <p:cNvSpPr txBox="1"/>
+          <p:cNvSpPr txBox="1">
+            <a:spLocks noGrp="1"/>
+          </p:cNvSpPr>
           <p:nvPr>
             <p:ph type="title"/>
           </p:nvPr>
@@ -3113,7 +3205,7 @@
           </a:prstGeom>
         </p:spPr>
         <p:txBody>
-          <a:bodyPr anchorCtr="0" anchor="t" bIns="91425" lIns="91425" spcFirstLastPara="1" rIns="91425" wrap="square" tIns="91425">
+          <a:bodyPr spcFirstLastPara="1" wrap="square" lIns="91425" tIns="91425" rIns="91425" bIns="91425" anchor="t" anchorCtr="0">
             <a:normAutofit/>
           </a:bodyPr>
           <a:lstStyle>
@@ -3217,15 +3309,19 @@
               <a:defRPr/>
             </a:lvl9pPr>
           </a:lstStyle>
-          <a:p/>
+          <a:p>
+            <a:endParaRPr/>
+          </a:p>
         </p:txBody>
       </p:sp>
       <p:sp>
         <p:nvSpPr>
           <p:cNvPr id="27" name="Google Shape;27;p6"/>
-          <p:cNvSpPr txBox="1"/>
+          <p:cNvSpPr txBox="1">
+            <a:spLocks noGrp="1"/>
+          </p:cNvSpPr>
           <p:nvPr>
-            <p:ph idx="12" type="sldNum"/>
+            <p:ph type="sldNum" idx="12"/>
           </p:nvPr>
         </p:nvSpPr>
         <p:spPr>
@@ -3238,7 +3334,7 @@
           </a:prstGeom>
         </p:spPr>
         <p:txBody>
-          <a:bodyPr anchorCtr="0" anchor="ctr" bIns="91425" lIns="91425" spcFirstLastPara="1" rIns="91425" wrap="square" tIns="91425">
+          <a:bodyPr spcFirstLastPara="1" wrap="square" lIns="91425" tIns="91425" rIns="91425" bIns="91425" anchor="ctr" anchorCtr="0">
             <a:normAutofit/>
           </a:bodyPr>
           <a:lstStyle>
@@ -3280,7 +3376,7 @@
             </a:lvl9pPr>
           </a:lstStyle>
           <a:p>
-            <a:pPr indent="0" lvl="0" marL="0" rtl="0" algn="r">
+            <a:pPr marL="0" lvl="0" indent="0" algn="r" rtl="0">
               <a:spcBef>
                 <a:spcPts val="0"/>
               </a:spcBef>
@@ -3306,11 +3402,11 @@
 </file>
 
 <file path=ppt/slideLayouts/slideLayout6.xml><?xml version="1.0" encoding="utf-8"?>
-<p:sldLayout xmlns:a="http://schemas.openxmlformats.org/drawingml/2006/main" xmlns:r="http://schemas.openxmlformats.org/officeDocument/2006/relationships" xmlns:mc="http://schemas.openxmlformats.org/markup-compatibility/2006" xmlns:mv="urn:schemas-microsoft-com:mac:vml" xmlns:p="http://schemas.openxmlformats.org/presentationml/2006/main" xmlns:c="http://schemas.openxmlformats.org/drawingml/2006/chart" xmlns:dgm="http://schemas.openxmlformats.org/drawingml/2006/diagram" xmlns:o="urn:schemas-microsoft-com:office:office" xmlns:v="urn:schemas-microsoft-com:vml" xmlns:pvml="urn:schemas-microsoft-com:office:powerpoint" xmlns:com="http://schemas.openxmlformats.org/drawingml/2006/compatibility" xmlns:p14="http://schemas.microsoft.com/office/powerpoint/2010/main" xmlns:p15="http://schemas.microsoft.com/office/powerpoint/2012/main" xmlns:ahyp="http://schemas.microsoft.com/office/drawing/2018/hyperlinkcolor" matchingName="One column text">
+<p:sldLayout xmlns:a="http://schemas.openxmlformats.org/drawingml/2006/main" xmlns:r="http://schemas.openxmlformats.org/officeDocument/2006/relationships" xmlns:p="http://schemas.openxmlformats.org/presentationml/2006/main" matchingName="One column text">
   <p:cSld name="ONE_COLUMN_TEXT">
     <p:spTree>
       <p:nvGrpSpPr>
-        <p:cNvPr id="28" name="Shape 28"/>
+        <p:cNvPr id="1" name="Shape 28"/>
         <p:cNvGrpSpPr/>
         <p:nvPr/>
       </p:nvGrpSpPr>
@@ -3325,7 +3421,9 @@
       <p:sp>
         <p:nvSpPr>
           <p:cNvPr id="29" name="Google Shape;29;p7"/>
-          <p:cNvSpPr txBox="1"/>
+          <p:cNvSpPr txBox="1">
+            <a:spLocks noGrp="1"/>
+          </p:cNvSpPr>
           <p:nvPr>
             <p:ph type="title"/>
           </p:nvPr>
@@ -3340,7 +3438,7 @@
           </a:prstGeom>
         </p:spPr>
         <p:txBody>
-          <a:bodyPr anchorCtr="0" anchor="b" bIns="91425" lIns="91425" spcFirstLastPara="1" rIns="91425" wrap="square" tIns="91425">
+          <a:bodyPr spcFirstLastPara="1" wrap="square" lIns="91425" tIns="91425" rIns="91425" bIns="91425" anchor="b" anchorCtr="0">
             <a:normAutofit/>
           </a:bodyPr>
           <a:lstStyle>
@@ -3444,15 +3542,19 @@
               <a:defRPr sz="2400"/>
             </a:lvl9pPr>
           </a:lstStyle>
-          <a:p/>
+          <a:p>
+            <a:endParaRPr/>
+          </a:p>
         </p:txBody>
       </p:sp>
       <p:sp>
         <p:nvSpPr>
           <p:cNvPr id="30" name="Google Shape;30;p7"/>
-          <p:cNvSpPr txBox="1"/>
+          <p:cNvSpPr txBox="1">
+            <a:spLocks noGrp="1"/>
+          </p:cNvSpPr>
           <p:nvPr>
-            <p:ph idx="1" type="body"/>
+            <p:ph type="body" idx="1"/>
           </p:nvPr>
         </p:nvSpPr>
         <p:spPr>
@@ -3465,11 +3567,11 @@
           </a:prstGeom>
         </p:spPr>
         <p:txBody>
-          <a:bodyPr anchorCtr="0" anchor="t" bIns="91425" lIns="91425" spcFirstLastPara="1" rIns="91425" wrap="square" tIns="91425">
+          <a:bodyPr spcFirstLastPara="1" wrap="square" lIns="91425" tIns="91425" rIns="91425" bIns="91425" anchor="t" anchorCtr="0">
             <a:normAutofit/>
           </a:bodyPr>
           <a:lstStyle>
-            <a:lvl1pPr indent="-304800" lvl="0" marL="457200">
+            <a:lvl1pPr marL="457200" lvl="0" indent="-304800">
               <a:spcBef>
                 <a:spcPts val="0"/>
               </a:spcBef>
@@ -3480,7 +3582,7 @@
               <a:buChar char="●"/>
               <a:defRPr sz="1200"/>
             </a:lvl1pPr>
-            <a:lvl2pPr indent="-304800" lvl="1" marL="914400">
+            <a:lvl2pPr marL="914400" lvl="1" indent="-304800">
               <a:spcBef>
                 <a:spcPts val="0"/>
               </a:spcBef>
@@ -3491,7 +3593,7 @@
               <a:buChar char="○"/>
               <a:defRPr sz="1200"/>
             </a:lvl2pPr>
-            <a:lvl3pPr indent="-304800" lvl="2" marL="1371600">
+            <a:lvl3pPr marL="1371600" lvl="2" indent="-304800">
               <a:spcBef>
                 <a:spcPts val="0"/>
               </a:spcBef>
@@ -3502,7 +3604,7 @@
               <a:buChar char="■"/>
               <a:defRPr sz="1200"/>
             </a:lvl3pPr>
-            <a:lvl4pPr indent="-304800" lvl="3" marL="1828800">
+            <a:lvl4pPr marL="1828800" lvl="3" indent="-304800">
               <a:spcBef>
                 <a:spcPts val="0"/>
               </a:spcBef>
@@ -3513,7 +3615,7 @@
               <a:buChar char="●"/>
               <a:defRPr sz="1200"/>
             </a:lvl4pPr>
-            <a:lvl5pPr indent="-304800" lvl="4" marL="2286000">
+            <a:lvl5pPr marL="2286000" lvl="4" indent="-304800">
               <a:spcBef>
                 <a:spcPts val="0"/>
               </a:spcBef>
@@ -3524,7 +3626,7 @@
               <a:buChar char="○"/>
               <a:defRPr sz="1200"/>
             </a:lvl5pPr>
-            <a:lvl6pPr indent="-304800" lvl="5" marL="2743200">
+            <a:lvl6pPr marL="2743200" lvl="5" indent="-304800">
               <a:spcBef>
                 <a:spcPts val="0"/>
               </a:spcBef>
@@ -3535,7 +3637,7 @@
               <a:buChar char="■"/>
               <a:defRPr sz="1200"/>
             </a:lvl6pPr>
-            <a:lvl7pPr indent="-304800" lvl="6" marL="3200400">
+            <a:lvl7pPr marL="3200400" lvl="6" indent="-304800">
               <a:spcBef>
                 <a:spcPts val="0"/>
               </a:spcBef>
@@ -3546,7 +3648,7 @@
               <a:buChar char="●"/>
               <a:defRPr sz="1200"/>
             </a:lvl7pPr>
-            <a:lvl8pPr indent="-304800" lvl="7" marL="3657600">
+            <a:lvl8pPr marL="3657600" lvl="7" indent="-304800">
               <a:spcBef>
                 <a:spcPts val="0"/>
               </a:spcBef>
@@ -3557,7 +3659,7 @@
               <a:buChar char="○"/>
               <a:defRPr sz="1200"/>
             </a:lvl8pPr>
-            <a:lvl9pPr indent="-304800" lvl="8" marL="4114800">
+            <a:lvl9pPr marL="4114800" lvl="8" indent="-304800">
               <a:spcBef>
                 <a:spcPts val="0"/>
               </a:spcBef>
@@ -3569,15 +3671,19 @@
               <a:defRPr sz="1200"/>
             </a:lvl9pPr>
           </a:lstStyle>
-          <a:p/>
+          <a:p>
+            <a:endParaRPr/>
+          </a:p>
         </p:txBody>
       </p:sp>
       <p:sp>
         <p:nvSpPr>
           <p:cNvPr id="31" name="Google Shape;31;p7"/>
-          <p:cNvSpPr txBox="1"/>
+          <p:cNvSpPr txBox="1">
+            <a:spLocks noGrp="1"/>
+          </p:cNvSpPr>
           <p:nvPr>
-            <p:ph idx="12" type="sldNum"/>
+            <p:ph type="sldNum" idx="12"/>
           </p:nvPr>
         </p:nvSpPr>
         <p:spPr>
@@ -3590,7 +3696,7 @@
           </a:prstGeom>
         </p:spPr>
         <p:txBody>
-          <a:bodyPr anchorCtr="0" anchor="ctr" bIns="91425" lIns="91425" spcFirstLastPara="1" rIns="91425" wrap="square" tIns="91425">
+          <a:bodyPr spcFirstLastPara="1" wrap="square" lIns="91425" tIns="91425" rIns="91425" bIns="91425" anchor="ctr" anchorCtr="0">
             <a:normAutofit/>
           </a:bodyPr>
           <a:lstStyle>
@@ -3632,7 +3738,7 @@
             </a:lvl9pPr>
           </a:lstStyle>
           <a:p>
-            <a:pPr indent="0" lvl="0" marL="0" rtl="0" algn="r">
+            <a:pPr marL="0" lvl="0" indent="0" algn="r" rtl="0">
               <a:spcBef>
                 <a:spcPts val="0"/>
               </a:spcBef>
@@ -3658,11 +3764,11 @@
 </file>
 
 <file path=ppt/slideLayouts/slideLayout7.xml><?xml version="1.0" encoding="utf-8"?>
-<p:sldLayout xmlns:a="http://schemas.openxmlformats.org/drawingml/2006/main" xmlns:r="http://schemas.openxmlformats.org/officeDocument/2006/relationships" xmlns:mc="http://schemas.openxmlformats.org/markup-compatibility/2006" xmlns:mv="urn:schemas-microsoft-com:mac:vml" xmlns:p="http://schemas.openxmlformats.org/presentationml/2006/main" xmlns:c="http://schemas.openxmlformats.org/drawingml/2006/chart" xmlns:dgm="http://schemas.openxmlformats.org/drawingml/2006/diagram" xmlns:o="urn:schemas-microsoft-com:office:office" xmlns:v="urn:schemas-microsoft-com:vml" xmlns:pvml="urn:schemas-microsoft-com:office:powerpoint" xmlns:com="http://schemas.openxmlformats.org/drawingml/2006/compatibility" xmlns:p14="http://schemas.microsoft.com/office/powerpoint/2010/main" xmlns:p15="http://schemas.microsoft.com/office/powerpoint/2012/main" xmlns:ahyp="http://schemas.microsoft.com/office/drawing/2018/hyperlinkcolor" matchingName="Main point">
+<p:sldLayout xmlns:a="http://schemas.openxmlformats.org/drawingml/2006/main" xmlns:r="http://schemas.openxmlformats.org/officeDocument/2006/relationships" xmlns:p="http://schemas.openxmlformats.org/presentationml/2006/main" matchingName="Main point">
   <p:cSld name="MAIN_POINT">
     <p:spTree>
       <p:nvGrpSpPr>
-        <p:cNvPr id="32" name="Shape 32"/>
+        <p:cNvPr id="1" name="Shape 32"/>
         <p:cNvGrpSpPr/>
         <p:nvPr/>
       </p:nvGrpSpPr>
@@ -3677,7 +3783,9 @@
       <p:sp>
         <p:nvSpPr>
           <p:cNvPr id="33" name="Google Shape;33;p8"/>
-          <p:cNvSpPr txBox="1"/>
+          <p:cNvSpPr txBox="1">
+            <a:spLocks noGrp="1"/>
+          </p:cNvSpPr>
           <p:nvPr>
             <p:ph type="title"/>
           </p:nvPr>
@@ -3692,7 +3800,7 @@
           </a:prstGeom>
         </p:spPr>
         <p:txBody>
-          <a:bodyPr anchorCtr="0" anchor="ctr" bIns="91425" lIns="91425" spcFirstLastPara="1" rIns="91425" wrap="square" tIns="91425">
+          <a:bodyPr spcFirstLastPara="1" wrap="square" lIns="91425" tIns="91425" rIns="91425" bIns="91425" anchor="ctr" anchorCtr="0">
             <a:normAutofit/>
           </a:bodyPr>
           <a:lstStyle>
@@ -3796,15 +3904,19 @@
               <a:defRPr sz="4800"/>
             </a:lvl9pPr>
           </a:lstStyle>
-          <a:p/>
+          <a:p>
+            <a:endParaRPr/>
+          </a:p>
         </p:txBody>
       </p:sp>
       <p:sp>
         <p:nvSpPr>
           <p:cNvPr id="34" name="Google Shape;34;p8"/>
-          <p:cNvSpPr txBox="1"/>
+          <p:cNvSpPr txBox="1">
+            <a:spLocks noGrp="1"/>
+          </p:cNvSpPr>
           <p:nvPr>
-            <p:ph idx="12" type="sldNum"/>
+            <p:ph type="sldNum" idx="12"/>
           </p:nvPr>
         </p:nvSpPr>
         <p:spPr>
@@ -3817,7 +3929,7 @@
           </a:prstGeom>
         </p:spPr>
         <p:txBody>
-          <a:bodyPr anchorCtr="0" anchor="ctr" bIns="91425" lIns="91425" spcFirstLastPara="1" rIns="91425" wrap="square" tIns="91425">
+          <a:bodyPr spcFirstLastPara="1" wrap="square" lIns="91425" tIns="91425" rIns="91425" bIns="91425" anchor="ctr" anchorCtr="0">
             <a:normAutofit/>
           </a:bodyPr>
           <a:lstStyle>
@@ -3859,7 +3971,7 @@
             </a:lvl9pPr>
           </a:lstStyle>
           <a:p>
-            <a:pPr indent="0" lvl="0" marL="0" rtl="0" algn="r">
+            <a:pPr marL="0" lvl="0" indent="0" algn="r" rtl="0">
               <a:spcBef>
                 <a:spcPts val="0"/>
               </a:spcBef>
@@ -3885,11 +3997,11 @@
 </file>
 
 <file path=ppt/slideLayouts/slideLayout8.xml><?xml version="1.0" encoding="utf-8"?>
-<p:sldLayout xmlns:a="http://schemas.openxmlformats.org/drawingml/2006/main" xmlns:r="http://schemas.openxmlformats.org/officeDocument/2006/relationships" xmlns:mc="http://schemas.openxmlformats.org/markup-compatibility/2006" xmlns:mv="urn:schemas-microsoft-com:mac:vml" xmlns:p="http://schemas.openxmlformats.org/presentationml/2006/main" xmlns:c="http://schemas.openxmlformats.org/drawingml/2006/chart" xmlns:dgm="http://schemas.openxmlformats.org/drawingml/2006/diagram" xmlns:o="urn:schemas-microsoft-com:office:office" xmlns:v="urn:schemas-microsoft-com:vml" xmlns:pvml="urn:schemas-microsoft-com:office:powerpoint" xmlns:com="http://schemas.openxmlformats.org/drawingml/2006/compatibility" xmlns:p14="http://schemas.microsoft.com/office/powerpoint/2010/main" xmlns:p15="http://schemas.microsoft.com/office/powerpoint/2012/main" xmlns:ahyp="http://schemas.microsoft.com/office/drawing/2018/hyperlinkcolor" matchingName="Section title and description">
+<p:sldLayout xmlns:a="http://schemas.openxmlformats.org/drawingml/2006/main" xmlns:r="http://schemas.openxmlformats.org/officeDocument/2006/relationships" xmlns:p="http://schemas.openxmlformats.org/presentationml/2006/main" matchingName="Section title and description">
   <p:cSld name="SECTION_TITLE_AND_DESCRIPTION">
     <p:spTree>
       <p:nvGrpSpPr>
-        <p:cNvPr id="35" name="Shape 35"/>
+        <p:cNvPr id="1" name="Shape 35"/>
         <p:cNvGrpSpPr/>
         <p:nvPr/>
       </p:nvGrpSpPr>
@@ -3923,12 +4035,12 @@
           </a:ln>
         </p:spPr>
         <p:txBody>
-          <a:bodyPr anchorCtr="0" anchor="ctr" bIns="91425" lIns="91425" spcFirstLastPara="1" rIns="91425" wrap="square" tIns="91425">
+          <a:bodyPr spcFirstLastPara="1" wrap="square" lIns="91425" tIns="91425" rIns="91425" bIns="91425" anchor="ctr" anchorCtr="0">
             <a:noAutofit/>
           </a:bodyPr>
           <a:lstStyle/>
           <a:p>
-            <a:pPr indent="0" lvl="0" marL="0" rtl="0" algn="l">
+            <a:pPr marL="0" lvl="0" indent="0" algn="l" rtl="0">
               <a:spcBef>
                 <a:spcPts val="0"/>
               </a:spcBef>
@@ -3937,9 +4049,6 @@
               </a:spcAft>
               <a:buNone/>
             </a:pPr>
-            <a:r>
-              <a:t/>
-            </a:r>
             <a:endParaRPr/>
           </a:p>
         </p:txBody>
@@ -3947,7 +4056,9 @@
       <p:sp>
         <p:nvSpPr>
           <p:cNvPr id="37" name="Google Shape;37;p9"/>
-          <p:cNvSpPr txBox="1"/>
+          <p:cNvSpPr txBox="1">
+            <a:spLocks noGrp="1"/>
+          </p:cNvSpPr>
           <p:nvPr>
             <p:ph type="title"/>
           </p:nvPr>
@@ -3962,7 +4073,7 @@
           </a:prstGeom>
         </p:spPr>
         <p:txBody>
-          <a:bodyPr anchorCtr="0" anchor="b" bIns="91425" lIns="91425" spcFirstLastPara="1" rIns="91425" wrap="square" tIns="91425">
+          <a:bodyPr spcFirstLastPara="1" wrap="square" lIns="91425" tIns="91425" rIns="91425" bIns="91425" anchor="b" anchorCtr="0">
             <a:normAutofit/>
           </a:bodyPr>
           <a:lstStyle>
@@ -4066,15 +4177,19 @@
               <a:defRPr sz="4200"/>
             </a:lvl9pPr>
           </a:lstStyle>
-          <a:p/>
+          <a:p>
+            <a:endParaRPr/>
+          </a:p>
         </p:txBody>
       </p:sp>
       <p:sp>
         <p:nvSpPr>
           <p:cNvPr id="38" name="Google Shape;38;p9"/>
-          <p:cNvSpPr txBox="1"/>
+          <p:cNvSpPr txBox="1">
+            <a:spLocks noGrp="1"/>
+          </p:cNvSpPr>
           <p:nvPr>
-            <p:ph idx="1" type="subTitle"/>
+            <p:ph type="subTitle" idx="1"/>
           </p:nvPr>
         </p:nvSpPr>
         <p:spPr>
@@ -4087,7 +4202,7 @@
           </a:prstGeom>
         </p:spPr>
         <p:txBody>
-          <a:bodyPr anchorCtr="0" anchor="t" bIns="91425" lIns="91425" spcFirstLastPara="1" rIns="91425" wrap="square" tIns="91425">
+          <a:bodyPr spcFirstLastPara="1" wrap="square" lIns="91425" tIns="91425" rIns="91425" bIns="91425" anchor="t" anchorCtr="0">
             <a:normAutofit/>
           </a:bodyPr>
           <a:lstStyle>
@@ -4218,15 +4333,19 @@
               <a:defRPr sz="2100"/>
             </a:lvl9pPr>
           </a:lstStyle>
-          <a:p/>
+          <a:p>
+            <a:endParaRPr/>
+          </a:p>
         </p:txBody>
       </p:sp>
       <p:sp>
         <p:nvSpPr>
           <p:cNvPr id="39" name="Google Shape;39;p9"/>
-          <p:cNvSpPr txBox="1"/>
+          <p:cNvSpPr txBox="1">
+            <a:spLocks noGrp="1"/>
+          </p:cNvSpPr>
           <p:nvPr>
-            <p:ph idx="2" type="body"/>
+            <p:ph type="body" idx="2"/>
           </p:nvPr>
         </p:nvSpPr>
         <p:spPr>
@@ -4239,11 +4358,11 @@
           </a:prstGeom>
         </p:spPr>
         <p:txBody>
-          <a:bodyPr anchorCtr="0" anchor="ctr" bIns="91425" lIns="91425" spcFirstLastPara="1" rIns="91425" wrap="square" tIns="91425">
+          <a:bodyPr spcFirstLastPara="1" wrap="square" lIns="91425" tIns="91425" rIns="91425" bIns="91425" anchor="ctr" anchorCtr="0">
             <a:normAutofit/>
           </a:bodyPr>
           <a:lstStyle>
-            <a:lvl1pPr indent="-342900" lvl="0" marL="457200">
+            <a:lvl1pPr marL="457200" lvl="0" indent="-342900">
               <a:spcBef>
                 <a:spcPts val="0"/>
               </a:spcBef>
@@ -4254,7 +4373,7 @@
               <a:buChar char="●"/>
               <a:defRPr/>
             </a:lvl1pPr>
-            <a:lvl2pPr indent="-317500" lvl="1" marL="914400">
+            <a:lvl2pPr marL="914400" lvl="1" indent="-317500">
               <a:spcBef>
                 <a:spcPts val="0"/>
               </a:spcBef>
@@ -4265,7 +4384,7 @@
               <a:buChar char="○"/>
               <a:defRPr/>
             </a:lvl2pPr>
-            <a:lvl3pPr indent="-317500" lvl="2" marL="1371600">
+            <a:lvl3pPr marL="1371600" lvl="2" indent="-317500">
               <a:spcBef>
                 <a:spcPts val="0"/>
               </a:spcBef>
@@ -4276,7 +4395,7 @@
               <a:buChar char="■"/>
               <a:defRPr/>
             </a:lvl3pPr>
-            <a:lvl4pPr indent="-317500" lvl="3" marL="1828800">
+            <a:lvl4pPr marL="1828800" lvl="3" indent="-317500">
               <a:spcBef>
                 <a:spcPts val="0"/>
               </a:spcBef>
@@ -4287,7 +4406,7 @@
               <a:buChar char="●"/>
               <a:defRPr/>
             </a:lvl4pPr>
-            <a:lvl5pPr indent="-317500" lvl="4" marL="2286000">
+            <a:lvl5pPr marL="2286000" lvl="4" indent="-317500">
               <a:spcBef>
                 <a:spcPts val="0"/>
               </a:spcBef>
@@ -4298,7 +4417,7 @@
               <a:buChar char="○"/>
               <a:defRPr/>
             </a:lvl5pPr>
-            <a:lvl6pPr indent="-317500" lvl="5" marL="2743200">
+            <a:lvl6pPr marL="2743200" lvl="5" indent="-317500">
               <a:spcBef>
                 <a:spcPts val="0"/>
               </a:spcBef>
@@ -4309,7 +4428,7 @@
               <a:buChar char="■"/>
               <a:defRPr/>
             </a:lvl6pPr>
-            <a:lvl7pPr indent="-317500" lvl="6" marL="3200400">
+            <a:lvl7pPr marL="3200400" lvl="6" indent="-317500">
               <a:spcBef>
                 <a:spcPts val="0"/>
               </a:spcBef>
@@ -4320,7 +4439,7 @@
               <a:buChar char="●"/>
               <a:defRPr/>
             </a:lvl7pPr>
-            <a:lvl8pPr indent="-317500" lvl="7" marL="3657600">
+            <a:lvl8pPr marL="3657600" lvl="7" indent="-317500">
               <a:spcBef>
                 <a:spcPts val="0"/>
               </a:spcBef>
@@ -4331,7 +4450,7 @@
               <a:buChar char="○"/>
               <a:defRPr/>
             </a:lvl8pPr>
-            <a:lvl9pPr indent="-317500" lvl="8" marL="4114800">
+            <a:lvl9pPr marL="4114800" lvl="8" indent="-317500">
               <a:spcBef>
                 <a:spcPts val="0"/>
               </a:spcBef>
@@ -4343,15 +4462,19 @@
               <a:defRPr/>
             </a:lvl9pPr>
           </a:lstStyle>
-          <a:p/>
+          <a:p>
+            <a:endParaRPr/>
+          </a:p>
         </p:txBody>
       </p:sp>
       <p:sp>
         <p:nvSpPr>
           <p:cNvPr id="40" name="Google Shape;40;p9"/>
-          <p:cNvSpPr txBox="1"/>
+          <p:cNvSpPr txBox="1">
+            <a:spLocks noGrp="1"/>
+          </p:cNvSpPr>
           <p:nvPr>
-            <p:ph idx="12" type="sldNum"/>
+            <p:ph type="sldNum" idx="12"/>
           </p:nvPr>
         </p:nvSpPr>
         <p:spPr>
@@ -4364,7 +4487,7 @@
           </a:prstGeom>
         </p:spPr>
         <p:txBody>
-          <a:bodyPr anchorCtr="0" anchor="ctr" bIns="91425" lIns="91425" spcFirstLastPara="1" rIns="91425" wrap="square" tIns="91425">
+          <a:bodyPr spcFirstLastPara="1" wrap="square" lIns="91425" tIns="91425" rIns="91425" bIns="91425" anchor="ctr" anchorCtr="0">
             <a:normAutofit/>
           </a:bodyPr>
           <a:lstStyle>
@@ -4406,7 +4529,7 @@
             </a:lvl9pPr>
           </a:lstStyle>
           <a:p>
-            <a:pPr indent="0" lvl="0" marL="0" rtl="0" algn="r">
+            <a:pPr marL="0" lvl="0" indent="0" algn="r" rtl="0">
               <a:spcBef>
                 <a:spcPts val="0"/>
               </a:spcBef>
@@ -4432,11 +4555,11 @@
 </file>
 
 <file path=ppt/slideLayouts/slideLayout9.xml><?xml version="1.0" encoding="utf-8"?>
-<p:sldLayout xmlns:a="http://schemas.openxmlformats.org/drawingml/2006/main" xmlns:r="http://schemas.openxmlformats.org/officeDocument/2006/relationships" xmlns:mc="http://schemas.openxmlformats.org/markup-compatibility/2006" xmlns:mv="urn:schemas-microsoft-com:mac:vml" xmlns:p="http://schemas.openxmlformats.org/presentationml/2006/main" xmlns:c="http://schemas.openxmlformats.org/drawingml/2006/chart" xmlns:dgm="http://schemas.openxmlformats.org/drawingml/2006/diagram" xmlns:o="urn:schemas-microsoft-com:office:office" xmlns:v="urn:schemas-microsoft-com:vml" xmlns:pvml="urn:schemas-microsoft-com:office:powerpoint" xmlns:com="http://schemas.openxmlformats.org/drawingml/2006/compatibility" xmlns:p14="http://schemas.microsoft.com/office/powerpoint/2010/main" xmlns:p15="http://schemas.microsoft.com/office/powerpoint/2012/main" xmlns:ahyp="http://schemas.microsoft.com/office/drawing/2018/hyperlinkcolor" matchingName="Caption">
+<p:sldLayout xmlns:a="http://schemas.openxmlformats.org/drawingml/2006/main" xmlns:r="http://schemas.openxmlformats.org/officeDocument/2006/relationships" xmlns:p="http://schemas.openxmlformats.org/presentationml/2006/main" matchingName="Caption">
   <p:cSld name="CAPTION_ONLY">
     <p:spTree>
       <p:nvGrpSpPr>
-        <p:cNvPr id="41" name="Shape 41"/>
+        <p:cNvPr id="1" name="Shape 41"/>
         <p:cNvGrpSpPr/>
         <p:nvPr/>
       </p:nvGrpSpPr>
@@ -4451,9 +4574,11 @@
       <p:sp>
         <p:nvSpPr>
           <p:cNvPr id="42" name="Google Shape;42;p10"/>
-          <p:cNvSpPr txBox="1"/>
+          <p:cNvSpPr txBox="1">
+            <a:spLocks noGrp="1"/>
+          </p:cNvSpPr>
           <p:nvPr>
-            <p:ph idx="1" type="body"/>
+            <p:ph type="body" idx="1"/>
           </p:nvPr>
         </p:nvSpPr>
         <p:spPr>
@@ -4466,11 +4591,11 @@
           </a:prstGeom>
         </p:spPr>
         <p:txBody>
-          <a:bodyPr anchorCtr="0" anchor="ctr" bIns="91425" lIns="91425" spcFirstLastPara="1" rIns="91425" wrap="square" tIns="91425">
+          <a:bodyPr spcFirstLastPara="1" wrap="square" lIns="91425" tIns="91425" rIns="91425" bIns="91425" anchor="ctr" anchorCtr="0">
             <a:normAutofit/>
           </a:bodyPr>
           <a:lstStyle>
-            <a:lvl1pPr indent="-228600" lvl="0" marL="457200">
+            <a:lvl1pPr marL="457200" lvl="0" indent="-228600">
               <a:lnSpc>
                 <a:spcPct val="100000"/>
               </a:lnSpc>
@@ -4485,15 +4610,19 @@
               <a:defRPr/>
             </a:lvl1pPr>
           </a:lstStyle>
-          <a:p/>
+          <a:p>
+            <a:endParaRPr/>
+          </a:p>
         </p:txBody>
       </p:sp>
       <p:sp>
         <p:nvSpPr>
           <p:cNvPr id="43" name="Google Shape;43;p10"/>
-          <p:cNvSpPr txBox="1"/>
+          <p:cNvSpPr txBox="1">
+            <a:spLocks noGrp="1"/>
+          </p:cNvSpPr>
           <p:nvPr>
-            <p:ph idx="12" type="sldNum"/>
+            <p:ph type="sldNum" idx="12"/>
           </p:nvPr>
         </p:nvSpPr>
         <p:spPr>
@@ -4506,7 +4635,7 @@
           </a:prstGeom>
         </p:spPr>
         <p:txBody>
-          <a:bodyPr anchorCtr="0" anchor="ctr" bIns="91425" lIns="91425" spcFirstLastPara="1" rIns="91425" wrap="square" tIns="91425">
+          <a:bodyPr spcFirstLastPara="1" wrap="square" lIns="91425" tIns="91425" rIns="91425" bIns="91425" anchor="ctr" anchorCtr="0">
             <a:normAutofit/>
           </a:bodyPr>
           <a:lstStyle>
@@ -4548,7 +4677,7 @@
             </a:lvl9pPr>
           </a:lstStyle>
           <a:p>
-            <a:pPr indent="0" lvl="0" marL="0" rtl="0" algn="r">
+            <a:pPr marL="0" lvl="0" indent="0" algn="r" rtl="0">
               <a:spcBef>
                 <a:spcPts val="0"/>
               </a:spcBef>
@@ -4574,18 +4703,19 @@
 </file>
 
 <file path=ppt/slideMasters/slideMaster1.xml><?xml version="1.0" encoding="utf-8"?>
-<p:sldMaster xmlns:a="http://schemas.openxmlformats.org/drawingml/2006/main" xmlns:r="http://schemas.openxmlformats.org/officeDocument/2006/relationships" xmlns:mc="http://schemas.openxmlformats.org/markup-compatibility/2006" xmlns:mv="urn:schemas-microsoft-com:mac:vml" xmlns:p="http://schemas.openxmlformats.org/presentationml/2006/main" xmlns:c="http://schemas.openxmlformats.org/drawingml/2006/chart" xmlns:dgm="http://schemas.openxmlformats.org/drawingml/2006/diagram" xmlns:o="urn:schemas-microsoft-com:office:office" xmlns:v="urn:schemas-microsoft-com:vml" xmlns:pvml="urn:schemas-microsoft-com:office:powerpoint" xmlns:com="http://schemas.openxmlformats.org/drawingml/2006/compatibility" xmlns:p14="http://schemas.microsoft.com/office/powerpoint/2010/main" xmlns:p15="http://schemas.microsoft.com/office/powerpoint/2012/main" xmlns:ahyp="http://schemas.microsoft.com/office/drawing/2018/hyperlinkcolor">
+<p:sldMaster xmlns:a="http://schemas.openxmlformats.org/drawingml/2006/main" xmlns:r="http://schemas.openxmlformats.org/officeDocument/2006/relationships" xmlns:p="http://schemas.openxmlformats.org/presentationml/2006/main">
   <p:cSld name="simple-light-2">
     <p:bg>
       <p:bgPr>
         <a:solidFill>
           <a:schemeClr val="lt1"/>
         </a:solidFill>
+        <a:effectLst/>
       </p:bgPr>
     </p:bg>
     <p:spTree>
       <p:nvGrpSpPr>
-        <p:cNvPr id="5" name="Shape 5"/>
+        <p:cNvPr id="1" name="Shape 5"/>
         <p:cNvGrpSpPr/>
         <p:nvPr/>
       </p:nvGrpSpPr>
@@ -4600,7 +4730,9 @@
       <p:sp>
         <p:nvSpPr>
           <p:cNvPr id="6" name="Google Shape;6;p1"/>
-          <p:cNvSpPr txBox="1"/>
+          <p:cNvSpPr txBox="1">
+            <a:spLocks noGrp="1"/>
+          </p:cNvSpPr>
           <p:nvPr>
             <p:ph type="title"/>
           </p:nvPr>
@@ -4619,7 +4751,7 @@
           </a:ln>
         </p:spPr>
         <p:txBody>
-          <a:bodyPr anchorCtr="0" anchor="t" bIns="91425" lIns="91425" spcFirstLastPara="1" rIns="91425" wrap="square" tIns="91425">
+          <a:bodyPr spcFirstLastPara="1" wrap="square" lIns="91425" tIns="91425" rIns="91425" bIns="91425" anchor="t" anchorCtr="0">
             <a:normAutofit/>
           </a:bodyPr>
           <a:lstStyle>
@@ -4786,15 +4918,19 @@
               </a:defRPr>
             </a:lvl9pPr>
           </a:lstStyle>
-          <a:p/>
+          <a:p>
+            <a:endParaRPr/>
+          </a:p>
         </p:txBody>
       </p:sp>
       <p:sp>
         <p:nvSpPr>
           <p:cNvPr id="7" name="Google Shape;7;p1"/>
-          <p:cNvSpPr txBox="1"/>
+          <p:cNvSpPr txBox="1">
+            <a:spLocks noGrp="1"/>
+          </p:cNvSpPr>
           <p:nvPr>
-            <p:ph idx="1" type="body"/>
+            <p:ph type="body" idx="1"/>
           </p:nvPr>
         </p:nvSpPr>
         <p:spPr>
@@ -4811,11 +4947,11 @@
           </a:ln>
         </p:spPr>
         <p:txBody>
-          <a:bodyPr anchorCtr="0" anchor="t" bIns="91425" lIns="91425" spcFirstLastPara="1" rIns="91425" wrap="square" tIns="91425">
+          <a:bodyPr spcFirstLastPara="1" wrap="square" lIns="91425" tIns="91425" rIns="91425" bIns="91425" anchor="t" anchorCtr="0">
             <a:normAutofit/>
           </a:bodyPr>
           <a:lstStyle>
-            <a:lvl1pPr indent="-342900" lvl="0" marL="457200">
+            <a:lvl1pPr marL="457200" lvl="0" indent="-342900">
               <a:lnSpc>
                 <a:spcPct val="115000"/>
               </a:lnSpc>
@@ -4836,7 +4972,7 @@
                 </a:solidFill>
               </a:defRPr>
             </a:lvl1pPr>
-            <a:lvl2pPr indent="-317500" lvl="1" marL="914400">
+            <a:lvl2pPr marL="914400" lvl="1" indent="-317500">
               <a:lnSpc>
                 <a:spcPct val="115000"/>
               </a:lnSpc>
@@ -4857,7 +4993,7 @@
                 </a:solidFill>
               </a:defRPr>
             </a:lvl2pPr>
-            <a:lvl3pPr indent="-317500" lvl="2" marL="1371600">
+            <a:lvl3pPr marL="1371600" lvl="2" indent="-317500">
               <a:lnSpc>
                 <a:spcPct val="115000"/>
               </a:lnSpc>
@@ -4878,7 +5014,7 @@
                 </a:solidFill>
               </a:defRPr>
             </a:lvl3pPr>
-            <a:lvl4pPr indent="-317500" lvl="3" marL="1828800">
+            <a:lvl4pPr marL="1828800" lvl="3" indent="-317500">
               <a:lnSpc>
                 <a:spcPct val="115000"/>
               </a:lnSpc>
@@ -4899,7 +5035,7 @@
                 </a:solidFill>
               </a:defRPr>
             </a:lvl4pPr>
-            <a:lvl5pPr indent="-317500" lvl="4" marL="2286000">
+            <a:lvl5pPr marL="2286000" lvl="4" indent="-317500">
               <a:lnSpc>
                 <a:spcPct val="115000"/>
               </a:lnSpc>
@@ -4920,7 +5056,7 @@
                 </a:solidFill>
               </a:defRPr>
             </a:lvl5pPr>
-            <a:lvl6pPr indent="-317500" lvl="5" marL="2743200">
+            <a:lvl6pPr marL="2743200" lvl="5" indent="-317500">
               <a:lnSpc>
                 <a:spcPct val="115000"/>
               </a:lnSpc>
@@ -4941,7 +5077,7 @@
                 </a:solidFill>
               </a:defRPr>
             </a:lvl6pPr>
-            <a:lvl7pPr indent="-317500" lvl="6" marL="3200400">
+            <a:lvl7pPr marL="3200400" lvl="6" indent="-317500">
               <a:lnSpc>
                 <a:spcPct val="115000"/>
               </a:lnSpc>
@@ -4962,7 +5098,7 @@
                 </a:solidFill>
               </a:defRPr>
             </a:lvl7pPr>
-            <a:lvl8pPr indent="-317500" lvl="7" marL="3657600">
+            <a:lvl8pPr marL="3657600" lvl="7" indent="-317500">
               <a:lnSpc>
                 <a:spcPct val="115000"/>
               </a:lnSpc>
@@ -4983,7 +5119,7 @@
                 </a:solidFill>
               </a:defRPr>
             </a:lvl8pPr>
-            <a:lvl9pPr indent="-317500" lvl="8" marL="4114800">
+            <a:lvl9pPr marL="4114800" lvl="8" indent="-317500">
               <a:lnSpc>
                 <a:spcPct val="115000"/>
               </a:lnSpc>
@@ -5005,15 +5141,19 @@
               </a:defRPr>
             </a:lvl9pPr>
           </a:lstStyle>
-          <a:p/>
+          <a:p>
+            <a:endParaRPr/>
+          </a:p>
         </p:txBody>
       </p:sp>
       <p:sp>
         <p:nvSpPr>
           <p:cNvPr id="8" name="Google Shape;8;p1"/>
-          <p:cNvSpPr txBox="1"/>
+          <p:cNvSpPr txBox="1">
+            <a:spLocks noGrp="1"/>
+          </p:cNvSpPr>
           <p:nvPr>
-            <p:ph idx="12" type="sldNum"/>
+            <p:ph type="sldNum" idx="12"/>
           </p:nvPr>
         </p:nvSpPr>
         <p:spPr>
@@ -5030,7 +5170,7 @@
           </a:ln>
         </p:spPr>
         <p:txBody>
-          <a:bodyPr anchorCtr="0" anchor="ctr" bIns="91425" lIns="91425" spcFirstLastPara="1" rIns="91425" wrap="square" tIns="91425">
+          <a:bodyPr spcFirstLastPara="1" wrap="square" lIns="91425" tIns="91425" rIns="91425" bIns="91425" anchor="ctr" anchorCtr="0">
             <a:normAutofit/>
           </a:bodyPr>
           <a:lstStyle>
@@ -5108,7 +5248,7 @@
             </a:lvl9pPr>
           </a:lstStyle>
           <a:p>
-            <a:pPr indent="0" lvl="0" marL="0" rtl="0" algn="r">
+            <a:pPr marL="0" lvl="0" indent="0" algn="r" rtl="0">
               <a:spcBef>
                 <a:spcPts val="0"/>
               </a:spcBef>
@@ -5127,7 +5267,7 @@
       </p:sp>
     </p:spTree>
   </p:cSld>
-  <p:clrMap accent1="accent1" accent2="accent2" accent3="accent3" accent4="accent4" accent5="accent5" accent6="accent6" bg1="lt1" bg2="dk2" tx1="dk1" tx2="lt2" folHlink="folHlink" hlink="hlink"/>
+  <p:clrMap bg1="lt1" tx1="dk1" bg2="dk2" tx2="lt2" accent1="accent1" accent2="accent2" accent3="accent3" accent4="accent4" accent5="accent5" accent6="accent6" hlink="hlink" folHlink="folHlink"/>
   <p:sldLayoutIdLst>
     <p:sldLayoutId id="2147483648" r:id="rId1"/>
     <p:sldLayoutId id="2147483649" r:id="rId2"/>
@@ -5141,10 +5281,10 @@
     <p:sldLayoutId id="2147483657" r:id="rId10"/>
     <p:sldLayoutId id="2147483658" r:id="rId11"/>
   </p:sldLayoutIdLst>
-  <p:hf dt="0" ftr="0" hdr="0" sldNum="0"/>
+  <p:hf sldNum="0" hdr="0" ftr="0" dt="0"/>
   <p:txStyles>
     <p:titleStyle>
-      <a:defPPr lvl="0" marR="0" rtl="0" algn="l">
+      <a:defPPr marR="0" lvl="0" algn="l" rtl="0">
         <a:lnSpc>
           <a:spcPct val="100000"/>
         </a:lnSpc>
@@ -5155,7 +5295,7 @@
           <a:spcPts val="0"/>
         </a:spcAft>
       </a:defPPr>
-      <a:lvl1pPr lvl="0" marR="0" rtl="0" algn="l">
+      <a:lvl1pPr marR="0" lvl="0" algn="l" rtl="0">
         <a:lnSpc>
           <a:spcPct val="100000"/>
         </a:lnSpc>
@@ -5169,7 +5309,7 @@
           <a:srgbClr val="000000"/>
         </a:buClr>
         <a:buFont typeface="Arial"/>
-        <a:defRPr b="0" i="0" sz="1400" u="none" cap="none" strike="noStrike">
+        <a:defRPr sz="1400" b="0" i="0" u="none" strike="noStrike" cap="none">
           <a:solidFill>
             <a:srgbClr val="000000"/>
           </a:solidFill>
@@ -5179,7 +5319,7 @@
           <a:sym typeface="Arial"/>
         </a:defRPr>
       </a:lvl1pPr>
-      <a:lvl2pPr lvl="1" marR="0" rtl="0" algn="l">
+      <a:lvl2pPr marR="0" lvl="1" algn="l" rtl="0">
         <a:lnSpc>
           <a:spcPct val="100000"/>
         </a:lnSpc>
@@ -5193,7 +5333,7 @@
           <a:srgbClr val="000000"/>
         </a:buClr>
         <a:buFont typeface="Arial"/>
-        <a:defRPr b="0" i="0" sz="1400" u="none" cap="none" strike="noStrike">
+        <a:defRPr sz="1400" b="0" i="0" u="none" strike="noStrike" cap="none">
           <a:solidFill>
             <a:srgbClr val="000000"/>
           </a:solidFill>
@@ -5203,7 +5343,7 @@
           <a:sym typeface="Arial"/>
         </a:defRPr>
       </a:lvl2pPr>
-      <a:lvl3pPr lvl="2" marR="0" rtl="0" algn="l">
+      <a:lvl3pPr marR="0" lvl="2" algn="l" rtl="0">
         <a:lnSpc>
           <a:spcPct val="100000"/>
         </a:lnSpc>
@@ -5217,7 +5357,7 @@
           <a:srgbClr val="000000"/>
         </a:buClr>
         <a:buFont typeface="Arial"/>
-        <a:defRPr b="0" i="0" sz="1400" u="none" cap="none" strike="noStrike">
+        <a:defRPr sz="1400" b="0" i="0" u="none" strike="noStrike" cap="none">
           <a:solidFill>
             <a:srgbClr val="000000"/>
           </a:solidFill>
@@ -5227,7 +5367,7 @@
           <a:sym typeface="Arial"/>
         </a:defRPr>
       </a:lvl3pPr>
-      <a:lvl4pPr lvl="3" marR="0" rtl="0" algn="l">
+      <a:lvl4pPr marR="0" lvl="3" algn="l" rtl="0">
         <a:lnSpc>
           <a:spcPct val="100000"/>
         </a:lnSpc>
@@ -5241,7 +5381,7 @@
           <a:srgbClr val="000000"/>
         </a:buClr>
         <a:buFont typeface="Arial"/>
-        <a:defRPr b="0" i="0" sz="1400" u="none" cap="none" strike="noStrike">
+        <a:defRPr sz="1400" b="0" i="0" u="none" strike="noStrike" cap="none">
           <a:solidFill>
             <a:srgbClr val="000000"/>
           </a:solidFill>
@@ -5251,7 +5391,7 @@
           <a:sym typeface="Arial"/>
         </a:defRPr>
       </a:lvl4pPr>
-      <a:lvl5pPr lvl="4" marR="0" rtl="0" algn="l">
+      <a:lvl5pPr marR="0" lvl="4" algn="l" rtl="0">
         <a:lnSpc>
           <a:spcPct val="100000"/>
         </a:lnSpc>
@@ -5265,7 +5405,7 @@
           <a:srgbClr val="000000"/>
         </a:buClr>
         <a:buFont typeface="Arial"/>
-        <a:defRPr b="0" i="0" sz="1400" u="none" cap="none" strike="noStrike">
+        <a:defRPr sz="1400" b="0" i="0" u="none" strike="noStrike" cap="none">
           <a:solidFill>
             <a:srgbClr val="000000"/>
           </a:solidFill>
@@ -5275,7 +5415,7 @@
           <a:sym typeface="Arial"/>
         </a:defRPr>
       </a:lvl5pPr>
-      <a:lvl6pPr lvl="5" marR="0" rtl="0" algn="l">
+      <a:lvl6pPr marR="0" lvl="5" algn="l" rtl="0">
         <a:lnSpc>
           <a:spcPct val="100000"/>
         </a:lnSpc>
@@ -5289,7 +5429,7 @@
           <a:srgbClr val="000000"/>
         </a:buClr>
         <a:buFont typeface="Arial"/>
-        <a:defRPr b="0" i="0" sz="1400" u="none" cap="none" strike="noStrike">
+        <a:defRPr sz="1400" b="0" i="0" u="none" strike="noStrike" cap="none">
           <a:solidFill>
             <a:srgbClr val="000000"/>
           </a:solidFill>
@@ -5299,7 +5439,7 @@
           <a:sym typeface="Arial"/>
         </a:defRPr>
       </a:lvl6pPr>
-      <a:lvl7pPr lvl="6" marR="0" rtl="0" algn="l">
+      <a:lvl7pPr marR="0" lvl="6" algn="l" rtl="0">
         <a:lnSpc>
           <a:spcPct val="100000"/>
         </a:lnSpc>
@@ -5313,7 +5453,7 @@
           <a:srgbClr val="000000"/>
         </a:buClr>
         <a:buFont typeface="Arial"/>
-        <a:defRPr b="0" i="0" sz="1400" u="none" cap="none" strike="noStrike">
+        <a:defRPr sz="1400" b="0" i="0" u="none" strike="noStrike" cap="none">
           <a:solidFill>
             <a:srgbClr val="000000"/>
           </a:solidFill>
@@ -5323,7 +5463,7 @@
           <a:sym typeface="Arial"/>
         </a:defRPr>
       </a:lvl7pPr>
-      <a:lvl8pPr lvl="7" marR="0" rtl="0" algn="l">
+      <a:lvl8pPr marR="0" lvl="7" algn="l" rtl="0">
         <a:lnSpc>
           <a:spcPct val="100000"/>
         </a:lnSpc>
@@ -5337,7 +5477,7 @@
           <a:srgbClr val="000000"/>
         </a:buClr>
         <a:buFont typeface="Arial"/>
-        <a:defRPr b="0" i="0" sz="1400" u="none" cap="none" strike="noStrike">
+        <a:defRPr sz="1400" b="0" i="0" u="none" strike="noStrike" cap="none">
           <a:solidFill>
             <a:srgbClr val="000000"/>
           </a:solidFill>
@@ -5347,7 +5487,7 @@
           <a:sym typeface="Arial"/>
         </a:defRPr>
       </a:lvl8pPr>
-      <a:lvl9pPr lvl="8" marR="0" rtl="0" algn="l">
+      <a:lvl9pPr marR="0" lvl="8" algn="l" rtl="0">
         <a:lnSpc>
           <a:spcPct val="100000"/>
         </a:lnSpc>
@@ -5361,7 +5501,7 @@
           <a:srgbClr val="000000"/>
         </a:buClr>
         <a:buFont typeface="Arial"/>
-        <a:defRPr b="0" i="0" sz="1400" u="none" cap="none" strike="noStrike">
+        <a:defRPr sz="1400" b="0" i="0" u="none" strike="noStrike" cap="none">
           <a:solidFill>
             <a:srgbClr val="000000"/>
           </a:solidFill>
@@ -5373,7 +5513,7 @@
       </a:lvl9pPr>
     </p:titleStyle>
     <p:bodyStyle>
-      <a:defPPr lvl="0" marR="0" rtl="0" algn="l">
+      <a:defPPr marR="0" lvl="0" algn="l" rtl="0">
         <a:lnSpc>
           <a:spcPct val="100000"/>
         </a:lnSpc>
@@ -5384,7 +5524,7 @@
           <a:spcPts val="0"/>
         </a:spcAft>
       </a:defPPr>
-      <a:lvl1pPr lvl="0" marR="0" rtl="0" algn="l">
+      <a:lvl1pPr marR="0" lvl="0" algn="l" rtl="0">
         <a:lnSpc>
           <a:spcPct val="100000"/>
         </a:lnSpc>
@@ -5398,7 +5538,7 @@
           <a:srgbClr val="000000"/>
         </a:buClr>
         <a:buFont typeface="Arial"/>
-        <a:defRPr b="0" i="0" sz="1400" u="none" cap="none" strike="noStrike">
+        <a:defRPr sz="1400" b="0" i="0" u="none" strike="noStrike" cap="none">
           <a:solidFill>
             <a:srgbClr val="000000"/>
           </a:solidFill>
@@ -5408,7 +5548,7 @@
           <a:sym typeface="Arial"/>
         </a:defRPr>
       </a:lvl1pPr>
-      <a:lvl2pPr lvl="1" marR="0" rtl="0" algn="l">
+      <a:lvl2pPr marR="0" lvl="1" algn="l" rtl="0">
         <a:lnSpc>
           <a:spcPct val="100000"/>
         </a:lnSpc>
@@ -5422,7 +5562,7 @@
           <a:srgbClr val="000000"/>
         </a:buClr>
         <a:buFont typeface="Arial"/>
-        <a:defRPr b="0" i="0" sz="1400" u="none" cap="none" strike="noStrike">
+        <a:defRPr sz="1400" b="0" i="0" u="none" strike="noStrike" cap="none">
           <a:solidFill>
             <a:srgbClr val="000000"/>
           </a:solidFill>
@@ -5432,7 +5572,7 @@
           <a:sym typeface="Arial"/>
         </a:defRPr>
       </a:lvl2pPr>
-      <a:lvl3pPr lvl="2" marR="0" rtl="0" algn="l">
+      <a:lvl3pPr marR="0" lvl="2" algn="l" rtl="0">
         <a:lnSpc>
           <a:spcPct val="100000"/>
         </a:lnSpc>
@@ -5446,7 +5586,7 @@
           <a:srgbClr val="000000"/>
         </a:buClr>
         <a:buFont typeface="Arial"/>
-        <a:defRPr b="0" i="0" sz="1400" u="none" cap="none" strike="noStrike">
+        <a:defRPr sz="1400" b="0" i="0" u="none" strike="noStrike" cap="none">
           <a:solidFill>
             <a:srgbClr val="000000"/>
           </a:solidFill>
@@ -5456,7 +5596,7 @@
           <a:sym typeface="Arial"/>
         </a:defRPr>
       </a:lvl3pPr>
-      <a:lvl4pPr lvl="3" marR="0" rtl="0" algn="l">
+      <a:lvl4pPr marR="0" lvl="3" algn="l" rtl="0">
         <a:lnSpc>
           <a:spcPct val="100000"/>
         </a:lnSpc>
@@ -5470,7 +5610,7 @@
           <a:srgbClr val="000000"/>
         </a:buClr>
         <a:buFont typeface="Arial"/>
-        <a:defRPr b="0" i="0" sz="1400" u="none" cap="none" strike="noStrike">
+        <a:defRPr sz="1400" b="0" i="0" u="none" strike="noStrike" cap="none">
           <a:solidFill>
             <a:srgbClr val="000000"/>
           </a:solidFill>
@@ -5480,7 +5620,7 @@
           <a:sym typeface="Arial"/>
         </a:defRPr>
       </a:lvl4pPr>
-      <a:lvl5pPr lvl="4" marR="0" rtl="0" algn="l">
+      <a:lvl5pPr marR="0" lvl="4" algn="l" rtl="0">
         <a:lnSpc>
           <a:spcPct val="100000"/>
         </a:lnSpc>
@@ -5494,7 +5634,7 @@
           <a:srgbClr val="000000"/>
         </a:buClr>
         <a:buFont typeface="Arial"/>
-        <a:defRPr b="0" i="0" sz="1400" u="none" cap="none" strike="noStrike">
+        <a:defRPr sz="1400" b="0" i="0" u="none" strike="noStrike" cap="none">
           <a:solidFill>
             <a:srgbClr val="000000"/>
           </a:solidFill>
@@ -5504,7 +5644,7 @@
           <a:sym typeface="Arial"/>
         </a:defRPr>
       </a:lvl5pPr>
-      <a:lvl6pPr lvl="5" marR="0" rtl="0" algn="l">
+      <a:lvl6pPr marR="0" lvl="5" algn="l" rtl="0">
         <a:lnSpc>
           <a:spcPct val="100000"/>
         </a:lnSpc>
@@ -5518,7 +5658,7 @@
           <a:srgbClr val="000000"/>
         </a:buClr>
         <a:buFont typeface="Arial"/>
-        <a:defRPr b="0" i="0" sz="1400" u="none" cap="none" strike="noStrike">
+        <a:defRPr sz="1400" b="0" i="0" u="none" strike="noStrike" cap="none">
           <a:solidFill>
             <a:srgbClr val="000000"/>
           </a:solidFill>
@@ -5528,7 +5668,7 @@
           <a:sym typeface="Arial"/>
         </a:defRPr>
       </a:lvl6pPr>
-      <a:lvl7pPr lvl="6" marR="0" rtl="0" algn="l">
+      <a:lvl7pPr marR="0" lvl="6" algn="l" rtl="0">
         <a:lnSpc>
           <a:spcPct val="100000"/>
         </a:lnSpc>
@@ -5542,7 +5682,7 @@
           <a:srgbClr val="000000"/>
         </a:buClr>
         <a:buFont typeface="Arial"/>
-        <a:defRPr b="0" i="0" sz="1400" u="none" cap="none" strike="noStrike">
+        <a:defRPr sz="1400" b="0" i="0" u="none" strike="noStrike" cap="none">
           <a:solidFill>
             <a:srgbClr val="000000"/>
           </a:solidFill>
@@ -5552,7 +5692,7 @@
           <a:sym typeface="Arial"/>
         </a:defRPr>
       </a:lvl7pPr>
-      <a:lvl8pPr lvl="7" marR="0" rtl="0" algn="l">
+      <a:lvl8pPr marR="0" lvl="7" algn="l" rtl="0">
         <a:lnSpc>
           <a:spcPct val="100000"/>
         </a:lnSpc>
@@ -5566,7 +5706,7 @@
           <a:srgbClr val="000000"/>
         </a:buClr>
         <a:buFont typeface="Arial"/>
-        <a:defRPr b="0" i="0" sz="1400" u="none" cap="none" strike="noStrike">
+        <a:defRPr sz="1400" b="0" i="0" u="none" strike="noStrike" cap="none">
           <a:solidFill>
             <a:srgbClr val="000000"/>
           </a:solidFill>
@@ -5576,7 +5716,7 @@
           <a:sym typeface="Arial"/>
         </a:defRPr>
       </a:lvl8pPr>
-      <a:lvl9pPr lvl="8" marR="0" rtl="0" algn="l">
+      <a:lvl9pPr marR="0" lvl="8" algn="l" rtl="0">
         <a:lnSpc>
           <a:spcPct val="100000"/>
         </a:lnSpc>
@@ -5590,7 +5730,7 @@
           <a:srgbClr val="000000"/>
         </a:buClr>
         <a:buFont typeface="Arial"/>
-        <a:defRPr b="0" i="0" sz="1400" u="none" cap="none" strike="noStrike">
+        <a:defRPr sz="1400" b="0" i="0" u="none" strike="noStrike" cap="none">
           <a:solidFill>
             <a:srgbClr val="000000"/>
           </a:solidFill>
@@ -5602,7 +5742,7 @@
       </a:lvl9pPr>
     </p:bodyStyle>
     <p:otherStyle>
-      <a:defPPr lvl="0" marR="0" rtl="0" algn="l">
+      <a:defPPr marR="0" lvl="0" algn="l" rtl="0">
         <a:lnSpc>
           <a:spcPct val="100000"/>
         </a:lnSpc>
@@ -5613,7 +5753,7 @@
           <a:spcPts val="0"/>
         </a:spcAft>
       </a:defPPr>
-      <a:lvl1pPr lvl="0" marR="0" rtl="0" algn="l">
+      <a:lvl1pPr marR="0" lvl="0" algn="l" rtl="0">
         <a:lnSpc>
           <a:spcPct val="100000"/>
         </a:lnSpc>
@@ -5627,7 +5767,7 @@
           <a:srgbClr val="000000"/>
         </a:buClr>
         <a:buFont typeface="Arial"/>
-        <a:defRPr b="0" i="0" sz="1400" u="none" cap="none" strike="noStrike">
+        <a:defRPr sz="1400" b="0" i="0" u="none" strike="noStrike" cap="none">
           <a:solidFill>
             <a:srgbClr val="000000"/>
           </a:solidFill>
@@ -5637,7 +5777,7 @@
           <a:sym typeface="Arial"/>
         </a:defRPr>
       </a:lvl1pPr>
-      <a:lvl2pPr lvl="1" marR="0" rtl="0" algn="l">
+      <a:lvl2pPr marR="0" lvl="1" algn="l" rtl="0">
         <a:lnSpc>
           <a:spcPct val="100000"/>
         </a:lnSpc>
@@ -5651,7 +5791,7 @@
           <a:srgbClr val="000000"/>
         </a:buClr>
         <a:buFont typeface="Arial"/>
-        <a:defRPr b="0" i="0" sz="1400" u="none" cap="none" strike="noStrike">
+        <a:defRPr sz="1400" b="0" i="0" u="none" strike="noStrike" cap="none">
           <a:solidFill>
             <a:srgbClr val="000000"/>
           </a:solidFill>
@@ -5661,7 +5801,7 @@
           <a:sym typeface="Arial"/>
         </a:defRPr>
       </a:lvl2pPr>
-      <a:lvl3pPr lvl="2" marR="0" rtl="0" algn="l">
+      <a:lvl3pPr marR="0" lvl="2" algn="l" rtl="0">
         <a:lnSpc>
           <a:spcPct val="100000"/>
         </a:lnSpc>
@@ -5675,7 +5815,7 @@
           <a:srgbClr val="000000"/>
         </a:buClr>
         <a:buFont typeface="Arial"/>
-        <a:defRPr b="0" i="0" sz="1400" u="none" cap="none" strike="noStrike">
+        <a:defRPr sz="1400" b="0" i="0" u="none" strike="noStrike" cap="none">
           <a:solidFill>
             <a:srgbClr val="000000"/>
           </a:solidFill>
@@ -5685,7 +5825,7 @@
           <a:sym typeface="Arial"/>
         </a:defRPr>
       </a:lvl3pPr>
-      <a:lvl4pPr lvl="3" marR="0" rtl="0" algn="l">
+      <a:lvl4pPr marR="0" lvl="3" algn="l" rtl="0">
         <a:lnSpc>
           <a:spcPct val="100000"/>
         </a:lnSpc>
@@ -5699,7 +5839,7 @@
           <a:srgbClr val="000000"/>
         </a:buClr>
         <a:buFont typeface="Arial"/>
-        <a:defRPr b="0" i="0" sz="1400" u="none" cap="none" strike="noStrike">
+        <a:defRPr sz="1400" b="0" i="0" u="none" strike="noStrike" cap="none">
           <a:solidFill>
             <a:srgbClr val="000000"/>
           </a:solidFill>
@@ -5709,7 +5849,7 @@
           <a:sym typeface="Arial"/>
         </a:defRPr>
       </a:lvl4pPr>
-      <a:lvl5pPr lvl="4" marR="0" rtl="0" algn="l">
+      <a:lvl5pPr marR="0" lvl="4" algn="l" rtl="0">
         <a:lnSpc>
           <a:spcPct val="100000"/>
         </a:lnSpc>
@@ -5723,7 +5863,7 @@
           <a:srgbClr val="000000"/>
         </a:buClr>
         <a:buFont typeface="Arial"/>
-        <a:defRPr b="0" i="0" sz="1400" u="none" cap="none" strike="noStrike">
+        <a:defRPr sz="1400" b="0" i="0" u="none" strike="noStrike" cap="none">
           <a:solidFill>
             <a:srgbClr val="000000"/>
           </a:solidFill>
@@ -5733,7 +5873,7 @@
           <a:sym typeface="Arial"/>
         </a:defRPr>
       </a:lvl5pPr>
-      <a:lvl6pPr lvl="5" marR="0" rtl="0" algn="l">
+      <a:lvl6pPr marR="0" lvl="5" algn="l" rtl="0">
         <a:lnSpc>
           <a:spcPct val="100000"/>
         </a:lnSpc>
@@ -5747,7 +5887,7 @@
           <a:srgbClr val="000000"/>
         </a:buClr>
         <a:buFont typeface="Arial"/>
-        <a:defRPr b="0" i="0" sz="1400" u="none" cap="none" strike="noStrike">
+        <a:defRPr sz="1400" b="0" i="0" u="none" strike="noStrike" cap="none">
           <a:solidFill>
             <a:srgbClr val="000000"/>
           </a:solidFill>
@@ -5757,7 +5897,7 @@
           <a:sym typeface="Arial"/>
         </a:defRPr>
       </a:lvl6pPr>
-      <a:lvl7pPr lvl="6" marR="0" rtl="0" algn="l">
+      <a:lvl7pPr marR="0" lvl="6" algn="l" rtl="0">
         <a:lnSpc>
           <a:spcPct val="100000"/>
         </a:lnSpc>
@@ -5771,7 +5911,7 @@
           <a:srgbClr val="000000"/>
         </a:buClr>
         <a:buFont typeface="Arial"/>
-        <a:defRPr b="0" i="0" sz="1400" u="none" cap="none" strike="noStrike">
+        <a:defRPr sz="1400" b="0" i="0" u="none" strike="noStrike" cap="none">
           <a:solidFill>
             <a:srgbClr val="000000"/>
           </a:solidFill>
@@ -5781,7 +5921,7 @@
           <a:sym typeface="Arial"/>
         </a:defRPr>
       </a:lvl7pPr>
-      <a:lvl8pPr lvl="7" marR="0" rtl="0" algn="l">
+      <a:lvl8pPr marR="0" lvl="7" algn="l" rtl="0">
         <a:lnSpc>
           <a:spcPct val="100000"/>
         </a:lnSpc>
@@ -5795,7 +5935,7 @@
           <a:srgbClr val="000000"/>
         </a:buClr>
         <a:buFont typeface="Arial"/>
-        <a:defRPr b="0" i="0" sz="1400" u="none" cap="none" strike="noStrike">
+        <a:defRPr sz="1400" b="0" i="0" u="none" strike="noStrike" cap="none">
           <a:solidFill>
             <a:srgbClr val="000000"/>
           </a:solidFill>
@@ -5805,7 +5945,7 @@
           <a:sym typeface="Arial"/>
         </a:defRPr>
       </a:lvl8pPr>
-      <a:lvl9pPr lvl="8" marR="0" rtl="0" algn="l">
+      <a:lvl9pPr marR="0" lvl="8" algn="l" rtl="0">
         <a:lnSpc>
           <a:spcPct val="100000"/>
         </a:lnSpc>
@@ -5819,7 +5959,7 @@
           <a:srgbClr val="000000"/>
         </a:buClr>
         <a:buFont typeface="Arial"/>
-        <a:defRPr b="0" i="0" sz="1400" u="none" cap="none" strike="noStrike">
+        <a:defRPr sz="1400" b="0" i="0" u="none" strike="noStrike" cap="none">
           <a:solidFill>
             <a:srgbClr val="000000"/>
           </a:solidFill>
@@ -5835,11 +5975,11 @@
 </file>
 
 <file path=ppt/slides/slide1.xml><?xml version="1.0" encoding="utf-8"?>
-<p:sld xmlns:a="http://schemas.openxmlformats.org/drawingml/2006/main" xmlns:r="http://schemas.openxmlformats.org/officeDocument/2006/relationships" xmlns:mc="http://schemas.openxmlformats.org/markup-compatibility/2006" xmlns:mv="urn:schemas-microsoft-com:mac:vml" xmlns:p="http://schemas.openxmlformats.org/presentationml/2006/main" xmlns:c="http://schemas.openxmlformats.org/drawingml/2006/chart" xmlns:dgm="http://schemas.openxmlformats.org/drawingml/2006/diagram" xmlns:o="urn:schemas-microsoft-com:office:office" xmlns:v="urn:schemas-microsoft-com:vml" xmlns:pvml="urn:schemas-microsoft-com:office:powerpoint" xmlns:com="http://schemas.openxmlformats.org/drawingml/2006/compatibility" xmlns:p14="http://schemas.microsoft.com/office/powerpoint/2010/main" xmlns:p15="http://schemas.microsoft.com/office/powerpoint/2012/main" xmlns:ahyp="http://schemas.microsoft.com/office/drawing/2018/hyperlinkcolor">
+<p:sld xmlns:a="http://schemas.openxmlformats.org/drawingml/2006/main" xmlns:r="http://schemas.openxmlformats.org/officeDocument/2006/relationships" xmlns:p="http://schemas.openxmlformats.org/presentationml/2006/main">
   <p:cSld>
     <p:spTree>
       <p:nvGrpSpPr>
-        <p:cNvPr id="53" name="Shape 53"/>
+        <p:cNvPr id="1" name="Shape 53"/>
         <p:cNvGrpSpPr/>
         <p:nvPr/>
       </p:nvGrpSpPr>
@@ -5854,7 +5994,9 @@
       <p:sp>
         <p:nvSpPr>
           <p:cNvPr id="54" name="Google Shape;54;p13"/>
-          <p:cNvSpPr txBox="1"/>
+          <p:cNvSpPr txBox="1">
+            <a:spLocks noGrp="1"/>
+          </p:cNvSpPr>
           <p:nvPr>
             <p:ph type="ctrTitle"/>
           </p:nvPr>
@@ -5869,12 +6011,12 @@
           </a:prstGeom>
         </p:spPr>
         <p:txBody>
-          <a:bodyPr anchorCtr="0" anchor="ctr" bIns="91425" lIns="91425" spcFirstLastPara="1" rIns="91425" wrap="square" tIns="91425">
+          <a:bodyPr spcFirstLastPara="1" wrap="square" lIns="91425" tIns="91425" rIns="91425" bIns="91425" anchor="ctr" anchorCtr="0">
             <a:normAutofit/>
           </a:bodyPr>
           <a:lstStyle/>
           <a:p>
-            <a:pPr indent="0" lvl="0" marL="0" rtl="0" algn="ctr">
+            <a:pPr marL="0" lvl="0" indent="0" algn="ctr" rtl="0">
               <a:spcBef>
                 <a:spcPts val="0"/>
               </a:spcBef>
@@ -5894,9 +6036,11 @@
       <p:sp>
         <p:nvSpPr>
           <p:cNvPr id="55" name="Google Shape;55;p13"/>
-          <p:cNvSpPr txBox="1"/>
+          <p:cNvSpPr txBox="1">
+            <a:spLocks noGrp="1"/>
+          </p:cNvSpPr>
           <p:nvPr>
-            <p:ph idx="1" type="subTitle"/>
+            <p:ph type="subTitle" idx="1"/>
           </p:nvPr>
         </p:nvSpPr>
         <p:spPr>
@@ -5909,12 +6053,12 @@
           </a:prstGeom>
         </p:spPr>
         <p:txBody>
-          <a:bodyPr anchorCtr="0" anchor="ctr" bIns="91425" lIns="91425" spcFirstLastPara="1" rIns="91425" wrap="square" tIns="91425">
+          <a:bodyPr spcFirstLastPara="1" wrap="square" lIns="91425" tIns="91425" rIns="91425" bIns="91425" anchor="ctr" anchorCtr="0">
             <a:normAutofit/>
           </a:bodyPr>
           <a:lstStyle/>
           <a:p>
-            <a:pPr indent="0" lvl="0" marL="0" rtl="0" algn="ctr">
+            <a:pPr marL="0" lvl="0" indent="0" algn="ctr" rtl="0">
               <a:spcBef>
                 <a:spcPts val="0"/>
               </a:spcBef>
@@ -5979,12 +6123,12 @@
           </a:ln>
         </p:spPr>
         <p:txBody>
-          <a:bodyPr anchorCtr="0" anchor="t" bIns="91425" lIns="91425" spcFirstLastPara="1" rIns="91425" wrap="square" tIns="91425">
+          <a:bodyPr spcFirstLastPara="1" wrap="square" lIns="91425" tIns="91425" rIns="91425" bIns="91425" anchor="t" anchorCtr="0">
             <a:spAutoFit/>
           </a:bodyPr>
           <a:lstStyle/>
           <a:p>
-            <a:pPr indent="0" lvl="0" marL="0" rtl="0" algn="l">
+            <a:pPr marL="0" lvl="0" indent="0" algn="l" rtl="0">
               <a:spcBef>
                 <a:spcPts val="0"/>
               </a:spcBef>
@@ -6000,7 +6144,7 @@
             <a:endParaRPr/>
           </a:p>
           <a:p>
-            <a:pPr indent="-317500" lvl="0" marL="457200" rtl="0" algn="l">
+            <a:pPr marL="457200" lvl="0" indent="-317500" algn="l" rtl="0">
               <a:spcBef>
                 <a:spcPts val="0"/>
               </a:spcBef>
@@ -6017,7 +6161,7 @@
             <a:endParaRPr/>
           </a:p>
           <a:p>
-            <a:pPr indent="-317500" lvl="0" marL="457200" rtl="0" algn="l">
+            <a:pPr marL="457200" lvl="0" indent="-317500" algn="l" rtl="0">
               <a:spcBef>
                 <a:spcPts val="0"/>
               </a:spcBef>
@@ -6034,7 +6178,7 @@
             <a:endParaRPr/>
           </a:p>
           <a:p>
-            <a:pPr indent="-317500" lvl="0" marL="457200" rtl="0" algn="l">
+            <a:pPr marL="457200" lvl="0" indent="-317500" algn="l" rtl="0">
               <a:spcBef>
                 <a:spcPts val="0"/>
               </a:spcBef>
@@ -6061,11 +6205,11 @@
 </file>
 
 <file path=ppt/slides/slide2.xml><?xml version="1.0" encoding="utf-8"?>
-<p:sld xmlns:a="http://schemas.openxmlformats.org/drawingml/2006/main" xmlns:r="http://schemas.openxmlformats.org/officeDocument/2006/relationships" xmlns:mc="http://schemas.openxmlformats.org/markup-compatibility/2006" xmlns:mv="urn:schemas-microsoft-com:mac:vml" xmlns:p="http://schemas.openxmlformats.org/presentationml/2006/main" xmlns:c="http://schemas.openxmlformats.org/drawingml/2006/chart" xmlns:dgm="http://schemas.openxmlformats.org/drawingml/2006/diagram" xmlns:o="urn:schemas-microsoft-com:office:office" xmlns:v="urn:schemas-microsoft-com:vml" xmlns:pvml="urn:schemas-microsoft-com:office:powerpoint" xmlns:com="http://schemas.openxmlformats.org/drawingml/2006/compatibility" xmlns:p14="http://schemas.microsoft.com/office/powerpoint/2010/main" xmlns:p15="http://schemas.microsoft.com/office/powerpoint/2012/main" xmlns:ahyp="http://schemas.microsoft.com/office/drawing/2018/hyperlinkcolor">
+<p:sld xmlns:a="http://schemas.openxmlformats.org/drawingml/2006/main" xmlns:r="http://schemas.openxmlformats.org/officeDocument/2006/relationships" xmlns:p="http://schemas.openxmlformats.org/presentationml/2006/main">
   <p:cSld>
     <p:spTree>
       <p:nvGrpSpPr>
-        <p:cNvPr id="61" name="Shape 61"/>
+        <p:cNvPr id="1" name="Shape 61"/>
         <p:cNvGrpSpPr/>
         <p:nvPr/>
       </p:nvGrpSpPr>
@@ -6080,7 +6224,9 @@
       <p:sp>
         <p:nvSpPr>
           <p:cNvPr id="62" name="Google Shape;62;p14"/>
-          <p:cNvSpPr txBox="1"/>
+          <p:cNvSpPr txBox="1">
+            <a:spLocks noGrp="1"/>
+          </p:cNvSpPr>
           <p:nvPr>
             <p:ph type="title"/>
           </p:nvPr>
@@ -6095,12 +6241,12 @@
           </a:prstGeom>
         </p:spPr>
         <p:txBody>
-          <a:bodyPr anchorCtr="0" anchor="t" bIns="91425" lIns="91425" spcFirstLastPara="1" rIns="91425" wrap="square" tIns="91425">
+          <a:bodyPr spcFirstLastPara="1" wrap="square" lIns="91425" tIns="91425" rIns="91425" bIns="91425" anchor="t" anchorCtr="0">
             <a:normAutofit fontScale="90000"/>
           </a:bodyPr>
           <a:lstStyle/>
           <a:p>
-            <a:pPr indent="0" lvl="0" marL="0" rtl="0" algn="l">
+            <a:pPr marL="0" lvl="0" indent="0" algn="l" rtl="0">
               <a:spcBef>
                 <a:spcPts val="0"/>
               </a:spcBef>
@@ -6120,9 +6266,11 @@
       <p:sp>
         <p:nvSpPr>
           <p:cNvPr id="63" name="Google Shape;63;p14"/>
-          <p:cNvSpPr txBox="1"/>
+          <p:cNvSpPr txBox="1">
+            <a:spLocks noGrp="1"/>
+          </p:cNvSpPr>
           <p:nvPr>
-            <p:ph idx="1" type="body"/>
+            <p:ph type="body" idx="1"/>
           </p:nvPr>
         </p:nvSpPr>
         <p:spPr>
@@ -6135,12 +6283,12 @@
           </a:prstGeom>
         </p:spPr>
         <p:txBody>
-          <a:bodyPr anchorCtr="0" anchor="t" bIns="91425" lIns="91425" spcFirstLastPara="1" rIns="91425" wrap="square" tIns="91425">
-            <a:normAutofit lnSpcReduction="20000"/>
+          <a:bodyPr spcFirstLastPara="1" wrap="square" lIns="91425" tIns="91425" rIns="91425" bIns="91425" anchor="t" anchorCtr="0">
+            <a:normAutofit/>
           </a:bodyPr>
           <a:lstStyle/>
           <a:p>
-            <a:pPr indent="0" lvl="0" marL="0" rtl="0" algn="just">
+            <a:pPr marL="0" lvl="0" indent="0" algn="just" rtl="0">
               <a:spcBef>
                 <a:spcPts val="0"/>
               </a:spcBef>
@@ -6156,7 +6304,7 @@
             <a:endParaRPr/>
           </a:p>
           <a:p>
-            <a:pPr indent="0" lvl="0" marL="0" rtl="0" algn="just">
+            <a:pPr marL="0" lvl="0" indent="0" algn="just" rtl="0">
               <a:spcBef>
                 <a:spcPts val="1200"/>
               </a:spcBef>
@@ -6172,7 +6320,7 @@
             <a:endParaRPr/>
           </a:p>
           <a:p>
-            <a:pPr indent="0" lvl="0" marL="0" rtl="0" algn="just">
+            <a:pPr marL="0" lvl="0" indent="0" algn="just" rtl="0">
               <a:spcBef>
                 <a:spcPts val="1200"/>
               </a:spcBef>
@@ -6181,13 +6329,10 @@
               </a:spcAft>
               <a:buNone/>
             </a:pPr>
-            <a:r>
-              <a:t/>
-            </a:r>
             <a:endParaRPr/>
           </a:p>
           <a:p>
-            <a:pPr indent="0" lvl="0" marL="0" rtl="0" algn="just">
+            <a:pPr marL="0" lvl="0" indent="0" algn="just" rtl="0">
               <a:spcBef>
                 <a:spcPts val="1200"/>
               </a:spcBef>
@@ -6196,13 +6341,10 @@
               </a:spcAft>
               <a:buNone/>
             </a:pPr>
-            <a:r>
-              <a:t/>
-            </a:r>
             <a:endParaRPr/>
           </a:p>
           <a:p>
-            <a:pPr indent="0" lvl="0" marL="0" rtl="0" algn="just">
+            <a:pPr marL="0" lvl="0" indent="0" algn="just" rtl="0">
               <a:spcBef>
                 <a:spcPts val="1200"/>
               </a:spcBef>
@@ -6211,13 +6353,10 @@
               </a:spcAft>
               <a:buNone/>
             </a:pPr>
-            <a:r>
-              <a:t/>
-            </a:r>
             <a:endParaRPr/>
           </a:p>
           <a:p>
-            <a:pPr indent="0" lvl="0" marL="0" rtl="0" algn="just">
+            <a:pPr marL="0" lvl="0" indent="0" algn="just" rtl="0">
               <a:spcBef>
                 <a:spcPts val="1200"/>
               </a:spcBef>
@@ -6226,9 +6365,6 @@
               </a:spcAft>
               <a:buNone/>
             </a:pPr>
-            <a:r>
-              <a:t/>
-            </a:r>
             <a:endParaRPr sz="1500"/>
           </a:p>
         </p:txBody>
@@ -6253,12 +6389,12 @@
           </a:ln>
         </p:spPr>
         <p:txBody>
-          <a:bodyPr anchorCtr="0" anchor="t" bIns="91425" lIns="91425" spcFirstLastPara="1" rIns="91425" wrap="square" tIns="91425">
+          <a:bodyPr spcFirstLastPara="1" wrap="square" lIns="91425" tIns="91425" rIns="91425" bIns="91425" anchor="t" anchorCtr="0">
             <a:spAutoFit/>
           </a:bodyPr>
           <a:lstStyle/>
           <a:p>
-            <a:pPr indent="0" lvl="0" marL="0" rtl="0" algn="l">
+            <a:pPr marL="0" lvl="0" indent="0" algn="l" rtl="0">
               <a:lnSpc>
                 <a:spcPct val="115000"/>
               </a:lnSpc>
@@ -6291,7 +6427,7 @@
                 <a:hlinkClick r:id="rId3">
                   <a:extLst>
                     <a:ext uri="{A12FA001-AC4F-418D-AE19-62706E023703}">
-                      <ahyp:hlinkClr val="tx"/>
+                      <ahyp:hlinkClr xmlns:ahyp="http://schemas.microsoft.com/office/drawing/2018/hyperlinkcolor" val="tx"/>
                     </a:ext>
                   </a:extLst>
                 </a:hlinkClick>
@@ -6305,7 +6441,7 @@
             </a:endParaRPr>
           </a:p>
           <a:p>
-            <a:pPr indent="0" lvl="0" marL="0" rtl="0" algn="l">
+            <a:pPr marL="0" lvl="0" indent="0" algn="l" rtl="0">
               <a:spcBef>
                 <a:spcPts val="1200"/>
               </a:spcBef>
@@ -6314,9 +6450,6 @@
               </a:spcAft>
               <a:buNone/>
             </a:pPr>
-            <a:r>
-              <a:t/>
-            </a:r>
             <a:endParaRPr sz="1500"/>
           </a:p>
         </p:txBody>
@@ -6330,11 +6463,11 @@
 </file>
 
 <file path=ppt/slides/slide3.xml><?xml version="1.0" encoding="utf-8"?>
-<p:sld xmlns:a="http://schemas.openxmlformats.org/drawingml/2006/main" xmlns:r="http://schemas.openxmlformats.org/officeDocument/2006/relationships" xmlns:mc="http://schemas.openxmlformats.org/markup-compatibility/2006" xmlns:mv="urn:schemas-microsoft-com:mac:vml" xmlns:p="http://schemas.openxmlformats.org/presentationml/2006/main" xmlns:c="http://schemas.openxmlformats.org/drawingml/2006/chart" xmlns:dgm="http://schemas.openxmlformats.org/drawingml/2006/diagram" xmlns:o="urn:schemas-microsoft-com:office:office" xmlns:v="urn:schemas-microsoft-com:vml" xmlns:pvml="urn:schemas-microsoft-com:office:powerpoint" xmlns:com="http://schemas.openxmlformats.org/drawingml/2006/compatibility" xmlns:p14="http://schemas.microsoft.com/office/powerpoint/2010/main" xmlns:p15="http://schemas.microsoft.com/office/powerpoint/2012/main" xmlns:ahyp="http://schemas.microsoft.com/office/drawing/2018/hyperlinkcolor">
+<p:sld xmlns:a="http://schemas.openxmlformats.org/drawingml/2006/main" xmlns:r="http://schemas.openxmlformats.org/officeDocument/2006/relationships" xmlns:p="http://schemas.openxmlformats.org/presentationml/2006/main">
   <p:cSld>
     <p:spTree>
       <p:nvGrpSpPr>
-        <p:cNvPr id="68" name="Shape 68"/>
+        <p:cNvPr id="1" name="Shape 68"/>
         <p:cNvGrpSpPr/>
         <p:nvPr/>
       </p:nvGrpSpPr>
@@ -6349,7 +6482,9 @@
       <p:sp>
         <p:nvSpPr>
           <p:cNvPr id="69" name="Google Shape;69;p15"/>
-          <p:cNvSpPr txBox="1"/>
+          <p:cNvSpPr txBox="1">
+            <a:spLocks noGrp="1"/>
+          </p:cNvSpPr>
           <p:nvPr>
             <p:ph type="title"/>
           </p:nvPr>
@@ -6364,12 +6499,12 @@
           </a:prstGeom>
         </p:spPr>
         <p:txBody>
-          <a:bodyPr anchorCtr="0" anchor="t" bIns="91425" lIns="91425" spcFirstLastPara="1" rIns="91425" wrap="square" tIns="91425">
+          <a:bodyPr spcFirstLastPara="1" wrap="square" lIns="91425" tIns="91425" rIns="91425" bIns="91425" anchor="t" anchorCtr="0">
             <a:normAutofit fontScale="90000"/>
           </a:bodyPr>
           <a:lstStyle/>
           <a:p>
-            <a:pPr indent="0" lvl="0" marL="0" rtl="0" algn="l">
+            <a:pPr marL="0" lvl="0" indent="0" algn="l" rtl="0">
               <a:spcBef>
                 <a:spcPts val="0"/>
               </a:spcBef>
@@ -6389,9 +6524,11 @@
       <p:sp>
         <p:nvSpPr>
           <p:cNvPr id="70" name="Google Shape;70;p15"/>
-          <p:cNvSpPr txBox="1"/>
+          <p:cNvSpPr txBox="1">
+            <a:spLocks noGrp="1"/>
+          </p:cNvSpPr>
           <p:nvPr>
-            <p:ph idx="1" type="body"/>
+            <p:ph type="body" idx="1"/>
           </p:nvPr>
         </p:nvSpPr>
         <p:spPr>
@@ -6404,12 +6541,12 @@
           </a:prstGeom>
         </p:spPr>
         <p:txBody>
-          <a:bodyPr anchorCtr="0" anchor="t" bIns="91425" lIns="91425" spcFirstLastPara="1" rIns="91425" wrap="square" tIns="91425">
-            <a:normAutofit lnSpcReduction="10000"/>
+          <a:bodyPr spcFirstLastPara="1" wrap="square" lIns="91425" tIns="91425" rIns="91425" bIns="91425" anchor="t" anchorCtr="0">
+            <a:normAutofit fontScale="92500" lnSpcReduction="10000"/>
           </a:bodyPr>
           <a:lstStyle/>
           <a:p>
-            <a:pPr indent="-317500" lvl="0" marL="457200" rtl="0" algn="l">
+            <a:pPr marL="457200" lvl="0" indent="-317500" algn="l" rtl="0">
               <a:spcBef>
                 <a:spcPts val="0"/>
               </a:spcBef>
@@ -6420,13 +6557,13 @@
               <a:buChar char="●"/>
             </a:pPr>
             <a:r>
-              <a:rPr lang="pt-PT"/>
+              <a:rPr lang="pt-PT" dirty="0"/>
               <a:t>Representação do Estado:</a:t>
             </a:r>
-            <a:endParaRPr/>
+            <a:endParaRPr dirty="0"/>
           </a:p>
           <a:p>
-            <a:pPr indent="-317500" lvl="1" marL="914400" rtl="0" algn="l">
+            <a:pPr marL="914400" lvl="1" indent="-317500" algn="l" rtl="0">
               <a:spcBef>
                 <a:spcPts val="0"/>
               </a:spcBef>
@@ -6437,13 +6574,25 @@
               <a:buChar char="○"/>
             </a:pPr>
             <a:r>
-              <a:rPr lang="pt-PT"/>
-              <a:t>Matriz em que: 0 são os espaços vazios, 1 o caminho passado, 2-n (n = Número de L’s + 2) as peças em formato de L - Board</a:t>
+              <a:rPr lang="pt-PT" dirty="0"/>
+              <a:t>Matriz em que: 0 são os espaços vazios, 1 o caminho passado, 2-n (n = Número de </a:t>
             </a:r>
-            <a:endParaRPr/>
+            <a:r>
+              <a:rPr lang="pt-PT" dirty="0" err="1"/>
+              <a:t>L’s</a:t>
+            </a:r>
+            <a:r>
+              <a:rPr lang="pt-PT" dirty="0"/>
+              <a:t> + 2) as peças em formato de L - </a:t>
+            </a:r>
+            <a:r>
+              <a:rPr lang="pt-PT" dirty="0" err="1"/>
+              <a:t>Board</a:t>
+            </a:r>
+            <a:endParaRPr dirty="0"/>
           </a:p>
           <a:p>
-            <a:pPr indent="-317500" lvl="1" marL="914400" rtl="0" algn="l">
+            <a:pPr marL="914400" lvl="1" indent="-317500" algn="l" rtl="0">
               <a:spcBef>
                 <a:spcPts val="0"/>
               </a:spcBef>
@@ -6454,13 +6603,37 @@
               <a:buChar char="○"/>
             </a:pPr>
             <a:r>
-              <a:rPr lang="pt-PT"/>
-              <a:t>Posição atual no tabuleiro - Pos = (PosR, PosC)</a:t>
+              <a:rPr lang="pt-PT" dirty="0"/>
+              <a:t>Posição atual no tabuleiro - </a:t>
             </a:r>
-            <a:endParaRPr/>
+            <a:r>
+              <a:rPr lang="pt-PT" dirty="0" err="1"/>
+              <a:t>Pos</a:t>
+            </a:r>
+            <a:r>
+              <a:rPr lang="pt-PT" dirty="0"/>
+              <a:t> = (</a:t>
+            </a:r>
+            <a:r>
+              <a:rPr lang="pt-PT" dirty="0" err="1"/>
+              <a:t>PosR</a:t>
+            </a:r>
+            <a:r>
+              <a:rPr lang="pt-PT" dirty="0"/>
+              <a:t>, </a:t>
+            </a:r>
+            <a:r>
+              <a:rPr lang="pt-PT" dirty="0" err="1"/>
+              <a:t>PosC</a:t>
+            </a:r>
+            <a:r>
+              <a:rPr lang="pt-PT" dirty="0"/>
+              <a:t>)</a:t>
+            </a:r>
+            <a:endParaRPr dirty="0"/>
           </a:p>
           <a:p>
-            <a:pPr indent="-317500" lvl="1" marL="914400" rtl="0" algn="l">
+            <a:pPr marL="914400" lvl="1" indent="-317500" algn="l" rtl="0">
               <a:spcBef>
                 <a:spcPts val="0"/>
               </a:spcBef>
@@ -6471,13 +6644,29 @@
               <a:buChar char="○"/>
             </a:pPr>
             <a:r>
-              <a:rPr lang="pt-PT"/>
-              <a:t>Lista dos Ls a visitar - LVisit </a:t>
+              <a:rPr lang="pt-PT" dirty="0"/>
+              <a:t>Lista dos </a:t>
             </a:r>
-            <a:endParaRPr/>
+            <a:r>
+              <a:rPr lang="pt-PT" dirty="0" err="1"/>
+              <a:t>Ls</a:t>
+            </a:r>
+            <a:r>
+              <a:rPr lang="pt-PT" dirty="0"/>
+              <a:t> a visitar - </a:t>
+            </a:r>
+            <a:r>
+              <a:rPr lang="pt-PT" dirty="0" err="1"/>
+              <a:t>LVisit</a:t>
+            </a:r>
+            <a:r>
+              <a:rPr lang="pt-PT" dirty="0"/>
+              <a:t> </a:t>
+            </a:r>
+            <a:endParaRPr dirty="0"/>
           </a:p>
           <a:p>
-            <a:pPr indent="-342900" lvl="0" marL="457200" rtl="0" algn="l">
+            <a:pPr marL="457200" lvl="0" indent="-342900" algn="l" rtl="0">
               <a:spcBef>
                 <a:spcPts val="0"/>
               </a:spcBef>
@@ -6488,13 +6677,13 @@
               <a:buChar char="●"/>
             </a:pPr>
             <a:r>
-              <a:rPr lang="pt-PT"/>
+              <a:rPr lang="pt-PT" dirty="0"/>
               <a:t>Estado inicial:</a:t>
             </a:r>
-            <a:endParaRPr/>
+            <a:endParaRPr dirty="0"/>
           </a:p>
           <a:p>
-            <a:pPr indent="-317500" lvl="1" marL="914400" rtl="0" algn="l">
+            <a:pPr marL="914400" lvl="1" indent="-317500" algn="l" rtl="0">
               <a:spcBef>
                 <a:spcPts val="0"/>
               </a:spcBef>
@@ -6505,13 +6694,17 @@
               <a:buChar char="○"/>
             </a:pPr>
             <a:r>
-              <a:rPr lang="pt-PT"/>
-              <a:t>Board = Lista de listas com apenas um valor a 1 no canto inferior esquerdo;</a:t>
+              <a:rPr lang="pt-PT" dirty="0" err="1"/>
+              <a:t>Board</a:t>
             </a:r>
-            <a:endParaRPr/>
+            <a:r>
+              <a:rPr lang="pt-PT" dirty="0"/>
+              <a:t> = Lista de listas com apenas um valor a 1 no canto inferior esquerdo;</a:t>
+            </a:r>
+            <a:endParaRPr dirty="0"/>
           </a:p>
           <a:p>
-            <a:pPr indent="-317500" lvl="1" marL="914400" rtl="0" algn="l">
+            <a:pPr marL="914400" lvl="1" indent="-317500" algn="l" rtl="0">
               <a:spcBef>
                 <a:spcPts val="0"/>
               </a:spcBef>
@@ -6522,13 +6715,17 @@
               <a:buChar char="○"/>
             </a:pPr>
             <a:r>
-              <a:rPr lang="pt-PT"/>
-              <a:t>Pos = (Tamanho da Matriz - 1, 0); Ex: (5, 0)</a:t>
+              <a:rPr lang="pt-PT" dirty="0" err="1"/>
+              <a:t>Pos</a:t>
             </a:r>
-            <a:endParaRPr/>
+            <a:r>
+              <a:rPr lang="pt-PT" dirty="0"/>
+              <a:t> = (Tamanho da Matriz - 1, 0); Ex: (5, 0)</a:t>
+            </a:r>
+            <a:endParaRPr dirty="0"/>
           </a:p>
           <a:p>
-            <a:pPr indent="-317500" lvl="1" marL="914400" rtl="0" algn="l">
+            <a:pPr marL="914400" lvl="1" indent="-317500" algn="l" rtl="0">
               <a:spcBef>
                 <a:spcPts val="0"/>
               </a:spcBef>
@@ -6539,13 +6736,17 @@
               <a:buChar char="○"/>
             </a:pPr>
             <a:r>
-              <a:rPr lang="pt-PT"/>
-              <a:t>LVisit = Lista com números de 2 até n; Ex: [2, 3, 4, 5, 6, 7]</a:t>
+              <a:rPr lang="pt-PT" dirty="0" err="1"/>
+              <a:t>LVisit</a:t>
             </a:r>
-            <a:endParaRPr/>
+            <a:r>
+              <a:rPr lang="pt-PT" dirty="0"/>
+              <a:t> = Lista com números de 2 até n; Ex: [2, 3, 4, 5, 6, 7]</a:t>
+            </a:r>
+            <a:endParaRPr dirty="0"/>
           </a:p>
           <a:p>
-            <a:pPr indent="-342900" lvl="0" marL="457200" rtl="0" algn="l">
+            <a:pPr marL="457200" lvl="0" indent="-342900" algn="l" rtl="0">
               <a:spcBef>
                 <a:spcPts val="0"/>
               </a:spcBef>
@@ -6556,13 +6757,12 @@
               <a:buChar char="●"/>
             </a:pPr>
             <a:r>
-              <a:rPr lang="pt-PT"/>
+              <a:rPr lang="pt-PT" dirty="0"/>
               <a:t>Estado Objetivo:</a:t>
             </a:r>
-            <a:endParaRPr/>
           </a:p>
           <a:p>
-            <a:pPr indent="-317500" lvl="1" marL="914400" rtl="0" algn="l">
+            <a:pPr marL="914400" lvl="1" indent="-317500" algn="l" rtl="0">
               <a:spcBef>
                 <a:spcPts val="0"/>
               </a:spcBef>
@@ -6573,13 +6773,24 @@
               <a:buChar char="○"/>
             </a:pPr>
             <a:r>
-              <a:rPr lang="pt-PT"/>
-              <a:t>Pos = (0, Tamanho da Matriz - 1); Ex: (0, 5)</a:t>
+              <a:rPr lang="pt-PT" dirty="0" err="1"/>
+              <a:t>Board</a:t>
             </a:r>
-            <a:endParaRPr/>
+            <a:r>
+              <a:rPr lang="pt-PT" dirty="0"/>
+              <a:t> = Lista de listas com um caminho de 1’s até </a:t>
+            </a:r>
+            <a:r>
+              <a:rPr lang="pt-PT" dirty="0" err="1"/>
+              <a:t>Pos</a:t>
+            </a:r>
+            <a:r>
+              <a:rPr lang="pt-PT" dirty="0"/>
+              <a:t> final;</a:t>
+            </a:r>
           </a:p>
           <a:p>
-            <a:pPr indent="-317500" lvl="1" marL="914400" rtl="0" algn="l">
+            <a:pPr marL="914400" lvl="1" indent="-317500" algn="l" rtl="0">
               <a:spcBef>
                 <a:spcPts val="0"/>
               </a:spcBef>
@@ -6590,13 +6801,38 @@
               <a:buChar char="○"/>
             </a:pPr>
             <a:r>
-              <a:rPr lang="pt-PT"/>
-              <a:t>LVisit = Lista vazia; Ex: [ ]</a:t>
+              <a:rPr lang="pt-PT" dirty="0" err="1"/>
+              <a:t>Pos</a:t>
             </a:r>
-            <a:endParaRPr/>
+            <a:r>
+              <a:rPr lang="pt-PT" dirty="0"/>
+              <a:t> = (0, Tamanho da Matriz - 1); Ex: (0, 5)</a:t>
+            </a:r>
+            <a:endParaRPr dirty="0"/>
           </a:p>
           <a:p>
-            <a:pPr indent="-342900" lvl="0" marL="457200" rtl="0" algn="l">
+            <a:pPr marL="914400" lvl="1" indent="-317500" algn="l" rtl="0">
+              <a:spcBef>
+                <a:spcPts val="0"/>
+              </a:spcBef>
+              <a:spcAft>
+                <a:spcPts val="0"/>
+              </a:spcAft>
+              <a:buSzPts val="1400"/>
+              <a:buChar char="○"/>
+            </a:pPr>
+            <a:r>
+              <a:rPr lang="pt-PT" dirty="0" err="1"/>
+              <a:t>LVisit</a:t>
+            </a:r>
+            <a:r>
+              <a:rPr lang="pt-PT" dirty="0"/>
+              <a:t> = Lista vazia; Ex: [ ]</a:t>
+            </a:r>
+            <a:endParaRPr dirty="0"/>
+          </a:p>
+          <a:p>
+            <a:pPr marL="457200" lvl="0" indent="-342900" algn="l" rtl="0">
               <a:spcBef>
                 <a:spcPts val="0"/>
               </a:spcBef>
@@ -6607,17 +6843,13 @@
               <a:buChar char="●"/>
             </a:pPr>
             <a:r>
-              <a:rPr lang="pt-PT"/>
-              <a:t>Heurística</a:t>
+              <a:rPr lang="pt-PT" dirty="0"/>
+              <a:t>Heurística:</a:t>
             </a:r>
-            <a:r>
-              <a:rPr lang="pt-PT"/>
-              <a:t>:</a:t>
-            </a:r>
-            <a:endParaRPr/>
+            <a:endParaRPr dirty="0"/>
           </a:p>
           <a:p>
-            <a:pPr indent="-317500" lvl="1" marL="914400" rtl="0" algn="l">
+            <a:pPr marL="914400" lvl="1" indent="-317500" algn="l" rtl="0">
               <a:spcBef>
                 <a:spcPts val="0"/>
               </a:spcBef>
@@ -6628,18 +6860,10 @@
               <a:buChar char="○"/>
             </a:pPr>
             <a:r>
-              <a:rPr lang="pt-PT"/>
-              <a:t>h = distância de Manhattan desde posição </a:t>
+              <a:rPr lang="pt-PT" dirty="0"/>
+              <a:t>h = distância de Manhattan desde posição corrente até posição final</a:t>
             </a:r>
-            <a:r>
-              <a:rPr lang="pt-PT"/>
-              <a:t>corrente</a:t>
-            </a:r>
-            <a:r>
-              <a:rPr lang="pt-PT"/>
-              <a:t> até posição final</a:t>
-            </a:r>
-            <a:endParaRPr/>
+            <a:endParaRPr dirty="0"/>
           </a:p>
         </p:txBody>
       </p:sp>
@@ -6651,8 +6875,8 @@
         </p:nvSpPr>
         <p:spPr>
           <a:xfrm>
-            <a:off x="7274625" y="2663375"/>
-            <a:ext cx="1684800" cy="1693200"/>
+            <a:off x="6874799" y="1725379"/>
+            <a:ext cx="1684800" cy="1692741"/>
           </a:xfrm>
           <a:prstGeom prst="rect">
             <a:avLst/>
@@ -6663,12 +6887,12 @@
           </a:ln>
         </p:spPr>
         <p:txBody>
-          <a:bodyPr anchorCtr="0" anchor="t" bIns="91425" lIns="91425" spcFirstLastPara="1" rIns="91425" wrap="square" tIns="91425">
+          <a:bodyPr spcFirstLastPara="1" wrap="square" lIns="91425" tIns="91425" rIns="91425" bIns="91425" anchor="t" anchorCtr="0">
             <a:spAutoFit/>
           </a:bodyPr>
           <a:lstStyle/>
           <a:p>
-            <a:pPr indent="0" lvl="0" marL="0" rtl="0" algn="l">
+            <a:pPr marL="0" lvl="0" indent="0" algn="l" rtl="0">
               <a:lnSpc>
                 <a:spcPct val="100000"/>
               </a:lnSpc>
@@ -6681,21 +6905,21 @@
               <a:buNone/>
             </a:pPr>
             <a:r>
-              <a:rPr lang="pt-PT">
+              <a:rPr lang="pt-PT" dirty="0">
                 <a:solidFill>
                   <a:schemeClr val="dk2"/>
                 </a:solidFill>
               </a:rPr>
-              <a:t>Ex:</a:t>
+              <a:t>Ex Inicial:</a:t>
             </a:r>
-            <a:endParaRPr>
+            <a:endParaRPr dirty="0">
               <a:solidFill>
                 <a:schemeClr val="dk2"/>
               </a:solidFill>
             </a:endParaRPr>
           </a:p>
           <a:p>
-            <a:pPr indent="0" lvl="0" marL="0" rtl="0" algn="l">
+            <a:pPr marL="0" lvl="0" indent="0" algn="l" rtl="0">
               <a:lnSpc>
                 <a:spcPct val="100000"/>
               </a:lnSpc>
@@ -6708,21 +6932,21 @@
               <a:buNone/>
             </a:pPr>
             <a:r>
-              <a:rPr lang="pt-PT">
+              <a:rPr lang="pt-PT" dirty="0">
                 <a:solidFill>
                   <a:schemeClr val="dk2"/>
                 </a:solidFill>
               </a:rPr>
               <a:t>[[2, 2, 2, 3, 3, 0], </a:t>
             </a:r>
-            <a:endParaRPr>
+            <a:endParaRPr dirty="0">
               <a:solidFill>
                 <a:schemeClr val="dk2"/>
               </a:solidFill>
             </a:endParaRPr>
           </a:p>
           <a:p>
-            <a:pPr indent="0" lvl="0" marL="0" rtl="0" algn="l">
+            <a:pPr marL="0" lvl="0" indent="0" algn="l" rtl="0">
               <a:lnSpc>
                 <a:spcPct val="100000"/>
               </a:lnSpc>
@@ -6735,21 +6959,21 @@
               <a:buNone/>
             </a:pPr>
             <a:r>
-              <a:rPr lang="pt-PT">
+              <a:rPr lang="pt-PT" dirty="0">
                 <a:solidFill>
                   <a:schemeClr val="dk2"/>
                 </a:solidFill>
               </a:rPr>
               <a:t> [0, 4, 2, 3, 5, 0],</a:t>
             </a:r>
-            <a:endParaRPr>
+            <a:endParaRPr dirty="0">
               <a:solidFill>
                 <a:schemeClr val="dk2"/>
               </a:solidFill>
             </a:endParaRPr>
           </a:p>
           <a:p>
-            <a:pPr indent="0" lvl="0" marL="0" rtl="0" algn="l">
+            <a:pPr marL="0" lvl="0" indent="0" algn="l" rtl="0">
               <a:lnSpc>
                 <a:spcPct val="100000"/>
               </a:lnSpc>
@@ -6762,21 +6986,21 @@
               <a:buNone/>
             </a:pPr>
             <a:r>
-              <a:rPr lang="pt-PT">
+              <a:rPr lang="pt-PT" dirty="0">
                 <a:solidFill>
                   <a:schemeClr val="dk2"/>
                 </a:solidFill>
               </a:rPr>
               <a:t> [0, 4, 0, 3, 5, 6],</a:t>
             </a:r>
-            <a:endParaRPr>
+            <a:endParaRPr dirty="0">
               <a:solidFill>
                 <a:schemeClr val="dk2"/>
               </a:solidFill>
             </a:endParaRPr>
           </a:p>
           <a:p>
-            <a:pPr indent="0" lvl="0" marL="0" rtl="0" algn="l">
+            <a:pPr marL="0" lvl="0" indent="0" algn="l" rtl="0">
               <a:lnSpc>
                 <a:spcPct val="100000"/>
               </a:lnSpc>
@@ -6789,21 +7013,21 @@
               <a:buNone/>
             </a:pPr>
             <a:r>
-              <a:rPr lang="pt-PT">
+              <a:rPr lang="pt-PT" dirty="0">
                 <a:solidFill>
                   <a:schemeClr val="dk2"/>
                 </a:solidFill>
               </a:rPr>
               <a:t> [0, 4, 4, 5, 5, 6],</a:t>
             </a:r>
-            <a:endParaRPr>
+            <a:endParaRPr dirty="0">
               <a:solidFill>
                 <a:schemeClr val="dk2"/>
               </a:solidFill>
             </a:endParaRPr>
           </a:p>
           <a:p>
-            <a:pPr indent="0" lvl="0" marL="0" rtl="0" algn="l">
+            <a:pPr marL="0" lvl="0" indent="0" algn="l" rtl="0">
               <a:lnSpc>
                 <a:spcPct val="100000"/>
               </a:lnSpc>
@@ -6816,21 +7040,21 @@
               <a:buNone/>
             </a:pPr>
             <a:r>
-              <a:rPr lang="pt-PT">
+              <a:rPr lang="pt-PT" dirty="0">
                 <a:solidFill>
                   <a:schemeClr val="dk2"/>
                 </a:solidFill>
               </a:rPr>
               <a:t> [0, 7, 7, 7, 6, 6],</a:t>
             </a:r>
-            <a:endParaRPr>
+            <a:endParaRPr dirty="0">
               <a:solidFill>
                 <a:schemeClr val="dk2"/>
               </a:solidFill>
             </a:endParaRPr>
           </a:p>
           <a:p>
-            <a:pPr indent="0" lvl="0" marL="0" rtl="0" algn="l">
+            <a:pPr marL="0" lvl="0" indent="0" algn="l" rtl="0">
               <a:lnSpc>
                 <a:spcPct val="100000"/>
               </a:lnSpc>
@@ -6843,14 +7067,231 @@
               <a:buNone/>
             </a:pPr>
             <a:r>
-              <a:rPr lang="pt-PT">
+              <a:rPr lang="pt-PT" dirty="0">
                 <a:solidFill>
                   <a:schemeClr val="dk2"/>
                 </a:solidFill>
               </a:rPr>
               <a:t> [1, 0, 0, 7, 0, 0]]</a:t>
             </a:r>
-            <a:endParaRPr/>
+            <a:endParaRPr dirty="0"/>
+          </a:p>
+        </p:txBody>
+      </p:sp>
+      <p:sp>
+        <p:nvSpPr>
+          <p:cNvPr id="5" name="Google Shape;71;p15">
+            <a:extLst>
+              <a:ext uri="{FF2B5EF4-FFF2-40B4-BE49-F238E27FC236}">
+                <a16:creationId xmlns:a16="http://schemas.microsoft.com/office/drawing/2014/main" id="{FC66BB6F-4819-4297-8F7A-FE783C0103E7}"/>
+              </a:ext>
+            </a:extLst>
+          </p:cNvPr>
+          <p:cNvSpPr txBox="1"/>
+          <p:nvPr/>
+        </p:nvSpPr>
+        <p:spPr>
+          <a:xfrm>
+            <a:off x="6358087" y="3279222"/>
+            <a:ext cx="1608975" cy="1692741"/>
+          </a:xfrm>
+          <a:prstGeom prst="rect">
+            <a:avLst/>
+          </a:prstGeom>
+          <a:noFill/>
+          <a:ln>
+            <a:noFill/>
+          </a:ln>
+        </p:spPr>
+        <p:txBody>
+          <a:bodyPr spcFirstLastPara="1" wrap="square" lIns="91425" tIns="91425" rIns="91425" bIns="91425" anchor="t" anchorCtr="0">
+            <a:spAutoFit/>
+          </a:bodyPr>
+          <a:lstStyle/>
+          <a:p>
+            <a:pPr marL="0" lvl="0" indent="0" algn="l" rtl="0">
+              <a:lnSpc>
+                <a:spcPct val="100000"/>
+              </a:lnSpc>
+              <a:spcBef>
+                <a:spcPts val="0"/>
+              </a:spcBef>
+              <a:spcAft>
+                <a:spcPts val="0"/>
+              </a:spcAft>
+              <a:buNone/>
+            </a:pPr>
+            <a:r>
+              <a:rPr lang="pt-PT" dirty="0">
+                <a:solidFill>
+                  <a:schemeClr val="dk2"/>
+                </a:solidFill>
+              </a:rPr>
+              <a:t>Ex Objetivo:</a:t>
+            </a:r>
+            <a:endParaRPr dirty="0">
+              <a:solidFill>
+                <a:schemeClr val="dk2"/>
+              </a:solidFill>
+            </a:endParaRPr>
+          </a:p>
+          <a:p>
+            <a:pPr marL="0" lvl="0" indent="0" algn="l" rtl="0">
+              <a:lnSpc>
+                <a:spcPct val="100000"/>
+              </a:lnSpc>
+              <a:spcBef>
+                <a:spcPts val="0"/>
+              </a:spcBef>
+              <a:spcAft>
+                <a:spcPts val="0"/>
+              </a:spcAft>
+              <a:buNone/>
+            </a:pPr>
+            <a:r>
+              <a:rPr lang="pt-PT" dirty="0">
+                <a:solidFill>
+                  <a:schemeClr val="dk2"/>
+                </a:solidFill>
+              </a:rPr>
+              <a:t>[[2, 2, 2, 3, 3, 1], </a:t>
+            </a:r>
+            <a:endParaRPr dirty="0">
+              <a:solidFill>
+                <a:schemeClr val="dk2"/>
+              </a:solidFill>
+            </a:endParaRPr>
+          </a:p>
+          <a:p>
+            <a:pPr marL="0" lvl="0" indent="0" algn="l" rtl="0">
+              <a:lnSpc>
+                <a:spcPct val="100000"/>
+              </a:lnSpc>
+              <a:spcBef>
+                <a:spcPts val="0"/>
+              </a:spcBef>
+              <a:spcAft>
+                <a:spcPts val="0"/>
+              </a:spcAft>
+              <a:buNone/>
+            </a:pPr>
+            <a:r>
+              <a:rPr lang="pt-PT" dirty="0">
+                <a:solidFill>
+                  <a:schemeClr val="dk2"/>
+                </a:solidFill>
+              </a:rPr>
+              <a:t> [1, 1, 1, 3, 5, 1],</a:t>
+            </a:r>
+            <a:endParaRPr dirty="0">
+              <a:solidFill>
+                <a:schemeClr val="dk2"/>
+              </a:solidFill>
+            </a:endParaRPr>
+          </a:p>
+          <a:p>
+            <a:pPr marL="0" lvl="0" indent="0" algn="l" rtl="0">
+              <a:lnSpc>
+                <a:spcPct val="100000"/>
+              </a:lnSpc>
+              <a:spcBef>
+                <a:spcPts val="0"/>
+              </a:spcBef>
+              <a:spcAft>
+                <a:spcPts val="0"/>
+              </a:spcAft>
+              <a:buNone/>
+            </a:pPr>
+            <a:r>
+              <a:rPr lang="pt-PT" dirty="0">
+                <a:solidFill>
+                  <a:schemeClr val="dk2"/>
+                </a:solidFill>
+              </a:rPr>
+              <a:t> [1, 4, 1, 1, 1, 1],</a:t>
+            </a:r>
+            <a:endParaRPr dirty="0">
+              <a:solidFill>
+                <a:schemeClr val="dk2"/>
+              </a:solidFill>
+            </a:endParaRPr>
+          </a:p>
+          <a:p>
+            <a:pPr marL="0" lvl="0" indent="0" algn="l" rtl="0">
+              <a:lnSpc>
+                <a:spcPct val="100000"/>
+              </a:lnSpc>
+              <a:spcBef>
+                <a:spcPts val="0"/>
+              </a:spcBef>
+              <a:spcAft>
+                <a:spcPts val="0"/>
+              </a:spcAft>
+              <a:buNone/>
+            </a:pPr>
+            <a:r>
+              <a:rPr lang="pt-PT" dirty="0">
+                <a:solidFill>
+                  <a:schemeClr val="dk2"/>
+                </a:solidFill>
+              </a:rPr>
+              <a:t> [1, 4, 4, 5, 5, 6],</a:t>
+            </a:r>
+            <a:endParaRPr dirty="0">
+              <a:solidFill>
+                <a:schemeClr val="dk2"/>
+              </a:solidFill>
+            </a:endParaRPr>
+          </a:p>
+          <a:p>
+            <a:pPr marL="0" lvl="0" indent="0" algn="l" rtl="0">
+              <a:lnSpc>
+                <a:spcPct val="100000"/>
+              </a:lnSpc>
+              <a:spcBef>
+                <a:spcPts val="0"/>
+              </a:spcBef>
+              <a:spcAft>
+                <a:spcPts val="0"/>
+              </a:spcAft>
+              <a:buNone/>
+            </a:pPr>
+            <a:r>
+              <a:rPr lang="pt-PT" dirty="0">
+                <a:solidFill>
+                  <a:schemeClr val="dk2"/>
+                </a:solidFill>
+              </a:rPr>
+              <a:t> [1, 1, 7, 7, 6, 6],</a:t>
+            </a:r>
+            <a:endParaRPr dirty="0">
+              <a:solidFill>
+                <a:schemeClr val="dk2"/>
+              </a:solidFill>
+            </a:endParaRPr>
+          </a:p>
+          <a:p>
+            <a:pPr marL="0" lvl="0" indent="0" algn="l" rtl="0">
+              <a:lnSpc>
+                <a:spcPct val="100000"/>
+              </a:lnSpc>
+              <a:spcBef>
+                <a:spcPts val="0"/>
+              </a:spcBef>
+              <a:spcAft>
+                <a:spcPts val="0"/>
+              </a:spcAft>
+              <a:buNone/>
+            </a:pPr>
+            <a:r>
+              <a:rPr lang="pt-PT" dirty="0">
+                <a:solidFill>
+                  <a:schemeClr val="dk2"/>
+                </a:solidFill>
+              </a:rPr>
+              <a:t> [1, 1, 0, 7, 0, 0]]</a:t>
+            </a:r>
+            <a:endParaRPr dirty="0"/>
           </a:p>
         </p:txBody>
       </p:sp>
@@ -6863,11 +7304,11 @@
 </file>
 
 <file path=ppt/slides/slide4.xml><?xml version="1.0" encoding="utf-8"?>
-<p:sld xmlns:a="http://schemas.openxmlformats.org/drawingml/2006/main" xmlns:r="http://schemas.openxmlformats.org/officeDocument/2006/relationships" xmlns:mc="http://schemas.openxmlformats.org/markup-compatibility/2006" xmlns:mv="urn:schemas-microsoft-com:mac:vml" xmlns:p="http://schemas.openxmlformats.org/presentationml/2006/main" xmlns:c="http://schemas.openxmlformats.org/drawingml/2006/chart" xmlns:dgm="http://schemas.openxmlformats.org/drawingml/2006/diagram" xmlns:o="urn:schemas-microsoft-com:office:office" xmlns:v="urn:schemas-microsoft-com:vml" xmlns:pvml="urn:schemas-microsoft-com:office:powerpoint" xmlns:com="http://schemas.openxmlformats.org/drawingml/2006/compatibility" xmlns:p14="http://schemas.microsoft.com/office/powerpoint/2010/main" xmlns:p15="http://schemas.microsoft.com/office/powerpoint/2012/main" xmlns:ahyp="http://schemas.microsoft.com/office/drawing/2018/hyperlinkcolor">
+<p:sld xmlns:a="http://schemas.openxmlformats.org/drawingml/2006/main" xmlns:r="http://schemas.openxmlformats.org/officeDocument/2006/relationships" xmlns:p="http://schemas.openxmlformats.org/presentationml/2006/main">
   <p:cSld>
     <p:spTree>
       <p:nvGrpSpPr>
-        <p:cNvPr id="75" name="Shape 75"/>
+        <p:cNvPr id="1" name="Shape 75"/>
         <p:cNvGrpSpPr/>
         <p:nvPr/>
       </p:nvGrpSpPr>
@@ -6882,7 +7323,9 @@
       <p:sp>
         <p:nvSpPr>
           <p:cNvPr id="76" name="Google Shape;76;p16"/>
-          <p:cNvSpPr txBox="1"/>
+          <p:cNvSpPr txBox="1">
+            <a:spLocks noGrp="1"/>
+          </p:cNvSpPr>
           <p:nvPr>
             <p:ph type="title"/>
           </p:nvPr>
@@ -6897,12 +7340,12 @@
           </a:prstGeom>
         </p:spPr>
         <p:txBody>
-          <a:bodyPr anchorCtr="0" anchor="t" bIns="91425" lIns="91425" spcFirstLastPara="1" rIns="91425" wrap="square" tIns="91425">
-            <a:normAutofit fontScale="90000"/>
+          <a:bodyPr spcFirstLastPara="1" wrap="square" lIns="91425" tIns="91425" rIns="91425" bIns="91425" anchor="t" anchorCtr="0">
+            <a:normAutofit/>
           </a:bodyPr>
           <a:lstStyle/>
           <a:p>
-            <a:pPr indent="0" lvl="0" marL="0" rtl="0" algn="l">
+            <a:pPr marL="0" lvl="0" indent="0" algn="l" rtl="0">
               <a:spcBef>
                 <a:spcPts val="0"/>
               </a:spcBef>
@@ -6931,7 +7374,7 @@
         </p:nvGraphicFramePr>
         <p:xfrm>
           <a:off x="311700" y="547600"/>
-          <a:ext cx="3000000" cy="3000000"/>
+          <a:ext cx="8520600" cy="4454460"/>
         </p:xfrm>
         <a:graphic>
           <a:graphicData uri="http://schemas.openxmlformats.org/drawingml/2006/table">
@@ -6941,10 +7384,34 @@
                 <a:tableStyleId>{033AA0D9-0559-4161-90EB-C3D10B63DC9B}</a:tableStyleId>
               </a:tblPr>
               <a:tblGrid>
-                <a:gridCol w="763500"/>
-                <a:gridCol w="3153925"/>
-                <a:gridCol w="3867125"/>
-                <a:gridCol w="736050"/>
+                <a:gridCol w="763500">
+                  <a:extLst>
+                    <a:ext uri="{9D8B030D-6E8A-4147-A177-3AD203B41FA5}">
+                      <a16:colId xmlns:a16="http://schemas.microsoft.com/office/drawing/2014/main" val="20000"/>
+                    </a:ext>
+                  </a:extLst>
+                </a:gridCol>
+                <a:gridCol w="3153925">
+                  <a:extLst>
+                    <a:ext uri="{9D8B030D-6E8A-4147-A177-3AD203B41FA5}">
+                      <a16:colId xmlns:a16="http://schemas.microsoft.com/office/drawing/2014/main" val="20001"/>
+                    </a:ext>
+                  </a:extLst>
+                </a:gridCol>
+                <a:gridCol w="3867125">
+                  <a:extLst>
+                    <a:ext uri="{9D8B030D-6E8A-4147-A177-3AD203B41FA5}">
+                      <a16:colId xmlns:a16="http://schemas.microsoft.com/office/drawing/2014/main" val="20002"/>
+                    </a:ext>
+                  </a:extLst>
+                </a:gridCol>
+                <a:gridCol w="736050">
+                  <a:extLst>
+                    <a:ext uri="{9D8B030D-6E8A-4147-A177-3AD203B41FA5}">
+                      <a16:colId xmlns:a16="http://schemas.microsoft.com/office/drawing/2014/main" val="20003"/>
+                    </a:ext>
+                  </a:extLst>
+                </a:gridCol>
               </a:tblGrid>
               <a:tr h="423650">
                 <a:tc>
@@ -6952,7 +7419,7 @@
                     <a:bodyPr/>
                     <a:lstStyle/>
                     <a:p>
-                      <a:pPr indent="0" lvl="0" marL="0" rtl="0" algn="l">
+                      <a:pPr marL="0" lvl="0" indent="0" algn="l" rtl="0">
                         <a:spcBef>
                           <a:spcPts val="0"/>
                         </a:spcBef>
@@ -6968,14 +7435,14 @@
                       <a:endParaRPr/>
                     </a:p>
                   </a:txBody>
-                  <a:tcPr marT="91425" marB="91425" marR="91425" marL="91425"/>
+                  <a:tcPr marL="91425" marR="91425" marT="91425" marB="91425"/>
                 </a:tc>
                 <a:tc>
                   <a:txBody>
                     <a:bodyPr/>
                     <a:lstStyle/>
                     <a:p>
-                      <a:pPr indent="0" lvl="0" marL="0" rtl="0" algn="l">
+                      <a:pPr marL="0" lvl="0" indent="0" algn="l" rtl="0">
                         <a:spcBef>
                           <a:spcPts val="0"/>
                         </a:spcBef>
@@ -6991,14 +7458,14 @@
                       <a:endParaRPr/>
                     </a:p>
                   </a:txBody>
-                  <a:tcPr marT="91425" marB="91425" marR="91425" marL="91425"/>
+                  <a:tcPr marL="91425" marR="91425" marT="91425" marB="91425"/>
                 </a:tc>
                 <a:tc>
                   <a:txBody>
                     <a:bodyPr/>
                     <a:lstStyle/>
                     <a:p>
-                      <a:pPr indent="0" lvl="0" marL="0" rtl="0" algn="l">
+                      <a:pPr marL="0" lvl="0" indent="0" algn="l" rtl="0">
                         <a:spcBef>
                           <a:spcPts val="0"/>
                         </a:spcBef>
@@ -7014,14 +7481,14 @@
                       <a:endParaRPr/>
                     </a:p>
                   </a:txBody>
-                  <a:tcPr marT="91425" marB="91425" marR="91425" marL="91425"/>
+                  <a:tcPr marL="91425" marR="91425" marT="91425" marB="91425"/>
                 </a:tc>
                 <a:tc>
                   <a:txBody>
                     <a:bodyPr/>
                     <a:lstStyle/>
                     <a:p>
-                      <a:pPr indent="0" lvl="0" marL="0" rtl="0" algn="l">
+                      <a:pPr marL="0" lvl="0" indent="0" algn="l" rtl="0">
                         <a:spcBef>
                           <a:spcPts val="0"/>
                         </a:spcBef>
@@ -7037,8 +7504,13 @@
                       <a:endParaRPr/>
                     </a:p>
                   </a:txBody>
-                  <a:tcPr marT="91425" marB="91425" marR="91425" marL="91425"/>
+                  <a:tcPr marL="91425" marR="91425" marT="91425" marB="91425"/>
                 </a:tc>
+                <a:extLst>
+                  <a:ext uri="{0D108BD9-81ED-4DB2-BD59-A6C34878D82A}">
+                    <a16:rowId xmlns:a16="http://schemas.microsoft.com/office/drawing/2014/main" val="10000"/>
+                  </a:ext>
+                </a:extLst>
               </a:tr>
               <a:tr h="381000">
                 <a:tc>
@@ -7046,7 +7518,7 @@
                     <a:bodyPr/>
                     <a:lstStyle/>
                     <a:p>
-                      <a:pPr indent="0" lvl="0" marL="0" rtl="0" algn="l">
+                      <a:pPr marL="0" lvl="0" indent="0" algn="l" rtl="0">
                         <a:spcBef>
                           <a:spcPts val="0"/>
                         </a:spcBef>
@@ -7062,14 +7534,14 @@
                       <a:endParaRPr/>
                     </a:p>
                   </a:txBody>
-                  <a:tcPr marT="91425" marB="91425" marR="91425" marL="91425"/>
+                  <a:tcPr marL="91425" marR="91425" marT="91425" marB="91425"/>
                 </a:tc>
                 <a:tc>
                   <a:txBody>
                     <a:bodyPr/>
                     <a:lstStyle/>
                     <a:p>
-                      <a:pPr indent="0" lvl="0" marL="0" rtl="0" algn="l">
+                      <a:pPr marL="0" lvl="0" indent="0" algn="l" rtl="0">
                         <a:spcBef>
                           <a:spcPts val="0"/>
                         </a:spcBef>
@@ -7097,14 +7569,14 @@
                       <a:endParaRPr/>
                     </a:p>
                   </a:txBody>
-                  <a:tcPr marT="91425" marB="91425" marR="91425" marL="91425"/>
+                  <a:tcPr marL="91425" marR="91425" marT="91425" marB="91425"/>
                 </a:tc>
                 <a:tc>
                   <a:txBody>
                     <a:bodyPr/>
                     <a:lstStyle/>
                     <a:p>
-                      <a:pPr indent="0" lvl="0" marL="0" rtl="0" algn="l">
+                      <a:pPr marL="0" lvl="0" indent="0" algn="l" rtl="0">
                         <a:spcBef>
                           <a:spcPts val="0"/>
                         </a:spcBef>
@@ -7133,14 +7605,14 @@
                       </a:endParaRPr>
                     </a:p>
                   </a:txBody>
-                  <a:tcPr marT="91425" marB="91425" marR="91425" marL="91425"/>
+                  <a:tcPr marL="91425" marR="91425" marT="91425" marB="91425"/>
                 </a:tc>
                 <a:tc>
                   <a:txBody>
                     <a:bodyPr/>
                     <a:lstStyle/>
                     <a:p>
-                      <a:pPr indent="0" lvl="0" marL="0" rtl="0" algn="l">
+                      <a:pPr marL="0" lvl="0" indent="0" algn="l" rtl="0">
                         <a:spcBef>
                           <a:spcPts val="0"/>
                         </a:spcBef>
@@ -7156,8 +7628,13 @@
                       <a:endParaRPr/>
                     </a:p>
                   </a:txBody>
-                  <a:tcPr marT="91425" marB="91425" marR="91425" marL="91425"/>
+                  <a:tcPr marL="91425" marR="91425" marT="91425" marB="91425"/>
                 </a:tc>
+                <a:extLst>
+                  <a:ext uri="{0D108BD9-81ED-4DB2-BD59-A6C34878D82A}">
+                    <a16:rowId xmlns:a16="http://schemas.microsoft.com/office/drawing/2014/main" val="10001"/>
+                  </a:ext>
+                </a:extLst>
               </a:tr>
               <a:tr h="381000">
                 <a:tc>
@@ -7165,7 +7642,7 @@
                     <a:bodyPr/>
                     <a:lstStyle/>
                     <a:p>
-                      <a:pPr indent="0" lvl="0" marL="0" rtl="0" algn="l">
+                      <a:pPr marL="0" lvl="0" indent="0" algn="l" rtl="0">
                         <a:spcBef>
                           <a:spcPts val="0"/>
                         </a:spcBef>
@@ -7181,14 +7658,14 @@
                       <a:endParaRPr/>
                     </a:p>
                   </a:txBody>
-                  <a:tcPr marT="91425" marB="91425" marR="91425" marL="91425"/>
+                  <a:tcPr marL="91425" marR="91425" marT="91425" marB="91425"/>
                 </a:tc>
                 <a:tc>
                   <a:txBody>
                     <a:bodyPr/>
                     <a:lstStyle/>
                     <a:p>
-                      <a:pPr indent="0" lvl="0" marL="0" rtl="0" algn="l">
+                      <a:pPr marL="0" lvl="0" indent="0" algn="l" rtl="0">
                         <a:spcBef>
                           <a:spcPts val="0"/>
                         </a:spcBef>
@@ -7208,15 +7685,7 @@
                             <a:schemeClr val="dk1"/>
                           </a:solidFill>
                         </a:rPr>
-                        <a:t>R</a:t>
-                      </a:r>
-                      <a:r>
-                        <a:rPr lang="pt-PT">
-                          <a:solidFill>
-                            <a:schemeClr val="dk1"/>
-                          </a:solidFill>
-                        </a:rPr>
-                        <a:t> &lt; Size-1 &amp;&amp; Board[R+1][C] ∈ LVisit</a:t>
+                        <a:t>R &lt; Size-1 &amp;&amp; Board[R+1][C] ∈ LVisit</a:t>
                       </a:r>
                       <a:endParaRPr>
                         <a:solidFill>
@@ -7225,14 +7694,14 @@
                       </a:endParaRPr>
                     </a:p>
                   </a:txBody>
-                  <a:tcPr marT="91425" marB="91425" marR="91425" marL="91425"/>
+                  <a:tcPr marL="91425" marR="91425" marT="91425" marB="91425"/>
                 </a:tc>
                 <a:tc>
                   <a:txBody>
                     <a:bodyPr/>
                     <a:lstStyle/>
                     <a:p>
-                      <a:pPr indent="0" lvl="0" marL="0" rtl="0" algn="l">
+                      <a:pPr marL="0" lvl="0" indent="0" algn="l" rtl="0">
                         <a:spcBef>
                           <a:spcPts val="0"/>
                         </a:spcBef>
@@ -7257,14 +7726,14 @@
                       <a:endParaRPr/>
                     </a:p>
                   </a:txBody>
-                  <a:tcPr marT="91425" marB="91425" marR="91425" marL="91425"/>
+                  <a:tcPr marL="91425" marR="91425" marT="91425" marB="91425"/>
                 </a:tc>
                 <a:tc>
                   <a:txBody>
                     <a:bodyPr/>
                     <a:lstStyle/>
                     <a:p>
-                      <a:pPr indent="0" lvl="0" marL="0" rtl="0" algn="l">
+                      <a:pPr marL="0" lvl="0" indent="0" algn="l" rtl="0">
                         <a:spcBef>
                           <a:spcPts val="0"/>
                         </a:spcBef>
@@ -7280,8 +7749,13 @@
                       <a:endParaRPr/>
                     </a:p>
                   </a:txBody>
-                  <a:tcPr marT="91425" marB="91425" marR="91425" marL="91425"/>
+                  <a:tcPr marL="91425" marR="91425" marT="91425" marB="91425"/>
                 </a:tc>
+                <a:extLst>
+                  <a:ext uri="{0D108BD9-81ED-4DB2-BD59-A6C34878D82A}">
+                    <a16:rowId xmlns:a16="http://schemas.microsoft.com/office/drawing/2014/main" val="10002"/>
+                  </a:ext>
+                </a:extLst>
               </a:tr>
               <a:tr h="381000">
                 <a:tc>
@@ -7289,7 +7763,7 @@
                     <a:bodyPr/>
                     <a:lstStyle/>
                     <a:p>
-                      <a:pPr indent="0" lvl="0" marL="0" rtl="0" algn="l">
+                      <a:pPr marL="0" lvl="0" indent="0" algn="l" rtl="0">
                         <a:spcBef>
                           <a:spcPts val="0"/>
                         </a:spcBef>
@@ -7309,14 +7783,14 @@
                       <a:endParaRPr/>
                     </a:p>
                   </a:txBody>
-                  <a:tcPr marT="91425" marB="91425" marR="91425" marL="91425"/>
+                  <a:tcPr marL="91425" marR="91425" marT="91425" marB="91425"/>
                 </a:tc>
                 <a:tc>
                   <a:txBody>
                     <a:bodyPr/>
                     <a:lstStyle/>
                     <a:p>
-                      <a:pPr indent="0" lvl="0" marL="0" rtl="0" algn="l">
+                      <a:pPr marL="0" lvl="0" indent="0" algn="l" rtl="0">
                         <a:spcBef>
                           <a:spcPts val="0"/>
                         </a:spcBef>
@@ -7331,27 +7805,19 @@
                             <a:schemeClr val="dk1"/>
                           </a:solidFill>
                         </a:rPr>
-                        <a:t>R</a:t>
-                      </a:r>
-                      <a:r>
-                        <a:rPr lang="pt-PT">
-                          <a:solidFill>
-                            <a:schemeClr val="dk1"/>
-                          </a:solidFill>
-                        </a:rPr>
-                        <a:t> &gt; 0 &amp;&amp; Board[R-1][C] == 0 </a:t>
+                        <a:t>R &gt; 0 &amp;&amp; Board[R-1][C] == 0 </a:t>
                       </a:r>
                       <a:endParaRPr/>
                     </a:p>
                   </a:txBody>
-                  <a:tcPr marT="91425" marB="91425" marR="91425" marL="91425"/>
+                  <a:tcPr marL="91425" marR="91425" marT="91425" marB="91425"/>
                 </a:tc>
                 <a:tc>
                   <a:txBody>
                     <a:bodyPr/>
                     <a:lstStyle/>
                     <a:p>
-                      <a:pPr indent="0" lvl="0" marL="0" rtl="0" algn="l">
+                      <a:pPr marL="0" lvl="0" indent="0" algn="l" rtl="0">
                         <a:spcBef>
                           <a:spcPts val="0"/>
                         </a:spcBef>
@@ -7366,27 +7832,19 @@
                             <a:schemeClr val="dk1"/>
                           </a:solidFill>
                         </a:rPr>
-                        <a:t>Pos = (R-1, C) e </a:t>
-                      </a:r>
-                      <a:r>
-                        <a:rPr lang="pt-PT">
-                          <a:solidFill>
-                            <a:schemeClr val="dk1"/>
-                          </a:solidFill>
-                        </a:rPr>
-                        <a:t>Board[R-1][C] = 1</a:t>
+                        <a:t>Pos = (R-1, C) e Board[R-1][C] = 1</a:t>
                       </a:r>
                       <a:endParaRPr/>
                     </a:p>
                   </a:txBody>
-                  <a:tcPr marT="91425" marB="91425" marR="91425" marL="91425"/>
+                  <a:tcPr marL="91425" marR="91425" marT="91425" marB="91425"/>
                 </a:tc>
                 <a:tc>
                   <a:txBody>
                     <a:bodyPr/>
                     <a:lstStyle/>
                     <a:p>
-                      <a:pPr indent="0" lvl="0" marL="0" rtl="0" algn="l">
+                      <a:pPr marL="0" lvl="0" indent="0" algn="l" rtl="0">
                         <a:spcBef>
                           <a:spcPts val="0"/>
                         </a:spcBef>
@@ -7402,8 +7860,13 @@
                       <a:endParaRPr/>
                     </a:p>
                   </a:txBody>
-                  <a:tcPr marT="91425" marB="91425" marR="91425" marL="91425"/>
+                  <a:tcPr marL="91425" marR="91425" marT="91425" marB="91425"/>
                 </a:tc>
+                <a:extLst>
+                  <a:ext uri="{0D108BD9-81ED-4DB2-BD59-A6C34878D82A}">
+                    <a16:rowId xmlns:a16="http://schemas.microsoft.com/office/drawing/2014/main" val="10003"/>
+                  </a:ext>
+                </a:extLst>
               </a:tr>
               <a:tr h="381000">
                 <a:tc>
@@ -7411,7 +7874,7 @@
                     <a:bodyPr/>
                     <a:lstStyle/>
                     <a:p>
-                      <a:pPr indent="0" lvl="0" marL="0" rtl="0" algn="l">
+                      <a:pPr marL="0" lvl="0" indent="0" algn="l" rtl="0">
                         <a:spcBef>
                           <a:spcPts val="0"/>
                         </a:spcBef>
@@ -7432,14 +7895,14 @@
                       <a:endParaRPr/>
                     </a:p>
                   </a:txBody>
-                  <a:tcPr marT="91425" marB="91425" marR="91425" marL="91425"/>
+                  <a:tcPr marL="91425" marR="91425" marT="91425" marB="91425"/>
                 </a:tc>
                 <a:tc>
                   <a:txBody>
                     <a:bodyPr/>
                     <a:lstStyle/>
                     <a:p>
-                      <a:pPr indent="0" lvl="0" marL="0" rtl="0" algn="l">
+                      <a:pPr marL="0" lvl="0" indent="0" algn="l" rtl="0">
                         <a:spcBef>
                           <a:spcPts val="0"/>
                         </a:spcBef>
@@ -7459,27 +7922,19 @@
                             <a:schemeClr val="dk1"/>
                           </a:solidFill>
                         </a:rPr>
-                        <a:t>R</a:t>
-                      </a:r>
-                      <a:r>
-                        <a:rPr lang="pt-PT">
-                          <a:solidFill>
-                            <a:schemeClr val="dk1"/>
-                          </a:solidFill>
-                        </a:rPr>
-                        <a:t> &gt; 0 &amp;&amp; Board[R-1][C] ∈ LVisit</a:t>
+                        <a:t>R &gt; 0 &amp;&amp; Board[R-1][C] ∈ LVisit</a:t>
                       </a:r>
                       <a:endParaRPr/>
                     </a:p>
                   </a:txBody>
-                  <a:tcPr marT="91425" marB="91425" marR="91425" marL="91425"/>
+                  <a:tcPr marL="91425" marR="91425" marT="91425" marB="91425"/>
                 </a:tc>
                 <a:tc>
                   <a:txBody>
                     <a:bodyPr/>
                     <a:lstStyle/>
                     <a:p>
-                      <a:pPr indent="0" lvl="0" marL="0" rtl="0" algn="l">
+                      <a:pPr marL="0" lvl="0" indent="0" algn="l" rtl="0">
                         <a:spcBef>
                           <a:spcPts val="0"/>
                         </a:spcBef>
@@ -7503,14 +7958,14 @@
                       <a:endParaRPr/>
                     </a:p>
                   </a:txBody>
-                  <a:tcPr marT="91425" marB="91425" marR="91425" marL="91425"/>
+                  <a:tcPr marL="91425" marR="91425" marT="91425" marB="91425"/>
                 </a:tc>
                 <a:tc>
                   <a:txBody>
                     <a:bodyPr/>
                     <a:lstStyle/>
                     <a:p>
-                      <a:pPr indent="0" lvl="0" marL="0" rtl="0" algn="l">
+                      <a:pPr marL="0" lvl="0" indent="0" algn="l" rtl="0">
                         <a:spcBef>
                           <a:spcPts val="0"/>
                         </a:spcBef>
@@ -7526,8 +7981,13 @@
                       <a:endParaRPr/>
                     </a:p>
                   </a:txBody>
-                  <a:tcPr marT="91425" marB="91425" marR="91425" marL="91425"/>
+                  <a:tcPr marL="91425" marR="91425" marT="91425" marB="91425"/>
                 </a:tc>
+                <a:extLst>
+                  <a:ext uri="{0D108BD9-81ED-4DB2-BD59-A6C34878D82A}">
+                    <a16:rowId xmlns:a16="http://schemas.microsoft.com/office/drawing/2014/main" val="10004"/>
+                  </a:ext>
+                </a:extLst>
               </a:tr>
               <a:tr h="381000">
                 <a:tc>
@@ -7535,7 +7995,7 @@
                     <a:bodyPr/>
                     <a:lstStyle/>
                     <a:p>
-                      <a:pPr indent="0" lvl="0" marL="0" rtl="0" algn="l">
+                      <a:pPr marL="0" lvl="0" indent="0" algn="l" rtl="0">
                         <a:spcBef>
                           <a:spcPts val="0"/>
                         </a:spcBef>
@@ -7560,14 +8020,14 @@
                       <a:endParaRPr/>
                     </a:p>
                   </a:txBody>
-                  <a:tcPr marT="91425" marB="91425" marR="91425" marL="91425"/>
+                  <a:tcPr marL="91425" marR="91425" marT="91425" marB="91425"/>
                 </a:tc>
                 <a:tc>
                   <a:txBody>
                     <a:bodyPr/>
                     <a:lstStyle/>
                     <a:p>
-                      <a:pPr indent="0" lvl="0" marL="0" rtl="0" algn="l">
+                      <a:pPr marL="0" lvl="0" indent="0" algn="l" rtl="0">
                         <a:spcBef>
                           <a:spcPts val="0"/>
                         </a:spcBef>
@@ -7587,27 +8047,19 @@
                             <a:schemeClr val="dk1"/>
                           </a:solidFill>
                         </a:rPr>
-                        <a:t>C &gt; 0</a:t>
-                      </a:r>
-                      <a:r>
-                        <a:rPr lang="pt-PT">
-                          <a:solidFill>
-                            <a:schemeClr val="dk1"/>
-                          </a:solidFill>
-                        </a:rPr>
-                        <a:t> &amp;&amp; Board[R][C-1] == 0</a:t>
+                        <a:t>C &gt; 0 &amp;&amp; Board[R][C-1] == 0</a:t>
                       </a:r>
                       <a:endParaRPr/>
                     </a:p>
                   </a:txBody>
-                  <a:tcPr marT="91425" marB="91425" marR="91425" marL="91425"/>
+                  <a:tcPr marL="91425" marR="91425" marT="91425" marB="91425"/>
                 </a:tc>
                 <a:tc>
                   <a:txBody>
                     <a:bodyPr/>
                     <a:lstStyle/>
                     <a:p>
-                      <a:pPr indent="0" lvl="0" marL="0" rtl="0" algn="l">
+                      <a:pPr marL="0" lvl="0" indent="0" algn="l" rtl="0">
                         <a:spcBef>
                           <a:spcPts val="0"/>
                         </a:spcBef>
@@ -7632,14 +8084,14 @@
                       <a:endParaRPr/>
                     </a:p>
                   </a:txBody>
-                  <a:tcPr marT="91425" marB="91425" marR="91425" marL="91425"/>
+                  <a:tcPr marL="91425" marR="91425" marT="91425" marB="91425"/>
                 </a:tc>
                 <a:tc>
                   <a:txBody>
                     <a:bodyPr/>
                     <a:lstStyle/>
                     <a:p>
-                      <a:pPr indent="0" lvl="0" marL="0" rtl="0" algn="l">
+                      <a:pPr marL="0" lvl="0" indent="0" algn="l" rtl="0">
                         <a:spcBef>
                           <a:spcPts val="0"/>
                         </a:spcBef>
@@ -7655,8 +8107,13 @@
                       <a:endParaRPr/>
                     </a:p>
                   </a:txBody>
-                  <a:tcPr marT="91425" marB="91425" marR="91425" marL="91425"/>
+                  <a:tcPr marL="91425" marR="91425" marT="91425" marB="91425"/>
                 </a:tc>
+                <a:extLst>
+                  <a:ext uri="{0D108BD9-81ED-4DB2-BD59-A6C34878D82A}">
+                    <a16:rowId xmlns:a16="http://schemas.microsoft.com/office/drawing/2014/main" val="10005"/>
+                  </a:ext>
+                </a:extLst>
               </a:tr>
               <a:tr h="381000">
                 <a:tc>
@@ -7664,7 +8121,7 @@
                     <a:bodyPr/>
                     <a:lstStyle/>
                     <a:p>
-                      <a:pPr indent="0" lvl="0" marL="0" rtl="0" algn="l">
+                      <a:pPr marL="0" lvl="0" indent="0" algn="l" rtl="0">
                         <a:spcBef>
                           <a:spcPts val="0"/>
                         </a:spcBef>
@@ -7680,14 +8137,14 @@
                       <a:endParaRPr/>
                     </a:p>
                   </a:txBody>
-                  <a:tcPr marT="91425" marB="91425" marR="91425" marL="91425"/>
+                  <a:tcPr marL="91425" marR="91425" marT="91425" marB="91425"/>
                 </a:tc>
                 <a:tc>
                   <a:txBody>
                     <a:bodyPr/>
                     <a:lstStyle/>
                     <a:p>
-                      <a:pPr indent="0" lvl="0" marL="0" rtl="0" algn="l">
+                      <a:pPr marL="0" lvl="0" indent="0" algn="l" rtl="0">
                         <a:spcBef>
                           <a:spcPts val="0"/>
                         </a:spcBef>
@@ -7707,27 +8164,19 @@
                             <a:schemeClr val="dk1"/>
                           </a:solidFill>
                         </a:rPr>
-                        <a:t>C</a:t>
-                      </a:r>
-                      <a:r>
-                        <a:rPr lang="pt-PT">
-                          <a:solidFill>
-                            <a:schemeClr val="dk1"/>
-                          </a:solidFill>
-                        </a:rPr>
-                        <a:t> &gt; 0 &amp;&amp; Board[R][C-1] ∈ LVisit</a:t>
+                        <a:t>C &gt; 0 &amp;&amp; Board[R][C-1] ∈ LVisit</a:t>
                       </a:r>
                       <a:endParaRPr/>
                     </a:p>
                   </a:txBody>
-                  <a:tcPr marT="91425" marB="91425" marR="91425" marL="91425"/>
+                  <a:tcPr marL="91425" marR="91425" marT="91425" marB="91425"/>
                 </a:tc>
                 <a:tc>
                   <a:txBody>
                     <a:bodyPr/>
                     <a:lstStyle/>
                     <a:p>
-                      <a:pPr indent="0" lvl="0" marL="0" rtl="0" algn="l">
+                      <a:pPr marL="0" lvl="0" indent="0" algn="l" rtl="0">
                         <a:spcBef>
                           <a:spcPts val="0"/>
                         </a:spcBef>
@@ -7752,14 +8201,14 @@
                       <a:endParaRPr/>
                     </a:p>
                   </a:txBody>
-                  <a:tcPr marT="91425" marB="91425" marR="91425" marL="91425"/>
+                  <a:tcPr marL="91425" marR="91425" marT="91425" marB="91425"/>
                 </a:tc>
                 <a:tc>
                   <a:txBody>
                     <a:bodyPr/>
                     <a:lstStyle/>
                     <a:p>
-                      <a:pPr indent="0" lvl="0" marL="0" rtl="0" algn="l">
+                      <a:pPr marL="0" lvl="0" indent="0" algn="l" rtl="0">
                         <a:spcBef>
                           <a:spcPts val="0"/>
                         </a:spcBef>
@@ -7775,8 +8224,13 @@
                       <a:endParaRPr/>
                     </a:p>
                   </a:txBody>
-                  <a:tcPr marT="91425" marB="91425" marR="91425" marL="91425"/>
+                  <a:tcPr marL="91425" marR="91425" marT="91425" marB="91425"/>
                 </a:tc>
+                <a:extLst>
+                  <a:ext uri="{0D108BD9-81ED-4DB2-BD59-A6C34878D82A}">
+                    <a16:rowId xmlns:a16="http://schemas.microsoft.com/office/drawing/2014/main" val="10006"/>
+                  </a:ext>
+                </a:extLst>
               </a:tr>
               <a:tr h="403900">
                 <a:tc>
@@ -7784,7 +8238,7 @@
                     <a:bodyPr/>
                     <a:lstStyle/>
                     <a:p>
-                      <a:pPr indent="0" lvl="0" marL="0" rtl="0" algn="l">
+                      <a:pPr marL="0" lvl="0" indent="0" algn="l" rtl="0">
                         <a:spcBef>
                           <a:spcPts val="0"/>
                         </a:spcBef>
@@ -7809,14 +8263,14 @@
                       <a:endParaRPr/>
                     </a:p>
                   </a:txBody>
-                  <a:tcPr marT="91425" marB="91425" marR="91425" marL="91425"/>
+                  <a:tcPr marL="91425" marR="91425" marT="91425" marB="91425"/>
                 </a:tc>
                 <a:tc>
                   <a:txBody>
                     <a:bodyPr/>
                     <a:lstStyle/>
                     <a:p>
-                      <a:pPr indent="0" lvl="0" marL="0" rtl="0" algn="l">
+                      <a:pPr marL="0" lvl="0" indent="0" algn="l" rtl="0">
                         <a:spcBef>
                           <a:spcPts val="0"/>
                         </a:spcBef>
@@ -7836,27 +8290,19 @@
                             <a:schemeClr val="dk1"/>
                           </a:solidFill>
                         </a:rPr>
-                        <a:t>C &lt; Size-1</a:t>
-                      </a:r>
-                      <a:r>
-                        <a:rPr lang="pt-PT">
-                          <a:solidFill>
-                            <a:schemeClr val="dk1"/>
-                          </a:solidFill>
-                        </a:rPr>
-                        <a:t> &amp;&amp; Board[R][C+1] == 0</a:t>
+                        <a:t>C &lt; Size-1 &amp;&amp; Board[R][C+1] == 0</a:t>
                       </a:r>
                       <a:endParaRPr/>
                     </a:p>
                   </a:txBody>
-                  <a:tcPr marT="91425" marB="91425" marR="91425" marL="91425"/>
+                  <a:tcPr marL="91425" marR="91425" marT="91425" marB="91425"/>
                 </a:tc>
                 <a:tc>
                   <a:txBody>
                     <a:bodyPr/>
                     <a:lstStyle/>
                     <a:p>
-                      <a:pPr indent="0" lvl="0" marL="0" rtl="0" algn="l">
+                      <a:pPr marL="0" lvl="0" indent="0" algn="l" rtl="0">
                         <a:spcBef>
                           <a:spcPts val="0"/>
                         </a:spcBef>
@@ -7881,14 +8327,14 @@
                       <a:endParaRPr/>
                     </a:p>
                   </a:txBody>
-                  <a:tcPr marT="91425" marB="91425" marR="91425" marL="91425"/>
+                  <a:tcPr marL="91425" marR="91425" marT="91425" marB="91425"/>
                 </a:tc>
                 <a:tc>
                   <a:txBody>
                     <a:bodyPr/>
                     <a:lstStyle/>
                     <a:p>
-                      <a:pPr indent="0" lvl="0" marL="0" rtl="0" algn="l">
+                      <a:pPr marL="0" lvl="0" indent="0" algn="l" rtl="0">
                         <a:spcBef>
                           <a:spcPts val="0"/>
                         </a:spcBef>
@@ -7904,16 +8350,21 @@
                       <a:endParaRPr/>
                     </a:p>
                   </a:txBody>
-                  <a:tcPr marT="91425" marB="91425" marR="91425" marL="91425"/>
+                  <a:tcPr marL="91425" marR="91425" marT="91425" marB="91425"/>
                 </a:tc>
+                <a:extLst>
+                  <a:ext uri="{0D108BD9-81ED-4DB2-BD59-A6C34878D82A}">
+                    <a16:rowId xmlns:a16="http://schemas.microsoft.com/office/drawing/2014/main" val="10007"/>
+                  </a:ext>
+                </a:extLst>
               </a:tr>
-              <a:tr h="100000">
+              <a:tr h="0">
                 <a:tc>
                   <a:txBody>
                     <a:bodyPr/>
                     <a:lstStyle/>
                     <a:p>
-                      <a:pPr indent="0" lvl="0" marL="0" rtl="0" algn="l">
+                      <a:pPr marL="0" lvl="0" indent="0" algn="l" rtl="0">
                         <a:spcBef>
                           <a:spcPts val="0"/>
                         </a:spcBef>
@@ -7929,14 +8380,14 @@
                       <a:endParaRPr/>
                     </a:p>
                   </a:txBody>
-                  <a:tcPr marT="91425" marB="91425" marR="91425" marL="91425"/>
+                  <a:tcPr marL="91425" marR="91425" marT="91425" marB="91425"/>
                 </a:tc>
                 <a:tc>
                   <a:txBody>
                     <a:bodyPr/>
                     <a:lstStyle/>
                     <a:p>
-                      <a:pPr indent="0" lvl="0" marL="0" rtl="0" algn="l">
+                      <a:pPr marL="0" lvl="0" indent="0" algn="l" rtl="0">
                         <a:spcBef>
                           <a:spcPts val="0"/>
                         </a:spcBef>
@@ -7956,27 +8407,19 @@
                             <a:schemeClr val="dk1"/>
                           </a:solidFill>
                         </a:rPr>
-                        <a:t>C &lt; Size-1</a:t>
-                      </a:r>
-                      <a:r>
-                        <a:rPr lang="pt-PT">
-                          <a:solidFill>
-                            <a:schemeClr val="dk1"/>
-                          </a:solidFill>
-                        </a:rPr>
-                        <a:t> &amp;&amp; Board[R][C+1] ∈ LVisit</a:t>
+                        <a:t>C &lt; Size-1 &amp;&amp; Board[R][C+1] ∈ LVisit</a:t>
                       </a:r>
                       <a:endParaRPr/>
                     </a:p>
                   </a:txBody>
-                  <a:tcPr marT="91425" marB="91425" marR="91425" marL="91425"/>
+                  <a:tcPr marL="91425" marR="91425" marT="91425" marB="91425"/>
                 </a:tc>
                 <a:tc>
                   <a:txBody>
                     <a:bodyPr/>
                     <a:lstStyle/>
                     <a:p>
-                      <a:pPr indent="0" lvl="0" marL="0" rtl="0" algn="l">
+                      <a:pPr marL="0" lvl="0" indent="0" algn="l" rtl="0">
                         <a:spcBef>
                           <a:spcPts val="0"/>
                         </a:spcBef>
@@ -8001,14 +8444,14 @@
                       <a:endParaRPr/>
                     </a:p>
                   </a:txBody>
-                  <a:tcPr marT="91425" marB="91425" marR="91425" marL="91425"/>
+                  <a:tcPr marL="91425" marR="91425" marT="91425" marB="91425"/>
                 </a:tc>
                 <a:tc>
                   <a:txBody>
                     <a:bodyPr/>
                     <a:lstStyle/>
                     <a:p>
-                      <a:pPr indent="0" lvl="0" marL="0" rtl="0" algn="l">
+                      <a:pPr marL="0" lvl="0" indent="0" algn="l" rtl="0">
                         <a:spcBef>
                           <a:spcPts val="0"/>
                         </a:spcBef>
@@ -8024,8 +8467,13 @@
                       <a:endParaRPr/>
                     </a:p>
                   </a:txBody>
-                  <a:tcPr marT="91425" marB="91425" marR="91425" marL="91425"/>
+                  <a:tcPr marL="91425" marR="91425" marT="91425" marB="91425"/>
                 </a:tc>
+                <a:extLst>
+                  <a:ext uri="{0D108BD9-81ED-4DB2-BD59-A6C34878D82A}">
+                    <a16:rowId xmlns:a16="http://schemas.microsoft.com/office/drawing/2014/main" val="10008"/>
+                  </a:ext>
+                </a:extLst>
               </a:tr>
             </a:tbl>
           </a:graphicData>
@@ -8040,11 +8488,11 @@
 </file>
 
 <file path=ppt/slides/slide5.xml><?xml version="1.0" encoding="utf-8"?>
-<p:sld xmlns:a="http://schemas.openxmlformats.org/drawingml/2006/main" xmlns:r="http://schemas.openxmlformats.org/officeDocument/2006/relationships" xmlns:mc="http://schemas.openxmlformats.org/markup-compatibility/2006" xmlns:mv="urn:schemas-microsoft-com:mac:vml" xmlns:p="http://schemas.openxmlformats.org/presentationml/2006/main" xmlns:c="http://schemas.openxmlformats.org/drawingml/2006/chart" xmlns:dgm="http://schemas.openxmlformats.org/drawingml/2006/diagram" xmlns:o="urn:schemas-microsoft-com:office:office" xmlns:v="urn:schemas-microsoft-com:vml" xmlns:pvml="urn:schemas-microsoft-com:office:powerpoint" xmlns:com="http://schemas.openxmlformats.org/drawingml/2006/compatibility" xmlns:p14="http://schemas.microsoft.com/office/powerpoint/2010/main" xmlns:p15="http://schemas.microsoft.com/office/powerpoint/2012/main" xmlns:ahyp="http://schemas.microsoft.com/office/drawing/2018/hyperlinkcolor">
+<p:sld xmlns:a="http://schemas.openxmlformats.org/drawingml/2006/main" xmlns:r="http://schemas.openxmlformats.org/officeDocument/2006/relationships" xmlns:p="http://schemas.openxmlformats.org/presentationml/2006/main">
   <p:cSld>
     <p:spTree>
       <p:nvGrpSpPr>
-        <p:cNvPr id="81" name="Shape 81"/>
+        <p:cNvPr id="1" name="Shape 81"/>
         <p:cNvGrpSpPr/>
         <p:nvPr/>
       </p:nvGrpSpPr>
@@ -8059,7 +8507,9 @@
       <p:sp>
         <p:nvSpPr>
           <p:cNvPr id="82" name="Google Shape;82;p17"/>
-          <p:cNvSpPr txBox="1"/>
+          <p:cNvSpPr txBox="1">
+            <a:spLocks noGrp="1"/>
+          </p:cNvSpPr>
           <p:nvPr>
             <p:ph type="title"/>
           </p:nvPr>
@@ -8074,12 +8524,12 @@
           </a:prstGeom>
         </p:spPr>
         <p:txBody>
-          <a:bodyPr anchorCtr="0" anchor="t" bIns="91425" lIns="91425" spcFirstLastPara="1" rIns="91425" wrap="square" tIns="91425">
+          <a:bodyPr spcFirstLastPara="1" wrap="square" lIns="91425" tIns="91425" rIns="91425" bIns="91425" anchor="t" anchorCtr="0">
             <a:normAutofit fontScale="90000"/>
           </a:bodyPr>
           <a:lstStyle/>
           <a:p>
-            <a:pPr indent="0" lvl="0" marL="0" rtl="0" algn="l">
+            <a:pPr marL="0" lvl="0" indent="0" algn="l" rtl="0">
               <a:spcBef>
                 <a:spcPts val="0"/>
               </a:spcBef>
@@ -8099,9 +8549,11 @@
       <p:sp>
         <p:nvSpPr>
           <p:cNvPr id="83" name="Google Shape;83;p17"/>
-          <p:cNvSpPr txBox="1"/>
+          <p:cNvSpPr txBox="1">
+            <a:spLocks noGrp="1"/>
+          </p:cNvSpPr>
           <p:nvPr>
-            <p:ph idx="1" type="body"/>
+            <p:ph type="body" idx="1"/>
           </p:nvPr>
         </p:nvSpPr>
         <p:spPr>
@@ -8114,12 +8566,12 @@
           </a:prstGeom>
         </p:spPr>
         <p:txBody>
-          <a:bodyPr anchorCtr="0" anchor="t" bIns="91425" lIns="91425" spcFirstLastPara="1" rIns="91425" wrap="square" tIns="91425">
+          <a:bodyPr spcFirstLastPara="1" wrap="square" lIns="91425" tIns="91425" rIns="91425" bIns="91425" anchor="t" anchorCtr="0">
             <a:normAutofit/>
           </a:bodyPr>
           <a:lstStyle/>
           <a:p>
-            <a:pPr indent="-349250" lvl="0" marL="457200" rtl="0" algn="just">
+            <a:pPr marL="457200" lvl="0" indent="-349250" algn="just" rtl="0">
               <a:spcBef>
                 <a:spcPts val="0"/>
               </a:spcBef>
@@ -8136,7 +8588,7 @@
             <a:endParaRPr sz="1900"/>
           </a:p>
           <a:p>
-            <a:pPr indent="-323850" lvl="1" marL="914400" rtl="0" algn="just">
+            <a:pPr marL="914400" lvl="1" indent="-323850" algn="just" rtl="0">
               <a:spcBef>
                 <a:spcPts val="0"/>
               </a:spcBef>
@@ -8153,7 +8605,7 @@
             <a:endParaRPr sz="1500"/>
           </a:p>
           <a:p>
-            <a:pPr indent="-323850" lvl="1" marL="914400" rtl="0" algn="just">
+            <a:pPr marL="914400" lvl="1" indent="-323850" algn="just" rtl="0">
               <a:spcBef>
                 <a:spcPts val="0"/>
               </a:spcBef>
@@ -8170,7 +8622,7 @@
             <a:endParaRPr sz="1500"/>
           </a:p>
           <a:p>
-            <a:pPr indent="-323850" lvl="1" marL="914400" rtl="0" algn="just">
+            <a:pPr marL="914400" lvl="1" indent="-323850" algn="just" rtl="0">
               <a:spcBef>
                 <a:spcPts val="0"/>
               </a:spcBef>
@@ -8187,7 +8639,7 @@
             <a:endParaRPr sz="1500"/>
           </a:p>
           <a:p>
-            <a:pPr indent="-323850" lvl="0" marL="457200" rtl="0" algn="just">
+            <a:pPr marL="457200" lvl="0" indent="-323850" algn="just" rtl="0">
               <a:spcBef>
                 <a:spcPts val="0"/>
               </a:spcBef>
@@ -8204,7 +8656,7 @@
             <a:endParaRPr sz="1500"/>
           </a:p>
           <a:p>
-            <a:pPr indent="0" lvl="0" marL="0" rtl="0" algn="l">
+            <a:pPr marL="0" lvl="0" indent="0" algn="l" rtl="0">
               <a:spcBef>
                 <a:spcPts val="1200"/>
               </a:spcBef>
@@ -8213,13 +8665,10 @@
               </a:spcAft>
               <a:buNone/>
             </a:pPr>
-            <a:r>
-              <a:t/>
-            </a:r>
             <a:endParaRPr/>
           </a:p>
           <a:p>
-            <a:pPr indent="0" lvl="0" marL="0" rtl="0" algn="l">
+            <a:pPr marL="0" lvl="0" indent="0" algn="l" rtl="0">
               <a:spcBef>
                 <a:spcPts val="1200"/>
               </a:spcBef>
@@ -8228,9 +8677,6 @@
               </a:spcAft>
               <a:buNone/>
             </a:pPr>
-            <a:r>
-              <a:t/>
-            </a:r>
             <a:endParaRPr/>
           </a:p>
         </p:txBody>
@@ -8244,7 +8690,288 @@
 </file>
 
 <file path=ppt/theme/theme1.xml><?xml version="1.0" encoding="utf-8"?>
-<a:theme xmlns:a="http://schemas.openxmlformats.org/drawingml/2006/main" xmlns:r="http://schemas.openxmlformats.org/officeDocument/2006/relationships">
+<a:theme xmlns:a="http://schemas.openxmlformats.org/drawingml/2006/main" name="Simple Light">
+  <a:themeElements>
+    <a:clrScheme name="Simple Light">
+      <a:dk1>
+        <a:srgbClr val="000000"/>
+      </a:dk1>
+      <a:lt1>
+        <a:srgbClr val="FFFFFF"/>
+      </a:lt1>
+      <a:dk2>
+        <a:srgbClr val="595959"/>
+      </a:dk2>
+      <a:lt2>
+        <a:srgbClr val="EEEEEE"/>
+      </a:lt2>
+      <a:accent1>
+        <a:srgbClr val="4285F4"/>
+      </a:accent1>
+      <a:accent2>
+        <a:srgbClr val="212121"/>
+      </a:accent2>
+      <a:accent3>
+        <a:srgbClr val="78909C"/>
+      </a:accent3>
+      <a:accent4>
+        <a:srgbClr val="FFAB40"/>
+      </a:accent4>
+      <a:accent5>
+        <a:srgbClr val="0097A7"/>
+      </a:accent5>
+      <a:accent6>
+        <a:srgbClr val="EEFF41"/>
+      </a:accent6>
+      <a:hlink>
+        <a:srgbClr val="0097A7"/>
+      </a:hlink>
+      <a:folHlink>
+        <a:srgbClr val="0097A7"/>
+      </a:folHlink>
+    </a:clrScheme>
+    <a:fontScheme name="Office">
+      <a:majorFont>
+        <a:latin typeface="Arial"/>
+        <a:ea typeface=""/>
+        <a:cs typeface=""/>
+        <a:font script="Jpan" typeface="ＭＳ Ｐゴシック"/>
+        <a:font script="Hang" typeface="맑은 고딕"/>
+        <a:font script="Hans" typeface="宋体"/>
+        <a:font script="Hant" typeface="新細明體"/>
+        <a:font script="Arab" typeface="Times New Roman"/>
+        <a:font script="Hebr" typeface="Times New Roman"/>
+        <a:font script="Thai" typeface="Angsana New"/>
+        <a:font script="Ethi" typeface="Nyala"/>
+        <a:font script="Beng" typeface="Vrinda"/>
+        <a:font script="Gujr" typeface="Shruti"/>
+        <a:font script="Khmr" typeface="MoolBoran"/>
+        <a:font script="Knda" typeface="Tunga"/>
+        <a:font script="Guru" typeface="Raavi"/>
+        <a:font script="Cans" typeface="Euphemia"/>
+        <a:font script="Cher" typeface="Plantagenet Cherokee"/>
+        <a:font script="Yiii" typeface="Microsoft Yi Baiti"/>
+        <a:font script="Tibt" typeface="Microsoft Himalaya"/>
+        <a:font script="Thaa" typeface="MV Boli"/>
+        <a:font script="Deva" typeface="Mangal"/>
+        <a:font script="Telu" typeface="Gautami"/>
+        <a:font script="Taml" typeface="Latha"/>
+        <a:font script="Syrc" typeface="Estrangelo Edessa"/>
+        <a:font script="Orya" typeface="Kalinga"/>
+        <a:font script="Mlym" typeface="Kartika"/>
+        <a:font script="Laoo" typeface="DokChampa"/>
+        <a:font script="Sinh" typeface="Iskoola Pota"/>
+        <a:font script="Mong" typeface="Mongolian Baiti"/>
+        <a:font script="Viet" typeface="Times New Roman"/>
+        <a:font script="Uigh" typeface="Microsoft Uighur"/>
+        <a:font script="Geor" typeface="Sylfaen"/>
+      </a:majorFont>
+      <a:minorFont>
+        <a:latin typeface="Arial"/>
+        <a:ea typeface=""/>
+        <a:cs typeface=""/>
+        <a:font script="Jpan" typeface="ＭＳ Ｐゴシック"/>
+        <a:font script="Hang" typeface="맑은 고딕"/>
+        <a:font script="Hans" typeface="宋体"/>
+        <a:font script="Hant" typeface="新細明體"/>
+        <a:font script="Arab" typeface="Arial"/>
+        <a:font script="Hebr" typeface="Arial"/>
+        <a:font script="Thai" typeface="Cordia New"/>
+        <a:font script="Ethi" typeface="Nyala"/>
+        <a:font script="Beng" typeface="Vrinda"/>
+        <a:font script="Gujr" typeface="Shruti"/>
+        <a:font script="Khmr" typeface="DaunPenh"/>
+        <a:font script="Knda" typeface="Tunga"/>
+        <a:font script="Guru" typeface="Raavi"/>
+        <a:font script="Cans" typeface="Euphemia"/>
+        <a:font script="Cher" typeface="Plantagenet Cherokee"/>
+        <a:font script="Yiii" typeface="Microsoft Yi Baiti"/>
+        <a:font script="Tibt" typeface="Microsoft Himalaya"/>
+        <a:font script="Thaa" typeface="MV Boli"/>
+        <a:font script="Deva" typeface="Mangal"/>
+        <a:font script="Telu" typeface="Gautami"/>
+        <a:font script="Taml" typeface="Latha"/>
+        <a:font script="Syrc" typeface="Estrangelo Edessa"/>
+        <a:font script="Orya" typeface="Kalinga"/>
+        <a:font script="Mlym" typeface="Kartika"/>
+        <a:font script="Laoo" typeface="DokChampa"/>
+        <a:font script="Sinh" typeface="Iskoola Pota"/>
+        <a:font script="Mong" typeface="Mongolian Baiti"/>
+        <a:font script="Viet" typeface="Arial"/>
+        <a:font script="Uigh" typeface="Microsoft Uighur"/>
+        <a:font script="Geor" typeface="Sylfaen"/>
+      </a:minorFont>
+    </a:fontScheme>
+    <a:fmtScheme name="Office">
+      <a:fillStyleLst>
+        <a:solidFill>
+          <a:schemeClr val="phClr"/>
+        </a:solidFill>
+        <a:gradFill rotWithShape="1">
+          <a:gsLst>
+            <a:gs pos="0">
+              <a:schemeClr val="phClr">
+                <a:tint val="50000"/>
+                <a:satMod val="300000"/>
+              </a:schemeClr>
+            </a:gs>
+            <a:gs pos="35000">
+              <a:schemeClr val="phClr">
+                <a:tint val="37000"/>
+                <a:satMod val="300000"/>
+              </a:schemeClr>
+            </a:gs>
+            <a:gs pos="100000">
+              <a:schemeClr val="phClr">
+                <a:tint val="15000"/>
+                <a:satMod val="350000"/>
+              </a:schemeClr>
+            </a:gs>
+          </a:gsLst>
+          <a:lin ang="16200000" scaled="1"/>
+        </a:gradFill>
+        <a:gradFill rotWithShape="1">
+          <a:gsLst>
+            <a:gs pos="0">
+              <a:schemeClr val="phClr">
+                <a:tint val="100000"/>
+                <a:shade val="100000"/>
+                <a:satMod val="130000"/>
+              </a:schemeClr>
+            </a:gs>
+            <a:gs pos="100000">
+              <a:schemeClr val="phClr">
+                <a:tint val="50000"/>
+                <a:shade val="100000"/>
+                <a:satMod val="350000"/>
+              </a:schemeClr>
+            </a:gs>
+          </a:gsLst>
+          <a:lin ang="16200000" scaled="0"/>
+        </a:gradFill>
+      </a:fillStyleLst>
+      <a:lnStyleLst>
+        <a:ln w="9525" cap="flat" cmpd="sng" algn="ctr">
+          <a:solidFill>
+            <a:schemeClr val="phClr">
+              <a:shade val="95000"/>
+              <a:satMod val="105000"/>
+            </a:schemeClr>
+          </a:solidFill>
+          <a:prstDash val="solid"/>
+        </a:ln>
+        <a:ln w="25400" cap="flat" cmpd="sng" algn="ctr">
+          <a:solidFill>
+            <a:schemeClr val="phClr"/>
+          </a:solidFill>
+          <a:prstDash val="solid"/>
+        </a:ln>
+        <a:ln w="38100" cap="flat" cmpd="sng" algn="ctr">
+          <a:solidFill>
+            <a:schemeClr val="phClr"/>
+          </a:solidFill>
+          <a:prstDash val="solid"/>
+        </a:ln>
+      </a:lnStyleLst>
+      <a:effectStyleLst>
+        <a:effectStyle>
+          <a:effectLst>
+            <a:outerShdw blurRad="40000" dist="20000" dir="5400000" rotWithShape="0">
+              <a:srgbClr val="000000">
+                <a:alpha val="38000"/>
+              </a:srgbClr>
+            </a:outerShdw>
+          </a:effectLst>
+        </a:effectStyle>
+        <a:effectStyle>
+          <a:effectLst>
+            <a:outerShdw blurRad="40000" dist="23000" dir="5400000" rotWithShape="0">
+              <a:srgbClr val="000000">
+                <a:alpha val="35000"/>
+              </a:srgbClr>
+            </a:outerShdw>
+          </a:effectLst>
+        </a:effectStyle>
+        <a:effectStyle>
+          <a:effectLst>
+            <a:outerShdw blurRad="40000" dist="23000" dir="5400000" rotWithShape="0">
+              <a:srgbClr val="000000">
+                <a:alpha val="35000"/>
+              </a:srgbClr>
+            </a:outerShdw>
+          </a:effectLst>
+          <a:scene3d>
+            <a:camera prst="orthographicFront">
+              <a:rot lat="0" lon="0" rev="0"/>
+            </a:camera>
+            <a:lightRig rig="threePt" dir="t">
+              <a:rot lat="0" lon="0" rev="1200000"/>
+            </a:lightRig>
+          </a:scene3d>
+          <a:sp3d>
+            <a:bevelT w="63500" h="25400"/>
+          </a:sp3d>
+        </a:effectStyle>
+      </a:effectStyleLst>
+      <a:bgFillStyleLst>
+        <a:solidFill>
+          <a:schemeClr val="phClr"/>
+        </a:solidFill>
+        <a:gradFill rotWithShape="1">
+          <a:gsLst>
+            <a:gs pos="0">
+              <a:schemeClr val="phClr">
+                <a:tint val="40000"/>
+                <a:satMod val="350000"/>
+              </a:schemeClr>
+            </a:gs>
+            <a:gs pos="40000">
+              <a:schemeClr val="phClr">
+                <a:tint val="45000"/>
+                <a:shade val="99000"/>
+                <a:satMod val="350000"/>
+              </a:schemeClr>
+            </a:gs>
+            <a:gs pos="100000">
+              <a:schemeClr val="phClr">
+                <a:shade val="20000"/>
+                <a:satMod val="255000"/>
+              </a:schemeClr>
+            </a:gs>
+          </a:gsLst>
+          <a:path path="circle">
+            <a:fillToRect l="50000" t="-80000" r="50000" b="180000"/>
+          </a:path>
+        </a:gradFill>
+        <a:gradFill rotWithShape="1">
+          <a:gsLst>
+            <a:gs pos="0">
+              <a:schemeClr val="phClr">
+                <a:tint val="80000"/>
+                <a:satMod val="300000"/>
+              </a:schemeClr>
+            </a:gs>
+            <a:gs pos="100000">
+              <a:schemeClr val="phClr">
+                <a:shade val="30000"/>
+                <a:satMod val="200000"/>
+              </a:schemeClr>
+            </a:gs>
+          </a:gsLst>
+          <a:path path="circle">
+            <a:fillToRect l="50000" t="50000" r="50000" b="50000"/>
+          </a:path>
+        </a:gradFill>
+      </a:bgFillStyleLst>
+    </a:fmtScheme>
+  </a:themeElements>
+  <a:objectDefaults/>
+  <a:extraClrSchemeLst/>
+</a:theme>
+</file>
+
+<file path=ppt/theme/theme2.xml><?xml version="1.0" encoding="utf-8"?>
+<a:theme xmlns:a="http://schemas.openxmlformats.org/drawingml/2006/main">
   <a:themeElements>
     <a:clrScheme name="Default">
       <a:dk1>
@@ -8519,284 +9246,7 @@
       </a:bgFillStyleLst>
     </a:fmtScheme>
   </a:themeElements>
-</a:theme>
-</file>
-
-<file path=ppt/theme/theme2.xml><?xml version="1.0" encoding="utf-8"?>
-<a:theme xmlns:a="http://schemas.openxmlformats.org/drawingml/2006/main" xmlns:r="http://schemas.openxmlformats.org/officeDocument/2006/relationships" name="Simple Light">
-  <a:themeElements>
-    <a:clrScheme name="Simple Light">
-      <a:dk1>
-        <a:srgbClr val="000000"/>
-      </a:dk1>
-      <a:lt1>
-        <a:srgbClr val="FFFFFF"/>
-      </a:lt1>
-      <a:dk2>
-        <a:srgbClr val="595959"/>
-      </a:dk2>
-      <a:lt2>
-        <a:srgbClr val="EEEEEE"/>
-      </a:lt2>
-      <a:accent1>
-        <a:srgbClr val="4285F4"/>
-      </a:accent1>
-      <a:accent2>
-        <a:srgbClr val="212121"/>
-      </a:accent2>
-      <a:accent3>
-        <a:srgbClr val="78909C"/>
-      </a:accent3>
-      <a:accent4>
-        <a:srgbClr val="FFAB40"/>
-      </a:accent4>
-      <a:accent5>
-        <a:srgbClr val="0097A7"/>
-      </a:accent5>
-      <a:accent6>
-        <a:srgbClr val="EEFF41"/>
-      </a:accent6>
-      <a:hlink>
-        <a:srgbClr val="0097A7"/>
-      </a:hlink>
-      <a:folHlink>
-        <a:srgbClr val="0097A7"/>
-      </a:folHlink>
-    </a:clrScheme>
-    <a:fontScheme name="Office">
-      <a:majorFont>
-        <a:latin typeface="Arial"/>
-        <a:ea typeface=""/>
-        <a:cs typeface=""/>
-        <a:font script="Jpan" typeface="ＭＳ Ｐゴシック"/>
-        <a:font script="Hang" typeface="맑은 고딕"/>
-        <a:font script="Hans" typeface="宋体"/>
-        <a:font script="Hant" typeface="新細明體"/>
-        <a:font script="Arab" typeface="Times New Roman"/>
-        <a:font script="Hebr" typeface="Times New Roman"/>
-        <a:font script="Thai" typeface="Angsana New"/>
-        <a:font script="Ethi" typeface="Nyala"/>
-        <a:font script="Beng" typeface="Vrinda"/>
-        <a:font script="Gujr" typeface="Shruti"/>
-        <a:font script="Khmr" typeface="MoolBoran"/>
-        <a:font script="Knda" typeface="Tunga"/>
-        <a:font script="Guru" typeface="Raavi"/>
-        <a:font script="Cans" typeface="Euphemia"/>
-        <a:font script="Cher" typeface="Plantagenet Cherokee"/>
-        <a:font script="Yiii" typeface="Microsoft Yi Baiti"/>
-        <a:font script="Tibt" typeface="Microsoft Himalaya"/>
-        <a:font script="Thaa" typeface="MV Boli"/>
-        <a:font script="Deva" typeface="Mangal"/>
-        <a:font script="Telu" typeface="Gautami"/>
-        <a:font script="Taml" typeface="Latha"/>
-        <a:font script="Syrc" typeface="Estrangelo Edessa"/>
-        <a:font script="Orya" typeface="Kalinga"/>
-        <a:font script="Mlym" typeface="Kartika"/>
-        <a:font script="Laoo" typeface="DokChampa"/>
-        <a:font script="Sinh" typeface="Iskoola Pota"/>
-        <a:font script="Mong" typeface="Mongolian Baiti"/>
-        <a:font script="Viet" typeface="Times New Roman"/>
-        <a:font script="Uigh" typeface="Microsoft Uighur"/>
-        <a:font script="Geor" typeface="Sylfaen"/>
-      </a:majorFont>
-      <a:minorFont>
-        <a:latin typeface="Arial"/>
-        <a:ea typeface=""/>
-        <a:cs typeface=""/>
-        <a:font script="Jpan" typeface="ＭＳ Ｐゴシック"/>
-        <a:font script="Hang" typeface="맑은 고딕"/>
-        <a:font script="Hans" typeface="宋体"/>
-        <a:font script="Hant" typeface="新細明體"/>
-        <a:font script="Arab" typeface="Arial"/>
-        <a:font script="Hebr" typeface="Arial"/>
-        <a:font script="Thai" typeface="Cordia New"/>
-        <a:font script="Ethi" typeface="Nyala"/>
-        <a:font script="Beng" typeface="Vrinda"/>
-        <a:font script="Gujr" typeface="Shruti"/>
-        <a:font script="Khmr" typeface="DaunPenh"/>
-        <a:font script="Knda" typeface="Tunga"/>
-        <a:font script="Guru" typeface="Raavi"/>
-        <a:font script="Cans" typeface="Euphemia"/>
-        <a:font script="Cher" typeface="Plantagenet Cherokee"/>
-        <a:font script="Yiii" typeface="Microsoft Yi Baiti"/>
-        <a:font script="Tibt" typeface="Microsoft Himalaya"/>
-        <a:font script="Thaa" typeface="MV Boli"/>
-        <a:font script="Deva" typeface="Mangal"/>
-        <a:font script="Telu" typeface="Gautami"/>
-        <a:font script="Taml" typeface="Latha"/>
-        <a:font script="Syrc" typeface="Estrangelo Edessa"/>
-        <a:font script="Orya" typeface="Kalinga"/>
-        <a:font script="Mlym" typeface="Kartika"/>
-        <a:font script="Laoo" typeface="DokChampa"/>
-        <a:font script="Sinh" typeface="Iskoola Pota"/>
-        <a:font script="Mong" typeface="Mongolian Baiti"/>
-        <a:font script="Viet" typeface="Arial"/>
-        <a:font script="Uigh" typeface="Microsoft Uighur"/>
-        <a:font script="Geor" typeface="Sylfaen"/>
-      </a:minorFont>
-    </a:fontScheme>
-    <a:fmtScheme name="Office">
-      <a:fillStyleLst>
-        <a:solidFill>
-          <a:schemeClr val="phClr"/>
-        </a:solidFill>
-        <a:gradFill rotWithShape="1">
-          <a:gsLst>
-            <a:gs pos="0">
-              <a:schemeClr val="phClr">
-                <a:tint val="50000"/>
-                <a:satMod val="300000"/>
-              </a:schemeClr>
-            </a:gs>
-            <a:gs pos="35000">
-              <a:schemeClr val="phClr">
-                <a:tint val="37000"/>
-                <a:satMod val="300000"/>
-              </a:schemeClr>
-            </a:gs>
-            <a:gs pos="100000">
-              <a:schemeClr val="phClr">
-                <a:tint val="15000"/>
-                <a:satMod val="350000"/>
-              </a:schemeClr>
-            </a:gs>
-          </a:gsLst>
-          <a:lin ang="16200000" scaled="1"/>
-        </a:gradFill>
-        <a:gradFill rotWithShape="1">
-          <a:gsLst>
-            <a:gs pos="0">
-              <a:schemeClr val="phClr">
-                <a:tint val="100000"/>
-                <a:shade val="100000"/>
-                <a:satMod val="130000"/>
-              </a:schemeClr>
-            </a:gs>
-            <a:gs pos="100000">
-              <a:schemeClr val="phClr">
-                <a:tint val="50000"/>
-                <a:shade val="100000"/>
-                <a:satMod val="350000"/>
-              </a:schemeClr>
-            </a:gs>
-          </a:gsLst>
-          <a:lin ang="16200000" scaled="0"/>
-        </a:gradFill>
-      </a:fillStyleLst>
-      <a:lnStyleLst>
-        <a:ln w="9525" cap="flat" cmpd="sng" algn="ctr">
-          <a:solidFill>
-            <a:schemeClr val="phClr">
-              <a:shade val="95000"/>
-              <a:satMod val="105000"/>
-            </a:schemeClr>
-          </a:solidFill>
-          <a:prstDash val="solid"/>
-        </a:ln>
-        <a:ln w="25400" cap="flat" cmpd="sng" algn="ctr">
-          <a:solidFill>
-            <a:schemeClr val="phClr"/>
-          </a:solidFill>
-          <a:prstDash val="solid"/>
-        </a:ln>
-        <a:ln w="38100" cap="flat" cmpd="sng" algn="ctr">
-          <a:solidFill>
-            <a:schemeClr val="phClr"/>
-          </a:solidFill>
-          <a:prstDash val="solid"/>
-        </a:ln>
-      </a:lnStyleLst>
-      <a:effectStyleLst>
-        <a:effectStyle>
-          <a:effectLst>
-            <a:outerShdw blurRad="40000" dist="20000" dir="5400000" rotWithShape="0">
-              <a:srgbClr val="000000">
-                <a:alpha val="38000"/>
-              </a:srgbClr>
-            </a:outerShdw>
-          </a:effectLst>
-        </a:effectStyle>
-        <a:effectStyle>
-          <a:effectLst>
-            <a:outerShdw blurRad="40000" dist="23000" dir="5400000" rotWithShape="0">
-              <a:srgbClr val="000000">
-                <a:alpha val="35000"/>
-              </a:srgbClr>
-            </a:outerShdw>
-          </a:effectLst>
-        </a:effectStyle>
-        <a:effectStyle>
-          <a:effectLst>
-            <a:outerShdw blurRad="40000" dist="23000" dir="5400000" rotWithShape="0">
-              <a:srgbClr val="000000">
-                <a:alpha val="35000"/>
-              </a:srgbClr>
-            </a:outerShdw>
-          </a:effectLst>
-          <a:scene3d>
-            <a:camera prst="orthographicFront">
-              <a:rot lat="0" lon="0" rev="0"/>
-            </a:camera>
-            <a:lightRig rig="threePt" dir="t">
-              <a:rot lat="0" lon="0" rev="1200000"/>
-            </a:lightRig>
-          </a:scene3d>
-          <a:sp3d>
-            <a:bevelT w="63500" h="25400"/>
-          </a:sp3d>
-        </a:effectStyle>
-      </a:effectStyleLst>
-      <a:bgFillStyleLst>
-        <a:solidFill>
-          <a:schemeClr val="phClr"/>
-        </a:solidFill>
-        <a:gradFill rotWithShape="1">
-          <a:gsLst>
-            <a:gs pos="0">
-              <a:schemeClr val="phClr">
-                <a:tint val="40000"/>
-                <a:satMod val="350000"/>
-              </a:schemeClr>
-            </a:gs>
-            <a:gs pos="40000">
-              <a:schemeClr val="phClr">
-                <a:tint val="45000"/>
-                <a:shade val="99000"/>
-                <a:satMod val="350000"/>
-              </a:schemeClr>
-            </a:gs>
-            <a:gs pos="100000">
-              <a:schemeClr val="phClr">
-                <a:shade val="20000"/>
-                <a:satMod val="255000"/>
-              </a:schemeClr>
-            </a:gs>
-          </a:gsLst>
-          <a:path path="circle">
-            <a:fillToRect l="50000" t="-80000" r="50000" b="180000"/>
-          </a:path>
-        </a:gradFill>
-        <a:gradFill rotWithShape="1">
-          <a:gsLst>
-            <a:gs pos="0">
-              <a:schemeClr val="phClr">
-                <a:tint val="80000"/>
-                <a:satMod val="300000"/>
-              </a:schemeClr>
-            </a:gs>
-            <a:gs pos="100000">
-              <a:schemeClr val="phClr">
-                <a:shade val="30000"/>
-                <a:satMod val="200000"/>
-              </a:schemeClr>
-            </a:gs>
-          </a:gsLst>
-          <a:path path="circle">
-            <a:fillToRect l="50000" t="50000" r="50000" b="50000"/>
-          </a:path>
-        </a:gradFill>
-      </a:bgFillStyleLst>
-    </a:fmtScheme>
-  </a:themeElements>
+  <a:objectDefaults/>
+  <a:extraClrSchemeLst/>
 </a:theme>
 </file>